--- a/Day_1/Day_1_Lectures/Slides/Day_1_Lecture_Intro.pptx
+++ b/Day_1/Day_1_Lectures/Slides/Day_1_Lecture_Intro.pptx
@@ -5,29 +5,37 @@
     <p:sldMasterId id="2147483648" r:id="rId1"/>
   </p:sldMasterIdLst>
   <p:notesMasterIdLst>
-    <p:notesMasterId r:id="rId22"/>
+    <p:notesMasterId r:id="rId30"/>
   </p:notesMasterIdLst>
   <p:sldIdLst>
     <p:sldId id="256" r:id="rId2"/>
     <p:sldId id="263" r:id="rId3"/>
     <p:sldId id="265" r:id="rId4"/>
-    <p:sldId id="257" r:id="rId5"/>
-    <p:sldId id="258" r:id="rId6"/>
-    <p:sldId id="266" r:id="rId7"/>
-    <p:sldId id="267" r:id="rId8"/>
-    <p:sldId id="268" r:id="rId9"/>
-    <p:sldId id="270" r:id="rId10"/>
-    <p:sldId id="259" r:id="rId11"/>
-    <p:sldId id="271" r:id="rId12"/>
-    <p:sldId id="260" r:id="rId13"/>
-    <p:sldId id="272" r:id="rId14"/>
-    <p:sldId id="269" r:id="rId15"/>
-    <p:sldId id="274" r:id="rId16"/>
-    <p:sldId id="261" r:id="rId17"/>
-    <p:sldId id="275" r:id="rId18"/>
-    <p:sldId id="273" r:id="rId19"/>
-    <p:sldId id="276" r:id="rId20"/>
-    <p:sldId id="262" r:id="rId21"/>
+    <p:sldId id="282" r:id="rId5"/>
+    <p:sldId id="283" r:id="rId6"/>
+    <p:sldId id="284" r:id="rId7"/>
+    <p:sldId id="278" r:id="rId8"/>
+    <p:sldId id="279" r:id="rId9"/>
+    <p:sldId id="281" r:id="rId10"/>
+    <p:sldId id="280" r:id="rId11"/>
+    <p:sldId id="277" r:id="rId12"/>
+    <p:sldId id="257" r:id="rId13"/>
+    <p:sldId id="258" r:id="rId14"/>
+    <p:sldId id="266" r:id="rId15"/>
+    <p:sldId id="267" r:id="rId16"/>
+    <p:sldId id="268" r:id="rId17"/>
+    <p:sldId id="270" r:id="rId18"/>
+    <p:sldId id="259" r:id="rId19"/>
+    <p:sldId id="271" r:id="rId20"/>
+    <p:sldId id="260" r:id="rId21"/>
+    <p:sldId id="272" r:id="rId22"/>
+    <p:sldId id="269" r:id="rId23"/>
+    <p:sldId id="274" r:id="rId24"/>
+    <p:sldId id="261" r:id="rId25"/>
+    <p:sldId id="275" r:id="rId26"/>
+    <p:sldId id="273" r:id="rId27"/>
+    <p:sldId id="276" r:id="rId28"/>
+    <p:sldId id="262" r:id="rId29"/>
   </p:sldIdLst>
   <p:sldSz cx="9144000" cy="6858000" type="screen4x3"/>
   <p:notesSz cx="6858000" cy="9144000"/>
@@ -211,7 +219,7 @@
           <a:p>
             <a:fld id="{C7A54013-F892-DE44-896E-D89BDDF144E6}" type="datetimeFigureOut">
               <a:rPr lang="en-US" smtClean="0"/>
-              <a:t>2/2/15</a:t>
+              <a:t>2/14/15</a:t>
             </a:fld>
             <a:endParaRPr lang="en-US"/>
           </a:p>
@@ -571,6 +579,495 @@
 </p:notes>
 </file>
 
+<file path=ppt/notesSlides/notesSlide10.xml><?xml version="1.0" encoding="utf-8"?>
+<p:notes xmlns:a="http://schemas.openxmlformats.org/drawingml/2006/main" xmlns:r="http://schemas.openxmlformats.org/officeDocument/2006/relationships" xmlns:p="http://schemas.openxmlformats.org/presentationml/2006/main">
+  <p:cSld>
+    <p:spTree>
+      <p:nvGrpSpPr>
+        <p:cNvPr id="1" name=""/>
+        <p:cNvGrpSpPr/>
+        <p:nvPr/>
+      </p:nvGrpSpPr>
+      <p:grpSpPr>
+        <a:xfrm>
+          <a:off x="0" y="0"/>
+          <a:ext cx="0" cy="0"/>
+          <a:chOff x="0" y="0"/>
+          <a:chExt cx="0" cy="0"/>
+        </a:xfrm>
+      </p:grpSpPr>
+      <p:sp>
+        <p:nvSpPr>
+          <p:cNvPr id="2" name="Slide Image Placeholder 1"/>
+          <p:cNvSpPr>
+            <a:spLocks noGrp="1" noRot="1" noChangeAspect="1"/>
+          </p:cNvSpPr>
+          <p:nvPr>
+            <p:ph type="sldImg"/>
+          </p:nvPr>
+        </p:nvSpPr>
+        <p:spPr/>
+      </p:sp>
+      <p:sp>
+        <p:nvSpPr>
+          <p:cNvPr id="3" name="Notes Placeholder 2"/>
+          <p:cNvSpPr>
+            <a:spLocks noGrp="1"/>
+          </p:cNvSpPr>
+          <p:nvPr>
+            <p:ph type="body" idx="1"/>
+          </p:nvPr>
+        </p:nvSpPr>
+        <p:spPr/>
+        <p:txBody>
+          <a:bodyPr/>
+          <a:lstStyle/>
+          <a:p>
+            <a:r>
+              <a:rPr lang="en-US" dirty="0" smtClean="0"/>
+              <a:t>Our focus is on digital data… </a:t>
+            </a:r>
+            <a:endParaRPr lang="en-US" dirty="0"/>
+          </a:p>
+        </p:txBody>
+      </p:sp>
+      <p:sp>
+        <p:nvSpPr>
+          <p:cNvPr id="4" name="Slide Number Placeholder 3"/>
+          <p:cNvSpPr>
+            <a:spLocks noGrp="1"/>
+          </p:cNvSpPr>
+          <p:nvPr>
+            <p:ph type="sldNum" sz="quarter" idx="10"/>
+          </p:nvPr>
+        </p:nvSpPr>
+        <p:spPr/>
+        <p:txBody>
+          <a:bodyPr/>
+          <a:lstStyle/>
+          <a:p>
+            <a:fld id="{2D6AA457-920D-9C48-BD45-58BDD0C705B6}" type="slidenum">
+              <a:rPr lang="en-US" smtClean="0"/>
+              <a:t>19</a:t>
+            </a:fld>
+            <a:endParaRPr lang="en-US"/>
+          </a:p>
+        </p:txBody>
+      </p:sp>
+    </p:spTree>
+    <p:extLst>
+      <p:ext uri="{BB962C8B-B14F-4D97-AF65-F5344CB8AC3E}">
+        <p14:creationId xmlns:p14="http://schemas.microsoft.com/office/powerpoint/2010/main" val="1922362731"/>
+      </p:ext>
+    </p:extLst>
+  </p:cSld>
+  <p:clrMapOvr>
+    <a:masterClrMapping/>
+  </p:clrMapOvr>
+</p:notes>
+</file>
+
+<file path=ppt/notesSlides/notesSlide11.xml><?xml version="1.0" encoding="utf-8"?>
+<p:notes xmlns:a="http://schemas.openxmlformats.org/drawingml/2006/main" xmlns:r="http://schemas.openxmlformats.org/officeDocument/2006/relationships" xmlns:p="http://schemas.openxmlformats.org/presentationml/2006/main">
+  <p:cSld>
+    <p:spTree>
+      <p:nvGrpSpPr>
+        <p:cNvPr id="1" name=""/>
+        <p:cNvGrpSpPr/>
+        <p:nvPr/>
+      </p:nvGrpSpPr>
+      <p:grpSpPr>
+        <a:xfrm>
+          <a:off x="0" y="0"/>
+          <a:ext cx="0" cy="0"/>
+          <a:chOff x="0" y="0"/>
+          <a:chExt cx="0" cy="0"/>
+        </a:xfrm>
+      </p:grpSpPr>
+      <p:sp>
+        <p:nvSpPr>
+          <p:cNvPr id="2" name="Slide Image Placeholder 1"/>
+          <p:cNvSpPr>
+            <a:spLocks noGrp="1" noRot="1" noChangeAspect="1"/>
+          </p:cNvSpPr>
+          <p:nvPr>
+            <p:ph type="sldImg"/>
+          </p:nvPr>
+        </p:nvSpPr>
+        <p:spPr/>
+      </p:sp>
+      <p:sp>
+        <p:nvSpPr>
+          <p:cNvPr id="3" name="Notes Placeholder 2"/>
+          <p:cNvSpPr>
+            <a:spLocks noGrp="1"/>
+          </p:cNvSpPr>
+          <p:nvPr>
+            <p:ph type="body" idx="1"/>
+          </p:nvPr>
+        </p:nvSpPr>
+        <p:spPr/>
+        <p:txBody>
+          <a:bodyPr/>
+          <a:lstStyle/>
+          <a:p>
+            <a:r>
+              <a:rPr lang="en-US" dirty="0" smtClean="0"/>
+              <a:t>Steward of physical objects </a:t>
+            </a:r>
+            <a:r>
+              <a:rPr lang="en-US" baseline="0" dirty="0" smtClean="0"/>
+              <a:t> …. </a:t>
+            </a:r>
+            <a:r>
+              <a:rPr lang="en-US" dirty="0" smtClean="0"/>
+              <a:t>preservation, and meaningful arrangement of material collection</a:t>
+            </a:r>
+            <a:r>
+              <a:rPr lang="en-US" baseline="0" dirty="0" smtClean="0"/>
+              <a:t> … </a:t>
+            </a:r>
+          </a:p>
+          <a:p>
+            <a:endParaRPr lang="en-US" baseline="0" dirty="0" smtClean="0"/>
+          </a:p>
+          <a:p>
+            <a:endParaRPr lang="en-US" dirty="0"/>
+          </a:p>
+        </p:txBody>
+      </p:sp>
+      <p:sp>
+        <p:nvSpPr>
+          <p:cNvPr id="4" name="Slide Number Placeholder 3"/>
+          <p:cNvSpPr>
+            <a:spLocks noGrp="1"/>
+          </p:cNvSpPr>
+          <p:nvPr>
+            <p:ph type="sldNum" sz="quarter" idx="10"/>
+          </p:nvPr>
+        </p:nvSpPr>
+        <p:spPr/>
+        <p:txBody>
+          <a:bodyPr/>
+          <a:lstStyle/>
+          <a:p>
+            <a:fld id="{2D6AA457-920D-9C48-BD45-58BDD0C705B6}" type="slidenum">
+              <a:rPr lang="en-US" smtClean="0"/>
+              <a:t>24</a:t>
+            </a:fld>
+            <a:endParaRPr lang="en-US"/>
+          </a:p>
+        </p:txBody>
+      </p:sp>
+    </p:spTree>
+    <p:extLst>
+      <p:ext uri="{BB962C8B-B14F-4D97-AF65-F5344CB8AC3E}">
+        <p14:creationId xmlns:p14="http://schemas.microsoft.com/office/powerpoint/2010/main" val="1073897848"/>
+      </p:ext>
+    </p:extLst>
+  </p:cSld>
+  <p:clrMapOvr>
+    <a:masterClrMapping/>
+  </p:clrMapOvr>
+</p:notes>
+</file>
+
+<file path=ppt/notesSlides/notesSlide12.xml><?xml version="1.0" encoding="utf-8"?>
+<p:notes xmlns:a="http://schemas.openxmlformats.org/drawingml/2006/main" xmlns:r="http://schemas.openxmlformats.org/officeDocument/2006/relationships" xmlns:p="http://schemas.openxmlformats.org/presentationml/2006/main">
+  <p:cSld>
+    <p:spTree>
+      <p:nvGrpSpPr>
+        <p:cNvPr id="1" name=""/>
+        <p:cNvGrpSpPr/>
+        <p:nvPr/>
+      </p:nvGrpSpPr>
+      <p:grpSpPr>
+        <a:xfrm>
+          <a:off x="0" y="0"/>
+          <a:ext cx="0" cy="0"/>
+          <a:chOff x="0" y="0"/>
+          <a:chExt cx="0" cy="0"/>
+        </a:xfrm>
+      </p:grpSpPr>
+      <p:sp>
+        <p:nvSpPr>
+          <p:cNvPr id="2" name="Slide Image Placeholder 1"/>
+          <p:cNvSpPr>
+            <a:spLocks noGrp="1" noRot="1" noChangeAspect="1"/>
+          </p:cNvSpPr>
+          <p:nvPr>
+            <p:ph type="sldImg"/>
+          </p:nvPr>
+        </p:nvSpPr>
+        <p:spPr/>
+      </p:sp>
+      <p:sp>
+        <p:nvSpPr>
+          <p:cNvPr id="3" name="Notes Placeholder 2"/>
+          <p:cNvSpPr>
+            <a:spLocks noGrp="1"/>
+          </p:cNvSpPr>
+          <p:nvPr>
+            <p:ph type="body" idx="1"/>
+          </p:nvPr>
+        </p:nvSpPr>
+        <p:spPr/>
+        <p:txBody>
+          <a:bodyPr/>
+          <a:lstStyle/>
+          <a:p>
+            <a:r>
+              <a:rPr lang="en-US" dirty="0" smtClean="0"/>
+              <a:t>Over time the concept has been transferred from the context of physical specimens found in natural history museums or the thematic collections of art, to a digital environment where the curatorial roles of stewardship, preservation and meaningful arrangement have taken on new meanings (Weber et al, 2013).</a:t>
+            </a:r>
+          </a:p>
+          <a:p>
+            <a:endParaRPr lang="en-US" dirty="0" smtClean="0"/>
+          </a:p>
+          <a:p>
+            <a:r>
+              <a:rPr lang="en-US" dirty="0" smtClean="0"/>
+              <a:t>In a scholarly environment curatorial roles include developing indexing systems, metadata standards, ontologies, and retrieval systems that will make it possible for research data to work in concert with existing digital libraries, archives, and repositories (Palmer, Renear and Cragin, 2007). Increasingly, this work is aimed at improving data quality, guaranteeing authentication of digital resources throughout a lifecycle of us e and reuse, and capturing provenance of scholarly activities using workflow technologies.</a:t>
+            </a:r>
+          </a:p>
+          <a:p>
+            <a:endParaRPr lang="en-US" dirty="0" smtClean="0"/>
+          </a:p>
+          <a:p>
+            <a:endParaRPr lang="en-US" dirty="0"/>
+          </a:p>
+        </p:txBody>
+      </p:sp>
+      <p:sp>
+        <p:nvSpPr>
+          <p:cNvPr id="4" name="Slide Number Placeholder 3"/>
+          <p:cNvSpPr>
+            <a:spLocks noGrp="1"/>
+          </p:cNvSpPr>
+          <p:nvPr>
+            <p:ph type="sldNum" sz="quarter" idx="10"/>
+          </p:nvPr>
+        </p:nvSpPr>
+        <p:spPr/>
+        <p:txBody>
+          <a:bodyPr/>
+          <a:lstStyle/>
+          <a:p>
+            <a:fld id="{2D6AA457-920D-9C48-BD45-58BDD0C705B6}" type="slidenum">
+              <a:rPr lang="en-US" smtClean="0"/>
+              <a:t>26</a:t>
+            </a:fld>
+            <a:endParaRPr lang="en-US"/>
+          </a:p>
+        </p:txBody>
+      </p:sp>
+    </p:spTree>
+    <p:extLst>
+      <p:ext uri="{BB962C8B-B14F-4D97-AF65-F5344CB8AC3E}">
+        <p14:creationId xmlns:p14="http://schemas.microsoft.com/office/powerpoint/2010/main" val="1669931513"/>
+      </p:ext>
+    </p:extLst>
+  </p:cSld>
+  <p:clrMapOvr>
+    <a:masterClrMapping/>
+  </p:clrMapOvr>
+</p:notes>
+</file>
+
+<file path=ppt/notesSlides/notesSlide13.xml><?xml version="1.0" encoding="utf-8"?>
+<p:notes xmlns:a="http://schemas.openxmlformats.org/drawingml/2006/main" xmlns:r="http://schemas.openxmlformats.org/officeDocument/2006/relationships" xmlns:p="http://schemas.openxmlformats.org/presentationml/2006/main">
+  <p:cSld>
+    <p:spTree>
+      <p:nvGrpSpPr>
+        <p:cNvPr id="1" name=""/>
+        <p:cNvGrpSpPr/>
+        <p:nvPr/>
+      </p:nvGrpSpPr>
+      <p:grpSpPr>
+        <a:xfrm>
+          <a:off x="0" y="0"/>
+          <a:ext cx="0" cy="0"/>
+          <a:chOff x="0" y="0"/>
+          <a:chExt cx="0" cy="0"/>
+        </a:xfrm>
+      </p:grpSpPr>
+      <p:sp>
+        <p:nvSpPr>
+          <p:cNvPr id="2" name="Slide Image Placeholder 1"/>
+          <p:cNvSpPr>
+            <a:spLocks noGrp="1" noRot="1" noChangeAspect="1"/>
+          </p:cNvSpPr>
+          <p:nvPr>
+            <p:ph type="sldImg"/>
+          </p:nvPr>
+        </p:nvSpPr>
+        <p:spPr/>
+      </p:sp>
+      <p:sp>
+        <p:nvSpPr>
+          <p:cNvPr id="3" name="Notes Placeholder 2"/>
+          <p:cNvSpPr>
+            <a:spLocks noGrp="1"/>
+          </p:cNvSpPr>
+          <p:nvPr>
+            <p:ph type="body" idx="1"/>
+          </p:nvPr>
+        </p:nvSpPr>
+        <p:spPr/>
+        <p:txBody>
+          <a:bodyPr/>
+          <a:lstStyle/>
+          <a:p>
+            <a:r>
+              <a:rPr lang="en-US" dirty="0" smtClean="0"/>
+              <a:t>Explain roles</a:t>
+            </a:r>
+          </a:p>
+          <a:p>
+            <a:endParaRPr lang="en-US" dirty="0" smtClean="0"/>
+          </a:p>
+          <a:p>
+            <a:r>
+              <a:rPr lang="en-US" dirty="0" smtClean="0"/>
+              <a:t>Explain then the concept</a:t>
+            </a:r>
+            <a:r>
+              <a:rPr lang="en-US" baseline="0" dirty="0" smtClean="0"/>
+              <a:t> of data curation… </a:t>
+            </a:r>
+          </a:p>
+          <a:p>
+            <a:endParaRPr lang="en-US" baseline="0" smtClean="0"/>
+          </a:p>
+          <a:p>
+            <a:endParaRPr lang="en-US"/>
+          </a:p>
+        </p:txBody>
+      </p:sp>
+      <p:sp>
+        <p:nvSpPr>
+          <p:cNvPr id="4" name="Slide Number Placeholder 3"/>
+          <p:cNvSpPr>
+            <a:spLocks noGrp="1"/>
+          </p:cNvSpPr>
+          <p:nvPr>
+            <p:ph type="sldNum" sz="quarter" idx="10"/>
+          </p:nvPr>
+        </p:nvSpPr>
+        <p:spPr/>
+        <p:txBody>
+          <a:bodyPr/>
+          <a:lstStyle/>
+          <a:p>
+            <a:fld id="{2D6AA457-920D-9C48-BD45-58BDD0C705B6}" type="slidenum">
+              <a:rPr lang="en-US" smtClean="0"/>
+              <a:t>27</a:t>
+            </a:fld>
+            <a:endParaRPr lang="en-US"/>
+          </a:p>
+        </p:txBody>
+      </p:sp>
+    </p:spTree>
+    <p:extLst>
+      <p:ext uri="{BB962C8B-B14F-4D97-AF65-F5344CB8AC3E}">
+        <p14:creationId xmlns:p14="http://schemas.microsoft.com/office/powerpoint/2010/main" val="2265920487"/>
+      </p:ext>
+    </p:extLst>
+  </p:cSld>
+  <p:clrMapOvr>
+    <a:masterClrMapping/>
+  </p:clrMapOvr>
+</p:notes>
+</file>
+
+<file path=ppt/notesSlides/notesSlide14.xml><?xml version="1.0" encoding="utf-8"?>
+<p:notes xmlns:a="http://schemas.openxmlformats.org/drawingml/2006/main" xmlns:r="http://schemas.openxmlformats.org/officeDocument/2006/relationships" xmlns:p="http://schemas.openxmlformats.org/presentationml/2006/main">
+  <p:cSld>
+    <p:spTree>
+      <p:nvGrpSpPr>
+        <p:cNvPr id="1" name=""/>
+        <p:cNvGrpSpPr/>
+        <p:nvPr/>
+      </p:nvGrpSpPr>
+      <p:grpSpPr>
+        <a:xfrm>
+          <a:off x="0" y="0"/>
+          <a:ext cx="0" cy="0"/>
+          <a:chOff x="0" y="0"/>
+          <a:chExt cx="0" cy="0"/>
+        </a:xfrm>
+      </p:grpSpPr>
+      <p:sp>
+        <p:nvSpPr>
+          <p:cNvPr id="2" name="Slide Image Placeholder 1"/>
+          <p:cNvSpPr>
+            <a:spLocks noGrp="1" noRot="1" noChangeAspect="1"/>
+          </p:cNvSpPr>
+          <p:nvPr>
+            <p:ph type="sldImg"/>
+          </p:nvPr>
+        </p:nvSpPr>
+        <p:spPr/>
+      </p:sp>
+      <p:sp>
+        <p:nvSpPr>
+          <p:cNvPr id="3" name="Notes Placeholder 2"/>
+          <p:cNvSpPr>
+            <a:spLocks noGrp="1"/>
+          </p:cNvSpPr>
+          <p:nvPr>
+            <p:ph type="body" idx="1"/>
+          </p:nvPr>
+        </p:nvSpPr>
+        <p:spPr/>
+        <p:txBody>
+          <a:bodyPr/>
+          <a:lstStyle/>
+          <a:p>
+            <a:r>
+              <a:rPr lang="en-US" smtClean="0"/>
+              <a:t>All together now</a:t>
+            </a:r>
+            <a:endParaRPr lang="en-US"/>
+          </a:p>
+        </p:txBody>
+      </p:sp>
+      <p:sp>
+        <p:nvSpPr>
+          <p:cNvPr id="4" name="Slide Number Placeholder 3"/>
+          <p:cNvSpPr>
+            <a:spLocks noGrp="1"/>
+          </p:cNvSpPr>
+          <p:nvPr>
+            <p:ph type="sldNum" sz="quarter" idx="10"/>
+          </p:nvPr>
+        </p:nvSpPr>
+        <p:spPr/>
+        <p:txBody>
+          <a:bodyPr/>
+          <a:lstStyle/>
+          <a:p>
+            <a:fld id="{2D6AA457-920D-9C48-BD45-58BDD0C705B6}" type="slidenum">
+              <a:rPr lang="en-US" smtClean="0"/>
+              <a:t>28</a:t>
+            </a:fld>
+            <a:endParaRPr lang="en-US"/>
+          </a:p>
+        </p:txBody>
+      </p:sp>
+    </p:spTree>
+    <p:extLst>
+      <p:ext uri="{BB962C8B-B14F-4D97-AF65-F5344CB8AC3E}">
+        <p14:creationId xmlns:p14="http://schemas.microsoft.com/office/powerpoint/2010/main" val="982702615"/>
+      </p:ext>
+    </p:extLst>
+  </p:cSld>
+  <p:clrMapOvr>
+    <a:masterClrMapping/>
+  </p:clrMapOvr>
+</p:notes>
+</file>
+
 <file path=ppt/notesSlides/notesSlide2.xml><?xml version="1.0" encoding="utf-8"?>
 <p:notes xmlns:a="http://schemas.openxmlformats.org/drawingml/2006/main" xmlns:r="http://schemas.openxmlformats.org/officeDocument/2006/relationships" xmlns:p="http://schemas.openxmlformats.org/presentationml/2006/main">
   <p:cSld>
@@ -709,11 +1206,11 @@
           <a:p>
             <a:r>
               <a:rPr lang="en-US" dirty="0" smtClean="0"/>
-              <a:t>It helps to understand – first – what we</a:t>
+              <a:t>Why do</a:t>
             </a:r>
             <a:r>
               <a:rPr lang="en-US" baseline="0" dirty="0" smtClean="0"/>
-              <a:t> mean when we talk about data, and what we mean when we talk about curation</a:t>
+              <a:t> data curation? </a:t>
             </a:r>
             <a:endParaRPr lang="en-US" dirty="0"/>
           </a:p>
@@ -745,7 +1242,7 @@
     </p:spTree>
     <p:extLst>
       <p:ext uri="{BB962C8B-B14F-4D97-AF65-F5344CB8AC3E}">
-        <p14:creationId xmlns:p14="http://schemas.microsoft.com/office/powerpoint/2010/main" val="3725349141"/>
+        <p14:creationId xmlns:p14="http://schemas.microsoft.com/office/powerpoint/2010/main" val="1970997600"/>
       </p:ext>
     </p:extLst>
   </p:cSld>
@@ -801,7 +1298,7 @@
           <a:p>
             <a:r>
               <a:rPr lang="en-US" dirty="0" smtClean="0"/>
-              <a:t>Note that in this definition we do not make a distinction about these informational resources being digital; research data could include any number of physical objects, such as a biological specimen, an architectural blue print, a paper map, etc.</a:t>
+              <a:t>Policy… </a:t>
             </a:r>
           </a:p>
           <a:p>
@@ -810,36 +1307,12 @@
           <a:p>
             <a:r>
               <a:rPr lang="en-US" dirty="0" smtClean="0"/>
-              <a:t>The focus of this workshop will be on the curation of digital data. However, there are times when it is necessary to consider how digital data are linked to other forms of physical data - as we discuss in later sessions related to provenance and workflow technologies. </a:t>
-            </a:r>
-          </a:p>
-          <a:p>
-            <a:endParaRPr lang="en-US" dirty="0" smtClean="0"/>
-          </a:p>
-          <a:p>
-            <a:pPr marL="0" marR="0" indent="0" algn="l" defTabSz="457200" rtl="0" eaLnBrk="1" fontAlgn="auto" latinLnBrk="0" hangingPunct="1">
-              <a:lnSpc>
-                <a:spcPct val="100000"/>
-              </a:lnSpc>
-              <a:spcBef>
-                <a:spcPts val="0"/>
-              </a:spcBef>
-              <a:spcAft>
-                <a:spcPts val="0"/>
-              </a:spcAft>
-              <a:buClrTx/>
-              <a:buSzTx/>
-              <a:buFontTx/>
-              <a:buNone/>
-              <a:tabLst/>
-              <a:defRPr/>
-            </a:pPr>
-            <a:r>
-              <a:rPr lang="en-US" dirty="0" smtClean="0"/>
-              <a:t>The verifiability, and validity of a new knowledge claim within most scientific domains is often dependent upon access to underlying data - which makes the curation of this material a vital part of contemporary scientific practice. </a:t>
-            </a:r>
-          </a:p>
-          <a:p>
+              <a:t>This is</a:t>
+            </a:r>
+            <a:r>
+              <a:rPr lang="en-US" baseline="0" dirty="0" smtClean="0"/>
+              <a:t> about creating integrity </a:t>
+            </a:r>
             <a:endParaRPr lang="en-US" dirty="0"/>
           </a:p>
         </p:txBody>
@@ -861,7 +1334,7 @@
           <a:p>
             <a:fld id="{2D6AA457-920D-9C48-BD45-58BDD0C705B6}" type="slidenum">
               <a:rPr lang="en-US" smtClean="0"/>
-              <a:t>10</a:t>
+              <a:t>6</a:t>
             </a:fld>
             <a:endParaRPr lang="en-US"/>
           </a:p>
@@ -870,7 +1343,7 @@
     </p:spTree>
     <p:extLst>
       <p:ext uri="{BB962C8B-B14F-4D97-AF65-F5344CB8AC3E}">
-        <p14:creationId xmlns:p14="http://schemas.microsoft.com/office/powerpoint/2010/main" val="3583755103"/>
+        <p14:creationId xmlns:p14="http://schemas.microsoft.com/office/powerpoint/2010/main" val="3919660868"/>
       </p:ext>
     </p:extLst>
   </p:cSld>
@@ -926,25 +1399,35 @@
           <a:p>
             <a:r>
               <a:rPr lang="en-US" dirty="0" smtClean="0"/>
-              <a:t>Steward of physical objects </a:t>
+              <a:t>Financial </a:t>
+            </a:r>
+          </a:p>
+          <a:p>
+            <a:endParaRPr lang="en-US" dirty="0" smtClean="0"/>
+          </a:p>
+          <a:p>
+            <a:r>
+              <a:rPr lang="en-US" dirty="0" smtClean="0"/>
+              <a:t>We </a:t>
+            </a:r>
+            <a:r>
+              <a:rPr lang="en-US" dirty="0" smtClean="0"/>
+              <a:t>should want to improve this process,</a:t>
             </a:r>
             <a:r>
               <a:rPr lang="en-US" baseline="0" dirty="0" smtClean="0"/>
-              <a:t> …. </a:t>
-            </a:r>
-            <a:r>
-              <a:rPr lang="en-US" dirty="0" smtClean="0"/>
-              <a:t>preservation, and meaningful arrangement of material collection</a:t>
-            </a:r>
-            <a:r>
-              <a:rPr lang="en-US" baseline="0" dirty="0" smtClean="0"/>
-              <a:t> … </a:t>
-            </a:r>
-          </a:p>
-          <a:p>
+              <a:t> not only because it saves money ,,, but because it is the only tenable way to move research forward… think about how much time our students will spend doing these activities as the result of federal </a:t>
+            </a:r>
+            <a:r>
+              <a:rPr lang="en-US" baseline="0" dirty="0" err="1" smtClean="0"/>
+              <a:t>initatives</a:t>
+            </a:r>
             <a:endParaRPr lang="en-US" baseline="0" dirty="0" smtClean="0"/>
           </a:p>
           <a:p>
+            <a:endParaRPr lang="en-US" baseline="0" dirty="0" smtClean="0"/>
+          </a:p>
+          <a:p>
             <a:endParaRPr lang="en-US" dirty="0"/>
           </a:p>
         </p:txBody>
@@ -964,9 +1447,9 @@
           <a:bodyPr/>
           <a:lstStyle/>
           <a:p>
-            <a:fld id="{2D6AA457-920D-9C48-BD45-58BDD0C705B6}" type="slidenum">
-              <a:rPr lang="en-US" smtClean="0"/>
-              <a:t>16</a:t>
+            <a:fld id="{E7BCF3C9-BCDD-8D45-9AD8-23E648023F32}" type="slidenum">
+              <a:rPr lang="en-US" smtClean="0"/>
+              <a:t>7</a:t>
             </a:fld>
             <a:endParaRPr lang="en-US"/>
           </a:p>
@@ -975,7 +1458,7 @@
     </p:spTree>
     <p:extLst>
       <p:ext uri="{BB962C8B-B14F-4D97-AF65-F5344CB8AC3E}">
-        <p14:creationId xmlns:p14="http://schemas.microsoft.com/office/powerpoint/2010/main" val="1073897848"/>
+        <p14:creationId xmlns:p14="http://schemas.microsoft.com/office/powerpoint/2010/main" val="1375266549"/>
       </p:ext>
     </p:extLst>
   </p:cSld>
@@ -1031,22 +1514,45 @@
           <a:p>
             <a:r>
               <a:rPr lang="en-US" dirty="0" smtClean="0"/>
-              <a:t>Over time the concept has been transferred from the context of physical specimens found in natural history museums or the thematic collections of art, to a digital environment where the curatorial roles of stewardship, preservation and meaningful arrangement have taken on new meanings (Weber et al, 2013).</a:t>
-            </a:r>
-          </a:p>
-          <a:p>
+              <a:t>The price to the university</a:t>
+            </a:r>
+            <a:r>
+              <a:rPr lang="en-US" baseline="0" dirty="0" smtClean="0"/>
+              <a:t> includes his salary too…. So </a:t>
+            </a:r>
             <a:endParaRPr lang="en-US" dirty="0" smtClean="0"/>
           </a:p>
           <a:p>
-            <a:r>
-              <a:rPr lang="en-US" dirty="0" smtClean="0"/>
-              <a:t>In a scholarly environment curatorial roles include developing indexing systems, metadata standards, ontologies, and retrieval systems that will make it possible for research data to work in concert with existing digital libraries, archives, and repositories (Palmer, Renear and Cragin, 2007). Increasingly, this work is aimed at improving data quality, guaranteeing authentication of digital resources throughout a lifecycle of us e and reuse, and capturing provenance of scholarly activities using workflow technologies.</a:t>
-            </a:r>
-          </a:p>
-          <a:p>
             <a:endParaRPr lang="en-US" dirty="0" smtClean="0"/>
           </a:p>
           <a:p>
+            <a:endParaRPr lang="en-US" dirty="0" smtClean="0"/>
+          </a:p>
+          <a:p>
+            <a:r>
+              <a:rPr lang="en-US" dirty="0" smtClean="0"/>
+              <a:t>http</a:t>
+            </a:r>
+            <a:r>
+              <a:rPr lang="en-US" dirty="0" smtClean="0"/>
+              <a:t>://</a:t>
+            </a:r>
+            <a:r>
+              <a:rPr lang="en-US" dirty="0" err="1" smtClean="0"/>
+              <a:t>www.ir.ufl.edu</a:t>
+            </a:r>
+            <a:r>
+              <a:rPr lang="en-US" dirty="0" smtClean="0"/>
+              <a:t>/</a:t>
+            </a:r>
+            <a:r>
+              <a:rPr lang="en-US" dirty="0" err="1" smtClean="0"/>
+              <a:t>factbook</a:t>
+            </a:r>
+            <a:r>
+              <a:rPr lang="en-US" dirty="0" smtClean="0"/>
+              <a:t>/v-14_salaries.pdf</a:t>
+            </a:r>
             <a:endParaRPr lang="en-US" dirty="0"/>
           </a:p>
         </p:txBody>
@@ -1066,9 +1572,9 @@
           <a:bodyPr/>
           <a:lstStyle/>
           <a:p>
-            <a:fld id="{2D6AA457-920D-9C48-BD45-58BDD0C705B6}" type="slidenum">
-              <a:rPr lang="en-US" smtClean="0"/>
-              <a:t>18</a:t>
+            <a:fld id="{E7BCF3C9-BCDD-8D45-9AD8-23E648023F32}" type="slidenum">
+              <a:rPr lang="en-US" smtClean="0"/>
+              <a:t>8</a:t>
             </a:fld>
             <a:endParaRPr lang="en-US"/>
           </a:p>
@@ -1077,7 +1583,7 @@
     </p:spTree>
     <p:extLst>
       <p:ext uri="{BB962C8B-B14F-4D97-AF65-F5344CB8AC3E}">
-        <p14:creationId xmlns:p14="http://schemas.microsoft.com/office/powerpoint/2010/main" val="1669931513"/>
+        <p14:creationId xmlns:p14="http://schemas.microsoft.com/office/powerpoint/2010/main" val="231011344"/>
       </p:ext>
     </p:extLst>
   </p:cSld>
@@ -1133,27 +1639,39 @@
           <a:p>
             <a:r>
               <a:rPr lang="en-US" dirty="0" smtClean="0"/>
-              <a:t>Explain roles</a:t>
-            </a:r>
-          </a:p>
-          <a:p>
-            <a:endParaRPr lang="en-US" dirty="0" smtClean="0"/>
-          </a:p>
-          <a:p>
-            <a:r>
-              <a:rPr lang="en-US" dirty="0" smtClean="0"/>
-              <a:t>Explain then the concept</a:t>
+              <a:t>The problem isn’t so much the archives…</a:t>
             </a:r>
             <a:r>
               <a:rPr lang="en-US" baseline="0" dirty="0" smtClean="0"/>
-              <a:t> of data curation… </a:t>
-            </a:r>
-          </a:p>
-          <a:p>
-            <a:endParaRPr lang="en-US" baseline="0" smtClean="0"/>
-          </a:p>
-          <a:p>
-            <a:endParaRPr lang="en-US"/>
+              <a:t> bigger, larger data sits in archives – the Sloan Digital Sky Survey for instance… </a:t>
+            </a:r>
+          </a:p>
+          <a:p>
+            <a:endParaRPr lang="en-US" baseline="0" dirty="0" smtClean="0"/>
+          </a:p>
+          <a:p>
+            <a:r>
+              <a:rPr lang="en-US" baseline="0" dirty="0" smtClean="0"/>
+              <a:t>And small data – I mean on the single digit megabyte scale – the type that sits in tables – that really isn’t so much of a problem. Journals occasionally host this small data for free – and there now exists a number of very reliable software for extracting this data from publications… it is not ideal, but it is not a problem like the </a:t>
+            </a:r>
+            <a:r>
+              <a:rPr lang="en-US" baseline="0" dirty="0" err="1" smtClean="0"/>
+              <a:t>HodgePodge</a:t>
+            </a:r>
+            <a:r>
+              <a:rPr lang="en-US" baseline="0" dirty="0" smtClean="0"/>
+              <a:t> is a problem. </a:t>
+            </a:r>
+          </a:p>
+          <a:p>
+            <a:endParaRPr lang="en-US" baseline="0" dirty="0" smtClean="0"/>
+          </a:p>
+          <a:p>
+            <a:r>
+              <a:rPr lang="en-US" baseline="0" dirty="0" smtClean="0"/>
+              <a:t>The hodgepodge is the medium sized data that sits on servers, in </a:t>
+            </a:r>
+            <a:endParaRPr lang="en-US" dirty="0"/>
           </a:p>
         </p:txBody>
       </p:sp>
@@ -1172,9 +1690,9 @@
           <a:bodyPr/>
           <a:lstStyle/>
           <a:p>
-            <a:fld id="{2D6AA457-920D-9C48-BD45-58BDD0C705B6}" type="slidenum">
-              <a:rPr lang="en-US" smtClean="0"/>
-              <a:t>19</a:t>
+            <a:fld id="{E7BCF3C9-BCDD-8D45-9AD8-23E648023F32}" type="slidenum">
+              <a:rPr lang="en-US" smtClean="0"/>
+              <a:t>10</a:t>
             </a:fld>
             <a:endParaRPr lang="en-US"/>
           </a:p>
@@ -1183,7 +1701,7 @@
     </p:spTree>
     <p:extLst>
       <p:ext uri="{BB962C8B-B14F-4D97-AF65-F5344CB8AC3E}">
-        <p14:creationId xmlns:p14="http://schemas.microsoft.com/office/powerpoint/2010/main" val="2265920487"/>
+        <p14:creationId xmlns:p14="http://schemas.microsoft.com/office/powerpoint/2010/main" val="1846027949"/>
       </p:ext>
     </p:extLst>
   </p:cSld>
@@ -1238,10 +1756,14 @@
           <a:lstStyle/>
           <a:p>
             <a:r>
-              <a:rPr lang="en-US" smtClean="0"/>
-              <a:t>All together now</a:t>
-            </a:r>
-            <a:endParaRPr lang="en-US"/>
+              <a:rPr lang="en-US" dirty="0" smtClean="0"/>
+              <a:t>It helps to understand – first – what we</a:t>
+            </a:r>
+            <a:r>
+              <a:rPr lang="en-US" baseline="0" dirty="0" smtClean="0"/>
+              <a:t> mean when we talk about data, and what we mean when we talk about curation</a:t>
+            </a:r>
+            <a:endParaRPr lang="en-US" dirty="0"/>
           </a:p>
         </p:txBody>
       </p:sp>
@@ -1262,7 +1784,7 @@
           <a:p>
             <a:fld id="{2D6AA457-920D-9C48-BD45-58BDD0C705B6}" type="slidenum">
               <a:rPr lang="en-US" smtClean="0"/>
-              <a:t>20</a:t>
+              <a:t>12</a:t>
             </a:fld>
             <a:endParaRPr lang="en-US"/>
           </a:p>
@@ -1271,7 +1793,132 @@
     </p:spTree>
     <p:extLst>
       <p:ext uri="{BB962C8B-B14F-4D97-AF65-F5344CB8AC3E}">
-        <p14:creationId xmlns:p14="http://schemas.microsoft.com/office/powerpoint/2010/main" val="982702615"/>
+        <p14:creationId xmlns:p14="http://schemas.microsoft.com/office/powerpoint/2010/main" val="3725349141"/>
+      </p:ext>
+    </p:extLst>
+  </p:cSld>
+  <p:clrMapOvr>
+    <a:masterClrMapping/>
+  </p:clrMapOvr>
+</p:notes>
+</file>
+
+<file path=ppt/notesSlides/notesSlide9.xml><?xml version="1.0" encoding="utf-8"?>
+<p:notes xmlns:a="http://schemas.openxmlformats.org/drawingml/2006/main" xmlns:r="http://schemas.openxmlformats.org/officeDocument/2006/relationships" xmlns:p="http://schemas.openxmlformats.org/presentationml/2006/main">
+  <p:cSld>
+    <p:spTree>
+      <p:nvGrpSpPr>
+        <p:cNvPr id="1" name=""/>
+        <p:cNvGrpSpPr/>
+        <p:nvPr/>
+      </p:nvGrpSpPr>
+      <p:grpSpPr>
+        <a:xfrm>
+          <a:off x="0" y="0"/>
+          <a:ext cx="0" cy="0"/>
+          <a:chOff x="0" y="0"/>
+          <a:chExt cx="0" cy="0"/>
+        </a:xfrm>
+      </p:grpSpPr>
+      <p:sp>
+        <p:nvSpPr>
+          <p:cNvPr id="2" name="Slide Image Placeholder 1"/>
+          <p:cNvSpPr>
+            <a:spLocks noGrp="1" noRot="1" noChangeAspect="1"/>
+          </p:cNvSpPr>
+          <p:nvPr>
+            <p:ph type="sldImg"/>
+          </p:nvPr>
+        </p:nvSpPr>
+        <p:spPr/>
+      </p:sp>
+      <p:sp>
+        <p:nvSpPr>
+          <p:cNvPr id="3" name="Notes Placeholder 2"/>
+          <p:cNvSpPr>
+            <a:spLocks noGrp="1"/>
+          </p:cNvSpPr>
+          <p:nvPr>
+            <p:ph type="body" idx="1"/>
+          </p:nvPr>
+        </p:nvSpPr>
+        <p:spPr/>
+        <p:txBody>
+          <a:bodyPr/>
+          <a:lstStyle/>
+          <a:p>
+            <a:r>
+              <a:rPr lang="en-US" dirty="0" smtClean="0"/>
+              <a:t>Note that in this definition we do not make a distinction about these informational resources being digital; research data could include any number of physical objects, such as a biological specimen, an architectural blue print, a paper map, etc.</a:t>
+            </a:r>
+          </a:p>
+          <a:p>
+            <a:endParaRPr lang="en-US" dirty="0" smtClean="0"/>
+          </a:p>
+          <a:p>
+            <a:r>
+              <a:rPr lang="en-US" dirty="0" smtClean="0"/>
+              <a:t>The focus of this workshop will be on the curation of digital data. However, there are times when it is necessary to consider how digital data are linked to other forms of physical data - as we discuss in later sessions related to provenance and workflow technologies. </a:t>
+            </a:r>
+          </a:p>
+          <a:p>
+            <a:endParaRPr lang="en-US" dirty="0" smtClean="0"/>
+          </a:p>
+          <a:p>
+            <a:pPr marL="0" marR="0" indent="0" algn="l" defTabSz="457200" rtl="0" eaLnBrk="1" fontAlgn="auto" latinLnBrk="0" hangingPunct="1">
+              <a:lnSpc>
+                <a:spcPct val="100000"/>
+              </a:lnSpc>
+              <a:spcBef>
+                <a:spcPts val="0"/>
+              </a:spcBef>
+              <a:spcAft>
+                <a:spcPts val="0"/>
+              </a:spcAft>
+              <a:buClrTx/>
+              <a:buSzTx/>
+              <a:buFontTx/>
+              <a:buNone/>
+              <a:tabLst/>
+              <a:defRPr/>
+            </a:pPr>
+            <a:r>
+              <a:rPr lang="en-US" dirty="0" smtClean="0"/>
+              <a:t>The verifiability, and validity of a new knowledge claim within most scientific domains is often dependent upon access to underlying data - which makes the curation of this material a vital part of contemporary scientific practice. </a:t>
+            </a:r>
+          </a:p>
+          <a:p>
+            <a:endParaRPr lang="en-US" dirty="0"/>
+          </a:p>
+        </p:txBody>
+      </p:sp>
+      <p:sp>
+        <p:nvSpPr>
+          <p:cNvPr id="4" name="Slide Number Placeholder 3"/>
+          <p:cNvSpPr>
+            <a:spLocks noGrp="1"/>
+          </p:cNvSpPr>
+          <p:nvPr>
+            <p:ph type="sldNum" sz="quarter" idx="10"/>
+          </p:nvPr>
+        </p:nvSpPr>
+        <p:spPr/>
+        <p:txBody>
+          <a:bodyPr/>
+          <a:lstStyle/>
+          <a:p>
+            <a:fld id="{2D6AA457-920D-9C48-BD45-58BDD0C705B6}" type="slidenum">
+              <a:rPr lang="en-US" smtClean="0"/>
+              <a:t>18</a:t>
+            </a:fld>
+            <a:endParaRPr lang="en-US"/>
+          </a:p>
+        </p:txBody>
+      </p:sp>
+    </p:spTree>
+    <p:extLst>
+      <p:ext uri="{BB962C8B-B14F-4D97-AF65-F5344CB8AC3E}">
+        <p14:creationId xmlns:p14="http://schemas.microsoft.com/office/powerpoint/2010/main" val="3583755103"/>
       </p:ext>
     </p:extLst>
   </p:cSld>
@@ -1462,7 +2109,7 @@
           <a:p>
             <a:fld id="{9D6228D5-5F93-BB4A-964B-203967C46295}" type="datetimeFigureOut">
               <a:rPr lang="en-US" smtClean="0"/>
-              <a:t>2/2/15</a:t>
+              <a:t>2/14/15</a:t>
             </a:fld>
             <a:endParaRPr lang="en-US"/>
           </a:p>
@@ -1632,7 +2279,7 @@
           <a:p>
             <a:fld id="{9D6228D5-5F93-BB4A-964B-203967C46295}" type="datetimeFigureOut">
               <a:rPr lang="en-US" smtClean="0"/>
-              <a:t>2/2/15</a:t>
+              <a:t>2/14/15</a:t>
             </a:fld>
             <a:endParaRPr lang="en-US"/>
           </a:p>
@@ -1812,7 +2459,7 @@
           <a:p>
             <a:fld id="{9D6228D5-5F93-BB4A-964B-203967C46295}" type="datetimeFigureOut">
               <a:rPr lang="en-US" smtClean="0"/>
-              <a:t>2/2/15</a:t>
+              <a:t>2/14/15</a:t>
             </a:fld>
             <a:endParaRPr lang="en-US"/>
           </a:p>
@@ -1982,7 +2629,7 @@
           <a:p>
             <a:fld id="{9D6228D5-5F93-BB4A-964B-203967C46295}" type="datetimeFigureOut">
               <a:rPr lang="en-US" smtClean="0"/>
-              <a:t>2/2/15</a:t>
+              <a:t>2/14/15</a:t>
             </a:fld>
             <a:endParaRPr lang="en-US"/>
           </a:p>
@@ -2228,7 +2875,7 @@
           <a:p>
             <a:fld id="{9D6228D5-5F93-BB4A-964B-203967C46295}" type="datetimeFigureOut">
               <a:rPr lang="en-US" smtClean="0"/>
-              <a:t>2/2/15</a:t>
+              <a:t>2/14/15</a:t>
             </a:fld>
             <a:endParaRPr lang="en-US"/>
           </a:p>
@@ -2516,7 +3163,7 @@
           <a:p>
             <a:fld id="{9D6228D5-5F93-BB4A-964B-203967C46295}" type="datetimeFigureOut">
               <a:rPr lang="en-US" smtClean="0"/>
-              <a:t>2/2/15</a:t>
+              <a:t>2/14/15</a:t>
             </a:fld>
             <a:endParaRPr lang="en-US"/>
           </a:p>
@@ -2938,7 +3585,7 @@
           <a:p>
             <a:fld id="{9D6228D5-5F93-BB4A-964B-203967C46295}" type="datetimeFigureOut">
               <a:rPr lang="en-US" smtClean="0"/>
-              <a:t>2/2/15</a:t>
+              <a:t>2/14/15</a:t>
             </a:fld>
             <a:endParaRPr lang="en-US"/>
           </a:p>
@@ -3056,7 +3703,7 @@
           <a:p>
             <a:fld id="{9D6228D5-5F93-BB4A-964B-203967C46295}" type="datetimeFigureOut">
               <a:rPr lang="en-US" smtClean="0"/>
-              <a:t>2/2/15</a:t>
+              <a:t>2/14/15</a:t>
             </a:fld>
             <a:endParaRPr lang="en-US"/>
           </a:p>
@@ -3151,7 +3798,7 @@
           <a:p>
             <a:fld id="{9D6228D5-5F93-BB4A-964B-203967C46295}" type="datetimeFigureOut">
               <a:rPr lang="en-US" smtClean="0"/>
-              <a:t>2/2/15</a:t>
+              <a:t>2/14/15</a:t>
             </a:fld>
             <a:endParaRPr lang="en-US"/>
           </a:p>
@@ -3428,7 +4075,7 @@
           <a:p>
             <a:fld id="{9D6228D5-5F93-BB4A-964B-203967C46295}" type="datetimeFigureOut">
               <a:rPr lang="en-US" smtClean="0"/>
-              <a:t>2/2/15</a:t>
+              <a:t>2/14/15</a:t>
             </a:fld>
             <a:endParaRPr lang="en-US"/>
           </a:p>
@@ -3685,7 +4332,7 @@
           <a:p>
             <a:fld id="{9D6228D5-5F93-BB4A-964B-203967C46295}" type="datetimeFigureOut">
               <a:rPr lang="en-US" smtClean="0"/>
-              <a:t>2/2/15</a:t>
+              <a:t>2/14/15</a:t>
             </a:fld>
             <a:endParaRPr lang="en-US"/>
           </a:p>
@@ -3898,7 +4545,7 @@
           <a:p>
             <a:fld id="{9D6228D5-5F93-BB4A-964B-203967C46295}" type="datetimeFigureOut">
               <a:rPr lang="en-US" smtClean="0"/>
-              <a:t>2/2/15</a:t>
+              <a:t>2/14/15</a:t>
             </a:fld>
             <a:endParaRPr lang="en-US"/>
           </a:p>
@@ -4348,6 +4995,10 @@
           <a:bodyPr/>
           <a:lstStyle/>
           <a:p>
+            <a:r>
+              <a:rPr lang="en-US" dirty="0" smtClean="0"/>
+              <a:t>Day 1</a:t>
+            </a:r>
             <a:endParaRPr lang="en-US" dirty="0"/>
           </a:p>
         </p:txBody>
@@ -4382,24 +5033,97 @@
           <a:chExt cx="0" cy="0"/>
         </a:xfrm>
       </p:grpSpPr>
-      <p:sp>
-        <p:nvSpPr>
-          <p:cNvPr id="2" name="Title 1"/>
-          <p:cNvSpPr>
-            <a:spLocks noGrp="1"/>
-          </p:cNvSpPr>
-          <p:nvPr>
-            <p:ph type="title"/>
-          </p:nvPr>
-        </p:nvSpPr>
-        <p:spPr/>
-        <p:txBody>
-          <a:bodyPr/>
-          <a:lstStyle/>
-          <a:p>
-            <a:r>
-              <a:rPr lang="en-US" dirty="0" smtClean="0"/>
-              <a:t>Scientific Data</a:t>
+      <p:pic>
+        <p:nvPicPr>
+          <p:cNvPr id="5" name="Picture 4" descr="Screen Shot 2015-02-08 at 4.39.05 PM.png"/>
+          <p:cNvPicPr>
+            <a:picLocks noChangeAspect="1"/>
+          </p:cNvPicPr>
+          <p:nvPr/>
+        </p:nvPicPr>
+        <p:blipFill>
+          <a:blip r:embed="rId3">
+            <a:extLst>
+              <a:ext uri="{28A0092B-C50C-407E-A947-70E740481C1C}">
+                <a14:useLocalDpi xmlns:a14="http://schemas.microsoft.com/office/drawing/2010/main" val="0"/>
+              </a:ext>
+            </a:extLst>
+          </a:blip>
+          <a:stretch>
+            <a:fillRect/>
+          </a:stretch>
+        </p:blipFill>
+        <p:spPr>
+          <a:xfrm>
+            <a:off x="0" y="434600"/>
+            <a:ext cx="6526157" cy="4884789"/>
+          </a:xfrm>
+          <a:prstGeom prst="rect">
+            <a:avLst/>
+          </a:prstGeom>
+        </p:spPr>
+      </p:pic>
+      <p:cxnSp>
+        <p:nvCxnSpPr>
+          <p:cNvPr id="3" name="Straight Arrow Connector 2"/>
+          <p:cNvCxnSpPr/>
+          <p:nvPr/>
+        </p:nvCxnSpPr>
+        <p:spPr>
+          <a:xfrm flipH="1">
+            <a:off x="3450168" y="1855748"/>
+            <a:ext cx="3492499" cy="1467419"/>
+          </a:xfrm>
+          <a:prstGeom prst="straightConnector1">
+            <a:avLst/>
+          </a:prstGeom>
+          <a:ln w="28575" cmpd="sng">
+            <a:solidFill>
+              <a:srgbClr val="FF0000"/>
+            </a:solidFill>
+            <a:tailEnd type="arrow"/>
+          </a:ln>
+        </p:spPr>
+        <p:style>
+          <a:lnRef idx="2">
+            <a:schemeClr val="accent1"/>
+          </a:lnRef>
+          <a:fillRef idx="0">
+            <a:schemeClr val="accent1"/>
+          </a:fillRef>
+          <a:effectRef idx="1">
+            <a:schemeClr val="accent1"/>
+          </a:effectRef>
+          <a:fontRef idx="minor">
+            <a:schemeClr val="tx1"/>
+          </a:fontRef>
+        </p:style>
+      </p:cxnSp>
+      <p:sp>
+        <p:nvSpPr>
+          <p:cNvPr id="8" name="TextBox 7"/>
+          <p:cNvSpPr txBox="1"/>
+          <p:nvPr/>
+        </p:nvSpPr>
+        <p:spPr>
+          <a:xfrm>
+            <a:off x="6526157" y="1486416"/>
+            <a:ext cx="2569634" cy="369332"/>
+          </a:xfrm>
+          <a:prstGeom prst="rect">
+            <a:avLst/>
+          </a:prstGeom>
+          <a:noFill/>
+        </p:spPr>
+        <p:txBody>
+          <a:bodyPr wrap="none" rtlCol="0">
+            <a:spAutoFit/>
+          </a:bodyPr>
+          <a:lstStyle/>
+          <a:p>
+            <a:r>
+              <a:rPr lang="en-US" dirty="0" smtClean="0"/>
+              <a:t>Most research institutions</a:t>
             </a:r>
             <a:endParaRPr lang="en-US" dirty="0"/>
           </a:p>
@@ -4407,70 +5131,52 @@
       </p:sp>
       <p:sp>
         <p:nvSpPr>
-          <p:cNvPr id="3" name="Content Placeholder 2"/>
-          <p:cNvSpPr>
-            <a:spLocks noGrp="1"/>
-          </p:cNvSpPr>
-          <p:nvPr>
-            <p:ph idx="1"/>
-          </p:nvPr>
-        </p:nvSpPr>
-        <p:spPr/>
-        <p:txBody>
-          <a:bodyPr>
-            <a:normAutofit/>
+          <p:cNvPr id="10" name="Rectangle 9"/>
+          <p:cNvSpPr/>
+          <p:nvPr/>
+        </p:nvSpPr>
+        <p:spPr>
+          <a:xfrm>
+            <a:off x="315042" y="5319389"/>
+            <a:ext cx="4288654" cy="215444"/>
+          </a:xfrm>
+          <a:prstGeom prst="rect">
+            <a:avLst/>
+          </a:prstGeom>
+        </p:spPr>
+        <p:txBody>
+          <a:bodyPr wrap="none">
+            <a:spAutoFit/>
           </a:bodyPr>
           <a:lstStyle/>
           <a:p>
-            <a:pPr marL="0" indent="0">
-              <a:buNone/>
-            </a:pPr>
-            <a:r>
-              <a:rPr lang="en-US" dirty="0" smtClean="0"/>
-              <a:t>… support the making of new knowledge claims. </a:t>
-            </a:r>
-          </a:p>
-          <a:p>
-            <a:pPr marL="0" indent="0">
-              <a:buNone/>
-            </a:pPr>
-            <a:r>
-              <a:rPr lang="en-US" dirty="0" smtClean="0"/>
-              <a:t>… are the result of purposeful observation, experimentation,  and simulation. </a:t>
-            </a:r>
-          </a:p>
-          <a:p>
-            <a:pPr marL="0" indent="0">
-              <a:buNone/>
-            </a:pPr>
-            <a:endParaRPr lang="en-US" dirty="0"/>
-          </a:p>
-          <a:p>
-            <a:pPr marL="0" indent="0">
-              <a:buNone/>
-            </a:pPr>
-            <a:r>
-              <a:rPr lang="en-US" dirty="0" smtClean="0"/>
-              <a:t>… are encoded </a:t>
-            </a:r>
-            <a:r>
-              <a:rPr lang="en-US" dirty="0"/>
-              <a:t>and described with the aim of supporting retrieval, meaningful interpretation, use, and reuse (Wickett et al. 2012). </a:t>
-            </a:r>
-            <a:endParaRPr lang="en-US" dirty="0" smtClean="0"/>
-          </a:p>
-          <a:p>
-            <a:pPr marL="0" indent="0">
-              <a:buNone/>
-            </a:pPr>
-            <a:endParaRPr lang="en-US" dirty="0"/>
+            <a:r>
+              <a:rPr lang="en-US" sz="800" dirty="0"/>
+              <a:t>SOURCE: Todd Vision, Dryad …. http://</a:t>
+            </a:r>
+            <a:r>
+              <a:rPr lang="en-US" sz="800" dirty="0" err="1"/>
+              <a:t>www.nap.edu</a:t>
+            </a:r>
+            <a:r>
+              <a:rPr lang="en-US" sz="800" dirty="0"/>
+              <a:t>/</a:t>
+            </a:r>
+            <a:r>
+              <a:rPr lang="en-US" sz="800" dirty="0" err="1"/>
+              <a:t>openbook.php?record_id</a:t>
+            </a:r>
+            <a:r>
+              <a:rPr lang="en-US" sz="800" dirty="0"/>
+              <a:t>=13564&amp;page=164 </a:t>
+            </a:r>
           </a:p>
         </p:txBody>
       </p:sp>
     </p:spTree>
     <p:extLst>
       <p:ext uri="{BB962C8B-B14F-4D97-AF65-F5344CB8AC3E}">
-        <p14:creationId xmlns:p14="http://schemas.microsoft.com/office/powerpoint/2010/main" val="36303139"/>
+        <p14:creationId xmlns:p14="http://schemas.microsoft.com/office/powerpoint/2010/main" val="74643297"/>
       </p:ext>
     </p:extLst>
   </p:cSld>
@@ -4507,213 +5213,59 @@
             <p:ph type="title"/>
           </p:nvPr>
         </p:nvSpPr>
-        <p:spPr/>
-        <p:txBody>
-          <a:bodyPr/>
-          <a:lstStyle/>
-          <a:p>
-            <a:r>
-              <a:rPr lang="en-US" dirty="0" smtClean="0"/>
-              <a:t>Scientific Data</a:t>
-            </a:r>
-            <a:endParaRPr lang="en-US" dirty="0"/>
-          </a:p>
-        </p:txBody>
-      </p:sp>
-      <p:sp>
-        <p:nvSpPr>
-          <p:cNvPr id="3" name="Content Placeholder 2"/>
-          <p:cNvSpPr>
-            <a:spLocks noGrp="1"/>
-          </p:cNvSpPr>
-          <p:nvPr>
-            <p:ph idx="1"/>
-          </p:nvPr>
-        </p:nvSpPr>
         <p:spPr>
           <a:xfrm>
-            <a:off x="0" y="1600200"/>
-            <a:ext cx="8686800" cy="4525963"/>
+            <a:off x="457200" y="2200805"/>
+            <a:ext cx="8229600" cy="1143000"/>
           </a:xfrm>
         </p:spPr>
         <p:txBody>
-          <a:bodyPr numCol="2">
-            <a:normAutofit/>
+          <a:bodyPr>
+            <a:normAutofit fontScale="90000"/>
           </a:bodyPr>
           <a:lstStyle/>
           <a:p>
-            <a:pPr marL="0" indent="0">
-              <a:buNone/>
-            </a:pPr>
-            <a:endParaRPr lang="en-US" sz="2400" dirty="0"/>
-          </a:p>
-          <a:p>
-            <a:pPr marL="0" indent="0">
-              <a:buNone/>
-            </a:pPr>
-            <a:endParaRPr lang="en-US" sz="2400" dirty="0"/>
-          </a:p>
-          <a:p>
-            <a:pPr marL="0" indent="0">
-              <a:buNone/>
-            </a:pPr>
-            <a:endParaRPr lang="en-US" sz="2400" dirty="0" smtClean="0"/>
-          </a:p>
-          <a:p>
-            <a:pPr marL="0" indent="0">
-              <a:buNone/>
-            </a:pPr>
-            <a:endParaRPr lang="en-US" sz="2400" dirty="0" smtClean="0"/>
-          </a:p>
-          <a:p>
-            <a:pPr marL="0" indent="0">
-              <a:buNone/>
-            </a:pPr>
-            <a:endParaRPr lang="en-US" sz="2400" dirty="0"/>
-          </a:p>
-          <a:p>
-            <a:pPr marL="0" indent="0">
-              <a:buNone/>
-            </a:pPr>
-            <a:endParaRPr lang="en-US" sz="2400" dirty="0" smtClean="0"/>
-          </a:p>
-          <a:p>
-            <a:pPr marL="0" indent="0">
-              <a:buNone/>
-            </a:pPr>
-            <a:r>
-              <a:rPr lang="en-US" sz="2400" dirty="0" smtClean="0"/>
-              <a:t>                 </a:t>
-            </a:r>
-          </a:p>
-          <a:p>
-            <a:pPr marL="0" indent="0">
-              <a:buNone/>
-            </a:pPr>
-            <a:endParaRPr lang="en-US" sz="2400" dirty="0"/>
-          </a:p>
-          <a:p>
-            <a:pPr marL="0" indent="0">
-              <a:buNone/>
-            </a:pPr>
-            <a:endParaRPr lang="en-US" sz="2400" dirty="0" smtClean="0"/>
-          </a:p>
-          <a:p>
-            <a:pPr marL="0" indent="0">
-              <a:buNone/>
-            </a:pPr>
-            <a:endParaRPr lang="en-US" sz="2400" dirty="0"/>
-          </a:p>
-        </p:txBody>
-      </p:sp>
-      <p:pic>
-        <p:nvPicPr>
-          <p:cNvPr id="5" name="Picture 4"/>
-          <p:cNvPicPr>
-            <a:picLocks noChangeAspect="1"/>
-          </p:cNvPicPr>
-          <p:nvPr/>
-        </p:nvPicPr>
-        <p:blipFill>
-          <a:blip r:embed="rId2"/>
-          <a:stretch>
-            <a:fillRect/>
-          </a:stretch>
-        </p:blipFill>
-        <p:spPr>
-          <a:xfrm>
-            <a:off x="195370" y="2666638"/>
-            <a:ext cx="3824128" cy="2048640"/>
-          </a:xfrm>
-          <a:prstGeom prst="rect">
-            <a:avLst/>
-          </a:prstGeom>
-        </p:spPr>
-      </p:pic>
-      <p:pic>
-        <p:nvPicPr>
-          <p:cNvPr id="6" name="Picture 5"/>
-          <p:cNvPicPr>
-            <a:picLocks noChangeAspect="1"/>
-          </p:cNvPicPr>
-          <p:nvPr/>
-        </p:nvPicPr>
-        <p:blipFill>
-          <a:blip r:embed="rId3"/>
-          <a:stretch>
-            <a:fillRect/>
-          </a:stretch>
-        </p:blipFill>
-        <p:spPr>
-          <a:xfrm>
-            <a:off x="4281328" y="2311927"/>
-            <a:ext cx="4405472" cy="3117251"/>
-          </a:xfrm>
-          <a:prstGeom prst="rect">
-            <a:avLst/>
-          </a:prstGeom>
-        </p:spPr>
-      </p:pic>
-      <p:sp>
-        <p:nvSpPr>
-          <p:cNvPr id="7" name="Rectangle 6"/>
-          <p:cNvSpPr/>
-          <p:nvPr/>
-        </p:nvSpPr>
-        <p:spPr>
-          <a:xfrm>
-            <a:off x="575259" y="1792832"/>
-            <a:ext cx="2774317" cy="369332"/>
-          </a:xfrm>
-          <a:prstGeom prst="rect">
-            <a:avLst/>
-          </a:prstGeom>
-        </p:spPr>
-        <p:txBody>
-          <a:bodyPr wrap="none">
-            <a:spAutoFit/>
-          </a:bodyPr>
-          <a:lstStyle/>
-          <a:p>
+            <a:pPr algn="l"/>
+            <a:r>
+              <a:rPr lang="en-US" dirty="0" smtClean="0"/>
+              <a:t>Data curation is a response to each of these concerns: </a:t>
+            </a:r>
+            <a:br>
+              <a:rPr lang="en-US" dirty="0" smtClean="0"/>
+            </a:br>
             <a:r>
               <a:rPr lang="en-US" dirty="0"/>
-              <a:t>Digitized physical materials</a:t>
-            </a:r>
-          </a:p>
-        </p:txBody>
-      </p:sp>
-      <p:sp>
-        <p:nvSpPr>
-          <p:cNvPr id="8" name="Rectangle 7"/>
-          <p:cNvSpPr/>
-          <p:nvPr/>
-        </p:nvSpPr>
-        <p:spPr>
-          <a:xfrm>
-            <a:off x="4571999" y="1819523"/>
-            <a:ext cx="3140177" cy="369332"/>
-          </a:xfrm>
-          <a:prstGeom prst="rect">
-            <a:avLst/>
-          </a:prstGeom>
-        </p:spPr>
-        <p:txBody>
-          <a:bodyPr wrap="none">
-            <a:spAutoFit/>
-          </a:bodyPr>
-          <a:lstStyle/>
-          <a:p>
-            <a:r>
+              <a:t/>
+            </a:r>
+            <a:br>
               <a:rPr lang="en-US" dirty="0"/>
-              <a:t>			Born-digital data</a:t>
-            </a:r>
+            </a:br>
+            <a:r>
+              <a:rPr lang="en-US" dirty="0" smtClean="0"/>
+              <a:t>1. Compliance with policy</a:t>
+            </a:r>
+            <a:br>
+              <a:rPr lang="en-US" dirty="0" smtClean="0"/>
+            </a:br>
+            <a:r>
+              <a:rPr lang="en-US" dirty="0" smtClean="0"/>
+              <a:t>2. Economic efficiency</a:t>
+            </a:r>
+            <a:br>
+              <a:rPr lang="en-US" dirty="0" smtClean="0"/>
+            </a:br>
+            <a:r>
+              <a:rPr lang="en-US" dirty="0" smtClean="0"/>
+              <a:t>3. Maximizes value of institutional assets</a:t>
+            </a:r>
+            <a:endParaRPr lang="en-US" dirty="0"/>
           </a:p>
         </p:txBody>
       </p:sp>
     </p:spTree>
     <p:extLst>
       <p:ext uri="{BB962C8B-B14F-4D97-AF65-F5344CB8AC3E}">
-        <p14:creationId xmlns:p14="http://schemas.microsoft.com/office/powerpoint/2010/main" val="970765091"/>
+        <p14:creationId xmlns:p14="http://schemas.microsoft.com/office/powerpoint/2010/main" val="1152081841"/>
       </p:ext>
     </p:extLst>
   </p:cSld>
@@ -4757,1666 +5309,6 @@
           <a:p>
             <a:r>
               <a:rPr lang="en-US" dirty="0" smtClean="0"/>
-              <a:t>Humanities Data</a:t>
-            </a:r>
-            <a:endParaRPr lang="en-US" dirty="0"/>
-          </a:p>
-        </p:txBody>
-      </p:sp>
-      <p:sp>
-        <p:nvSpPr>
-          <p:cNvPr id="3" name="Content Placeholder 2"/>
-          <p:cNvSpPr>
-            <a:spLocks noGrp="1"/>
-          </p:cNvSpPr>
-          <p:nvPr>
-            <p:ph idx="1"/>
-          </p:nvPr>
-        </p:nvSpPr>
-        <p:spPr>
-          <a:xfrm>
-            <a:off x="457200" y="1600200"/>
-            <a:ext cx="8229600" cy="3850217"/>
-          </a:xfrm>
-        </p:spPr>
-        <p:txBody>
-          <a:bodyPr>
-            <a:normAutofit fontScale="92500" lnSpcReduction="10000"/>
-          </a:bodyPr>
-          <a:lstStyle/>
-          <a:p>
-            <a:pPr marL="0" indent="0">
-              <a:buNone/>
-            </a:pPr>
-            <a:r>
-              <a:rPr lang="en-US" dirty="0" smtClean="0"/>
-              <a:t>… are the starting point of </a:t>
-            </a:r>
-            <a:r>
-              <a:rPr lang="en-US" dirty="0" smtClean="0"/>
-              <a:t>argumentation within </a:t>
-            </a:r>
-            <a:r>
-              <a:rPr lang="en-US" dirty="0" smtClean="0"/>
-              <a:t>a community. </a:t>
-            </a:r>
-          </a:p>
-          <a:p>
-            <a:pPr marL="0" indent="0">
-              <a:buNone/>
-            </a:pPr>
-            <a:endParaRPr lang="en-US" dirty="0" smtClean="0"/>
-          </a:p>
-          <a:p>
-            <a:pPr marL="0" indent="0">
-              <a:buNone/>
-            </a:pPr>
-            <a:r>
-              <a:rPr lang="en-US" dirty="0" smtClean="0"/>
-              <a:t>…often have </a:t>
-            </a:r>
-            <a:r>
-              <a:rPr lang="en-US" i="1" dirty="0" smtClean="0"/>
-              <a:t>propositions </a:t>
-            </a:r>
-            <a:r>
-              <a:rPr lang="en-US" dirty="0" smtClean="0"/>
-              <a:t>that are closely linked to their production </a:t>
-            </a:r>
-            <a:endParaRPr lang="en-US" dirty="0" smtClean="0"/>
-          </a:p>
-          <a:p>
-            <a:pPr marL="0" indent="0">
-              <a:buNone/>
-            </a:pPr>
-            <a:endParaRPr lang="en-US" dirty="0" smtClean="0"/>
-          </a:p>
-          <a:p>
-            <a:pPr marL="0" indent="0">
-              <a:buNone/>
-            </a:pPr>
-            <a:r>
-              <a:rPr lang="en-US" dirty="0" smtClean="0"/>
-              <a:t>( </a:t>
-            </a:r>
-            <a:r>
-              <a:rPr lang="en-US" i="1" dirty="0" smtClean="0"/>
-              <a:t>how</a:t>
-            </a:r>
-            <a:r>
-              <a:rPr lang="en-US" dirty="0" smtClean="0"/>
-              <a:t> </a:t>
-            </a:r>
-            <a:r>
-              <a:rPr lang="en-US" dirty="0" smtClean="0"/>
-              <a:t>texts</a:t>
-            </a:r>
-            <a:r>
-              <a:rPr lang="en-US" dirty="0" smtClean="0"/>
-              <a:t> </a:t>
-            </a:r>
-            <a:r>
-              <a:rPr lang="en-US" dirty="0" smtClean="0"/>
-              <a:t>were transcribed, </a:t>
-            </a:r>
-            <a:r>
-              <a:rPr lang="en-US" i="1" dirty="0" smtClean="0"/>
-              <a:t>what </a:t>
-            </a:r>
-            <a:r>
-              <a:rPr lang="en-US" dirty="0" smtClean="0"/>
-              <a:t>was depicted, etc.)</a:t>
-            </a:r>
-            <a:endParaRPr lang="en-US" dirty="0"/>
-          </a:p>
-          <a:p>
-            <a:pPr marL="0" indent="0">
-              <a:buNone/>
-            </a:pPr>
-            <a:endParaRPr lang="en-US" dirty="0"/>
-          </a:p>
-        </p:txBody>
-      </p:sp>
-    </p:spTree>
-    <p:extLst>
-      <p:ext uri="{BB962C8B-B14F-4D97-AF65-F5344CB8AC3E}">
-        <p14:creationId xmlns:p14="http://schemas.microsoft.com/office/powerpoint/2010/main" val="787043380"/>
-      </p:ext>
-    </p:extLst>
-  </p:cSld>
-  <p:clrMapOvr>
-    <a:masterClrMapping/>
-  </p:clrMapOvr>
-</p:sld>
-</file>
-
-<file path=ppt/slides/slide13.xml><?xml version="1.0" encoding="utf-8"?>
-<p:sld xmlns:a="http://schemas.openxmlformats.org/drawingml/2006/main" xmlns:r="http://schemas.openxmlformats.org/officeDocument/2006/relationships" xmlns:p="http://schemas.openxmlformats.org/presentationml/2006/main">
-  <p:cSld>
-    <p:spTree>
-      <p:nvGrpSpPr>
-        <p:cNvPr id="1" name=""/>
-        <p:cNvGrpSpPr/>
-        <p:nvPr/>
-      </p:nvGrpSpPr>
-      <p:grpSpPr>
-        <a:xfrm>
-          <a:off x="0" y="0"/>
-          <a:ext cx="0" cy="0"/>
-          <a:chOff x="0" y="0"/>
-          <a:chExt cx="0" cy="0"/>
-        </a:xfrm>
-      </p:grpSpPr>
-      <p:sp>
-        <p:nvSpPr>
-          <p:cNvPr id="2" name="Title 1"/>
-          <p:cNvSpPr>
-            <a:spLocks noGrp="1"/>
-          </p:cNvSpPr>
-          <p:nvPr>
-            <p:ph type="title"/>
-          </p:nvPr>
-        </p:nvSpPr>
-        <p:spPr/>
-        <p:txBody>
-          <a:bodyPr/>
-          <a:lstStyle/>
-          <a:p>
-            <a:r>
-              <a:rPr lang="en-US" dirty="0" smtClean="0"/>
-              <a:t>Humanities Data</a:t>
-            </a:r>
-            <a:endParaRPr lang="en-US" dirty="0"/>
-          </a:p>
-        </p:txBody>
-      </p:sp>
-      <p:pic>
-        <p:nvPicPr>
-          <p:cNvPr id="4" name="Picture 3"/>
-          <p:cNvPicPr>
-            <a:picLocks noChangeAspect="1"/>
-          </p:cNvPicPr>
-          <p:nvPr/>
-        </p:nvPicPr>
-        <p:blipFill>
-          <a:blip r:embed="rId2"/>
-          <a:stretch>
-            <a:fillRect/>
-          </a:stretch>
-        </p:blipFill>
-        <p:spPr>
-          <a:xfrm>
-            <a:off x="239391" y="1842292"/>
-            <a:ext cx="4797867" cy="2846192"/>
-          </a:xfrm>
-          <a:prstGeom prst="rect">
-            <a:avLst/>
-          </a:prstGeom>
-          <a:effectLst>
-            <a:outerShdw blurRad="50800" dist="38100" dir="2700000" algn="tl" rotWithShape="0">
-              <a:prstClr val="black">
-                <a:alpha val="40000"/>
-              </a:prstClr>
-            </a:outerShdw>
-          </a:effectLst>
-        </p:spPr>
-      </p:pic>
-      <p:sp>
-        <p:nvSpPr>
-          <p:cNvPr id="5" name="Rectangle 4"/>
-          <p:cNvSpPr/>
-          <p:nvPr/>
-        </p:nvSpPr>
-        <p:spPr>
-          <a:xfrm>
-            <a:off x="362857" y="4688484"/>
-            <a:ext cx="4572000" cy="215444"/>
-          </a:xfrm>
-          <a:prstGeom prst="rect">
-            <a:avLst/>
-          </a:prstGeom>
-        </p:spPr>
-        <p:txBody>
-          <a:bodyPr>
-            <a:spAutoFit/>
-          </a:bodyPr>
-          <a:lstStyle/>
-          <a:p>
-            <a:r>
-              <a:rPr lang="en-US" sz="800" dirty="0"/>
-              <a:t>http://</a:t>
-            </a:r>
-            <a:r>
-              <a:rPr lang="en-US" sz="800" dirty="0" err="1"/>
-              <a:t>hestia.open.ac.uk</a:t>
-            </a:r>
-            <a:r>
-              <a:rPr lang="en-US" sz="800" dirty="0"/>
-              <a:t>/</a:t>
-            </a:r>
-            <a:r>
-              <a:rPr lang="en-US" sz="800" dirty="0" err="1"/>
-              <a:t>palladio</a:t>
-            </a:r>
-            <a:r>
-              <a:rPr lang="en-US" sz="800" dirty="0"/>
-              <a:t>-humanities-thinking-about-data-visualization/</a:t>
-            </a:r>
-          </a:p>
-        </p:txBody>
-      </p:sp>
-      <p:pic>
-        <p:nvPicPr>
-          <p:cNvPr id="6" name="Picture 5"/>
-          <p:cNvPicPr>
-            <a:picLocks noChangeAspect="1"/>
-          </p:cNvPicPr>
-          <p:nvPr/>
-        </p:nvPicPr>
-        <p:blipFill>
-          <a:blip r:embed="rId3"/>
-          <a:stretch>
-            <a:fillRect/>
-          </a:stretch>
-        </p:blipFill>
-        <p:spPr>
-          <a:xfrm>
-            <a:off x="5412210" y="2080381"/>
-            <a:ext cx="3169575" cy="2234335"/>
-          </a:xfrm>
-          <a:prstGeom prst="rect">
-            <a:avLst/>
-          </a:prstGeom>
-        </p:spPr>
-      </p:pic>
-      <p:sp>
-        <p:nvSpPr>
-          <p:cNvPr id="7" name="Rectangle 6"/>
-          <p:cNvSpPr/>
-          <p:nvPr/>
-        </p:nvSpPr>
-        <p:spPr>
-          <a:xfrm>
-            <a:off x="6059714" y="4427970"/>
-            <a:ext cx="2177143" cy="461665"/>
-          </a:xfrm>
-          <a:prstGeom prst="rect">
-            <a:avLst/>
-          </a:prstGeom>
-        </p:spPr>
-        <p:txBody>
-          <a:bodyPr wrap="square">
-            <a:spAutoFit/>
-          </a:bodyPr>
-          <a:lstStyle/>
-          <a:p>
-            <a:r>
-              <a:rPr lang="en-US" sz="800" dirty="0" err="1" smtClean="0"/>
-              <a:t>journalofdigitalhumanities.org</a:t>
-            </a:r>
-            <a:r>
-              <a:rPr lang="en-US" sz="800" dirty="0"/>
-              <a:t>/1-2/the-emergence-of-literary-diction-by-ted-underwood-and-jordan-sellers/</a:t>
-            </a:r>
-          </a:p>
-        </p:txBody>
-      </p:sp>
-    </p:spTree>
-    <p:extLst>
-      <p:ext uri="{BB962C8B-B14F-4D97-AF65-F5344CB8AC3E}">
-        <p14:creationId xmlns:p14="http://schemas.microsoft.com/office/powerpoint/2010/main" val="4069992287"/>
-      </p:ext>
-    </p:extLst>
-  </p:cSld>
-  <p:clrMapOvr>
-    <a:masterClrMapping/>
-  </p:clrMapOvr>
-</p:sld>
-</file>
-
-<file path=ppt/slides/slide14.xml><?xml version="1.0" encoding="utf-8"?>
-<p:sld xmlns:a="http://schemas.openxmlformats.org/drawingml/2006/main" xmlns:r="http://schemas.openxmlformats.org/officeDocument/2006/relationships" xmlns:p="http://schemas.openxmlformats.org/presentationml/2006/main">
-  <p:cSld>
-    <p:spTree>
-      <p:nvGrpSpPr>
-        <p:cNvPr id="1" name=""/>
-        <p:cNvGrpSpPr/>
-        <p:nvPr/>
-      </p:nvGrpSpPr>
-      <p:grpSpPr>
-        <a:xfrm>
-          <a:off x="0" y="0"/>
-          <a:ext cx="0" cy="0"/>
-          <a:chOff x="0" y="0"/>
-          <a:chExt cx="0" cy="0"/>
-        </a:xfrm>
-      </p:grpSpPr>
-      <p:sp>
-        <p:nvSpPr>
-          <p:cNvPr id="2" name="Title 1"/>
-          <p:cNvSpPr>
-            <a:spLocks noGrp="1"/>
-          </p:cNvSpPr>
-          <p:nvPr>
-            <p:ph type="title"/>
-          </p:nvPr>
-        </p:nvSpPr>
-        <p:spPr/>
-        <p:txBody>
-          <a:bodyPr/>
-          <a:lstStyle/>
-          <a:p>
-            <a:r>
-              <a:rPr lang="en-US" dirty="0" smtClean="0"/>
-              <a:t>Data </a:t>
-            </a:r>
-            <a:endParaRPr lang="en-US" dirty="0"/>
-          </a:p>
-        </p:txBody>
-      </p:sp>
-      <p:sp>
-        <p:nvSpPr>
-          <p:cNvPr id="3" name="Content Placeholder 2"/>
-          <p:cNvSpPr>
-            <a:spLocks noGrp="1"/>
-          </p:cNvSpPr>
-          <p:nvPr>
-            <p:ph idx="1"/>
-          </p:nvPr>
-        </p:nvSpPr>
-        <p:spPr/>
-        <p:txBody>
-          <a:bodyPr>
-            <a:normAutofit/>
-          </a:bodyPr>
-          <a:lstStyle/>
-          <a:p>
-            <a:pPr marL="0" indent="0">
-              <a:buNone/>
-            </a:pPr>
-            <a:r>
-              <a:rPr lang="en-US" dirty="0" smtClean="0"/>
-              <a:t>… are an information object</a:t>
-            </a:r>
-          </a:p>
-          <a:p>
-            <a:pPr marL="0" indent="0">
-              <a:buNone/>
-            </a:pPr>
-            <a:r>
-              <a:rPr lang="en-US" dirty="0" smtClean="0"/>
-              <a:t>… in a particular role</a:t>
-            </a:r>
-          </a:p>
-          <a:p>
-            <a:pPr marL="0" indent="0">
-              <a:buNone/>
-            </a:pPr>
-            <a:endParaRPr lang="en-US" dirty="0" smtClean="0"/>
-          </a:p>
-          <a:p>
-            <a:pPr marL="0" indent="0">
-              <a:buNone/>
-            </a:pPr>
-            <a:r>
-              <a:rPr lang="en-US" dirty="0" smtClean="0"/>
-              <a:t>And in a scholarly community, data play an evidentiary role that supports the production of new knowledge.</a:t>
-            </a:r>
-            <a:endParaRPr lang="en-US" dirty="0"/>
-          </a:p>
-        </p:txBody>
-      </p:sp>
-    </p:spTree>
-    <p:extLst>
-      <p:ext uri="{BB962C8B-B14F-4D97-AF65-F5344CB8AC3E}">
-        <p14:creationId xmlns:p14="http://schemas.microsoft.com/office/powerpoint/2010/main" val="2062537030"/>
-      </p:ext>
-    </p:extLst>
-  </p:cSld>
-  <p:clrMapOvr>
-    <a:masterClrMapping/>
-  </p:clrMapOvr>
-</p:sld>
-</file>
-
-<file path=ppt/slides/slide15.xml><?xml version="1.0" encoding="utf-8"?>
-<p:sld xmlns:a="http://schemas.openxmlformats.org/drawingml/2006/main" xmlns:r="http://schemas.openxmlformats.org/officeDocument/2006/relationships" xmlns:p="http://schemas.openxmlformats.org/presentationml/2006/main">
-  <p:cSld>
-    <p:spTree>
-      <p:nvGrpSpPr>
-        <p:cNvPr id="1" name=""/>
-        <p:cNvGrpSpPr/>
-        <p:nvPr/>
-      </p:nvGrpSpPr>
-      <p:grpSpPr>
-        <a:xfrm>
-          <a:off x="0" y="0"/>
-          <a:ext cx="0" cy="0"/>
-          <a:chOff x="0" y="0"/>
-          <a:chExt cx="0" cy="0"/>
-        </a:xfrm>
-      </p:grpSpPr>
-      <p:sp>
-        <p:nvSpPr>
-          <p:cNvPr id="2" name="Title 1"/>
-          <p:cNvSpPr>
-            <a:spLocks noGrp="1"/>
-          </p:cNvSpPr>
-          <p:nvPr>
-            <p:ph type="title"/>
-          </p:nvPr>
-        </p:nvSpPr>
-        <p:spPr/>
-        <p:txBody>
-          <a:bodyPr/>
-          <a:lstStyle/>
-          <a:p>
-            <a:r>
-              <a:rPr lang="en-US" dirty="0" smtClean="0"/>
-              <a:t>Data “types”</a:t>
-            </a:r>
-            <a:endParaRPr lang="en-US" dirty="0"/>
-          </a:p>
-        </p:txBody>
-      </p:sp>
-      <p:sp>
-        <p:nvSpPr>
-          <p:cNvPr id="3" name="Content Placeholder 2"/>
-          <p:cNvSpPr>
-            <a:spLocks noGrp="1"/>
-          </p:cNvSpPr>
-          <p:nvPr>
-            <p:ph idx="1"/>
-          </p:nvPr>
-        </p:nvSpPr>
-        <p:spPr/>
-        <p:txBody>
-          <a:bodyPr numCol="2">
-            <a:noAutofit/>
-          </a:bodyPr>
-          <a:lstStyle/>
-          <a:p>
-            <a:pPr marL="0" indent="0">
-              <a:buNone/>
-            </a:pPr>
-            <a:r>
-              <a:rPr lang="en-US" sz="1200" dirty="0" smtClean="0"/>
-              <a:t>Documents </a:t>
-            </a:r>
-            <a:r>
-              <a:rPr lang="en-US" sz="1200" dirty="0"/>
-              <a:t>(text, Word), spreadsheets</a:t>
-            </a:r>
-          </a:p>
-          <a:p>
-            <a:pPr marL="0" indent="0">
-              <a:buNone/>
-            </a:pPr>
-            <a:endParaRPr lang="en-US" sz="1200" dirty="0"/>
-          </a:p>
-          <a:p>
-            <a:pPr marL="0" indent="0">
-              <a:buNone/>
-            </a:pPr>
-            <a:r>
-              <a:rPr lang="en-US" sz="1200" dirty="0"/>
-              <a:t>Laboratory notebooks, field notebooks, diaries</a:t>
-            </a:r>
-          </a:p>
-          <a:p>
-            <a:pPr marL="0" indent="0">
-              <a:buNone/>
-            </a:pPr>
-            <a:endParaRPr lang="en-US" sz="1200" dirty="0"/>
-          </a:p>
-          <a:p>
-            <a:pPr marL="0" indent="0">
-              <a:buNone/>
-            </a:pPr>
-            <a:r>
-              <a:rPr lang="en-US" sz="1200" dirty="0"/>
-              <a:t>Questionnaires, transcripts, codebooks</a:t>
-            </a:r>
-          </a:p>
-          <a:p>
-            <a:pPr marL="0" indent="0">
-              <a:buNone/>
-            </a:pPr>
-            <a:endParaRPr lang="en-US" sz="1200" dirty="0"/>
-          </a:p>
-          <a:p>
-            <a:pPr marL="0" indent="0">
-              <a:buNone/>
-            </a:pPr>
-            <a:r>
-              <a:rPr lang="en-US" sz="1200" dirty="0"/>
-              <a:t>Audiotapes, videotapes</a:t>
-            </a:r>
-          </a:p>
-          <a:p>
-            <a:pPr marL="0" indent="0">
-              <a:buNone/>
-            </a:pPr>
-            <a:endParaRPr lang="en-US" sz="1200" dirty="0"/>
-          </a:p>
-          <a:p>
-            <a:pPr marL="0" indent="0">
-              <a:buNone/>
-            </a:pPr>
-            <a:r>
-              <a:rPr lang="en-US" sz="1200" dirty="0"/>
-              <a:t>Photographs, films</a:t>
-            </a:r>
-          </a:p>
-          <a:p>
-            <a:pPr marL="0" indent="0">
-              <a:buNone/>
-            </a:pPr>
-            <a:endParaRPr lang="en-US" sz="1200" dirty="0"/>
-          </a:p>
-          <a:p>
-            <a:pPr marL="0" indent="0">
-              <a:buNone/>
-            </a:pPr>
-            <a:r>
-              <a:rPr lang="en-US" sz="1200" dirty="0"/>
-              <a:t>Test responses</a:t>
-            </a:r>
-          </a:p>
-          <a:p>
-            <a:pPr marL="0" indent="0">
-              <a:buNone/>
-            </a:pPr>
-            <a:endParaRPr lang="en-US" sz="1200" dirty="0"/>
-          </a:p>
-          <a:p>
-            <a:pPr marL="0" indent="0">
-              <a:buNone/>
-            </a:pPr>
-            <a:r>
-              <a:rPr lang="en-US" sz="1200" dirty="0"/>
-              <a:t>Slides, </a:t>
-            </a:r>
-            <a:r>
-              <a:rPr lang="en-US" sz="1200" dirty="0" err="1"/>
-              <a:t>artefacts</a:t>
-            </a:r>
-            <a:r>
-              <a:rPr lang="en-US" sz="1200" dirty="0"/>
-              <a:t>, specimens, samples</a:t>
-            </a:r>
-          </a:p>
-          <a:p>
-            <a:pPr marL="0" indent="0">
-              <a:buNone/>
-            </a:pPr>
-            <a:endParaRPr lang="en-US" sz="1200" dirty="0"/>
-          </a:p>
-          <a:p>
-            <a:pPr marL="0" indent="0">
-              <a:buNone/>
-            </a:pPr>
-            <a:r>
-              <a:rPr lang="en-US" sz="1200" dirty="0"/>
-              <a:t>Collection of digital objects acquired and generated during the process of research</a:t>
-            </a:r>
-          </a:p>
-          <a:p>
-            <a:pPr marL="0" indent="0">
-              <a:buNone/>
-            </a:pPr>
-            <a:endParaRPr lang="en-US" sz="1200" dirty="0" smtClean="0"/>
-          </a:p>
-          <a:p>
-            <a:pPr marL="0" indent="0">
-              <a:buNone/>
-            </a:pPr>
-            <a:endParaRPr lang="en-US" sz="1200" dirty="0"/>
-          </a:p>
-          <a:p>
-            <a:pPr marL="0" indent="0">
-              <a:buNone/>
-            </a:pPr>
-            <a:endParaRPr lang="en-US" sz="1200" dirty="0" smtClean="0"/>
-          </a:p>
-          <a:p>
-            <a:pPr marL="0" indent="0">
-              <a:buNone/>
-            </a:pPr>
-            <a:endParaRPr lang="en-US" sz="1200" dirty="0"/>
-          </a:p>
-          <a:p>
-            <a:pPr marL="0" indent="0">
-              <a:buNone/>
-            </a:pPr>
-            <a:r>
-              <a:rPr lang="en-US" sz="1200" dirty="0"/>
-              <a:t>Statistical or other data files</a:t>
-            </a:r>
-          </a:p>
-          <a:p>
-            <a:pPr marL="0" indent="0">
-              <a:buNone/>
-            </a:pPr>
-            <a:endParaRPr lang="en-US" sz="1200" dirty="0"/>
-          </a:p>
-          <a:p>
-            <a:pPr marL="0" indent="0">
-              <a:buNone/>
-            </a:pPr>
-            <a:r>
-              <a:rPr lang="en-US" sz="1200" dirty="0"/>
-              <a:t>Database contents (video, audio, text, images)</a:t>
-            </a:r>
-          </a:p>
-          <a:p>
-            <a:pPr marL="0" indent="0">
-              <a:buNone/>
-            </a:pPr>
-            <a:endParaRPr lang="en-US" sz="1200" dirty="0"/>
-          </a:p>
-          <a:p>
-            <a:pPr marL="0" indent="0">
-              <a:buNone/>
-            </a:pPr>
-            <a:r>
-              <a:rPr lang="en-US" sz="1200" dirty="0"/>
-              <a:t>Models, algorithms, scripts</a:t>
-            </a:r>
-          </a:p>
-          <a:p>
-            <a:pPr marL="0" indent="0">
-              <a:buNone/>
-            </a:pPr>
-            <a:endParaRPr lang="en-US" sz="1200" dirty="0"/>
-          </a:p>
-          <a:p>
-            <a:pPr marL="0" indent="0">
-              <a:buNone/>
-            </a:pPr>
-            <a:r>
-              <a:rPr lang="en-US" sz="1200" dirty="0"/>
-              <a:t>Contents of an application (input, output, </a:t>
-            </a:r>
-            <a:r>
-              <a:rPr lang="en-US" sz="1200" dirty="0" err="1"/>
-              <a:t>logfiles</a:t>
-            </a:r>
-            <a:r>
-              <a:rPr lang="en-US" sz="1200" dirty="0"/>
-              <a:t> for analysis software, simulation software, schemas)</a:t>
-            </a:r>
-          </a:p>
-          <a:p>
-            <a:pPr marL="0" indent="0">
-              <a:buNone/>
-            </a:pPr>
-            <a:endParaRPr lang="en-US" sz="1200" dirty="0"/>
-          </a:p>
-          <a:p>
-            <a:pPr marL="0" indent="0">
-              <a:buNone/>
-            </a:pPr>
-            <a:r>
-              <a:rPr lang="en-US" sz="1200" dirty="0"/>
-              <a:t>Methodologies and workflows</a:t>
-            </a:r>
-          </a:p>
-          <a:p>
-            <a:pPr marL="0" indent="0">
-              <a:buNone/>
-            </a:pPr>
-            <a:endParaRPr lang="en-US" sz="1200" dirty="0"/>
-          </a:p>
-          <a:p>
-            <a:pPr marL="0" indent="0">
-              <a:buNone/>
-            </a:pPr>
-            <a:r>
-              <a:rPr lang="en-US" sz="1200" dirty="0"/>
-              <a:t>Standard operating procedures and protocols</a:t>
-            </a:r>
-          </a:p>
-          <a:p>
-            <a:pPr marL="0" indent="0">
-              <a:buNone/>
-            </a:pPr>
-            <a:endParaRPr lang="en-US" sz="1200" dirty="0"/>
-          </a:p>
-        </p:txBody>
-      </p:sp>
-      <p:sp>
-        <p:nvSpPr>
-          <p:cNvPr id="4" name="TextBox 3"/>
-          <p:cNvSpPr txBox="1"/>
-          <p:nvPr/>
-        </p:nvSpPr>
-        <p:spPr>
-          <a:xfrm>
-            <a:off x="5615865" y="5426445"/>
-            <a:ext cx="3070935" cy="246221"/>
-          </a:xfrm>
-          <a:prstGeom prst="rect">
-            <a:avLst/>
-          </a:prstGeom>
-          <a:noFill/>
-        </p:spPr>
-        <p:txBody>
-          <a:bodyPr wrap="none" rtlCol="0">
-            <a:spAutoFit/>
-          </a:bodyPr>
-          <a:lstStyle/>
-          <a:p>
-            <a:r>
-              <a:rPr lang="en-US" sz="1000" dirty="0"/>
-              <a:t>http://</a:t>
-            </a:r>
-            <a:r>
-              <a:rPr lang="en-US" sz="1000" dirty="0" err="1"/>
-              <a:t>datalib.edina.ac.uk</a:t>
-            </a:r>
-            <a:r>
-              <a:rPr lang="en-US" sz="1000" dirty="0"/>
-              <a:t>/mantra/</a:t>
-            </a:r>
-            <a:r>
-              <a:rPr lang="en-US" sz="1000" dirty="0" err="1"/>
-              <a:t>researchdataexplained</a:t>
-            </a:r>
-            <a:r>
-              <a:rPr lang="en-US" sz="1000" dirty="0"/>
-              <a:t>/</a:t>
-            </a:r>
-          </a:p>
-        </p:txBody>
-      </p:sp>
-    </p:spTree>
-    <p:extLst>
-      <p:ext uri="{BB962C8B-B14F-4D97-AF65-F5344CB8AC3E}">
-        <p14:creationId xmlns:p14="http://schemas.microsoft.com/office/powerpoint/2010/main" val="4185126802"/>
-      </p:ext>
-    </p:extLst>
-  </p:cSld>
-  <p:clrMapOvr>
-    <a:masterClrMapping/>
-  </p:clrMapOvr>
-</p:sld>
-</file>
-
-<file path=ppt/slides/slide16.xml><?xml version="1.0" encoding="utf-8"?>
-<p:sld xmlns:a="http://schemas.openxmlformats.org/drawingml/2006/main" xmlns:r="http://schemas.openxmlformats.org/officeDocument/2006/relationships" xmlns:p="http://schemas.openxmlformats.org/presentationml/2006/main">
-  <p:cSld>
-    <p:spTree>
-      <p:nvGrpSpPr>
-        <p:cNvPr id="1" name=""/>
-        <p:cNvGrpSpPr/>
-        <p:nvPr/>
-      </p:nvGrpSpPr>
-      <p:grpSpPr>
-        <a:xfrm>
-          <a:off x="0" y="0"/>
-          <a:ext cx="0" cy="0"/>
-          <a:chOff x="0" y="0"/>
-          <a:chExt cx="0" cy="0"/>
-        </a:xfrm>
-      </p:grpSpPr>
-      <p:sp>
-        <p:nvSpPr>
-          <p:cNvPr id="2" name="Title 1"/>
-          <p:cNvSpPr>
-            <a:spLocks noGrp="1"/>
-          </p:cNvSpPr>
-          <p:nvPr>
-            <p:ph type="title"/>
-          </p:nvPr>
-        </p:nvSpPr>
-        <p:spPr/>
-        <p:txBody>
-          <a:bodyPr/>
-          <a:lstStyle/>
-          <a:p>
-            <a:r>
-              <a:rPr lang="en-US" dirty="0" smtClean="0"/>
-              <a:t>Curation</a:t>
-            </a:r>
-            <a:endParaRPr lang="en-US" dirty="0"/>
-          </a:p>
-        </p:txBody>
-      </p:sp>
-      <p:sp>
-        <p:nvSpPr>
-          <p:cNvPr id="3" name="Content Placeholder 2"/>
-          <p:cNvSpPr>
-            <a:spLocks noGrp="1"/>
-          </p:cNvSpPr>
-          <p:nvPr>
-            <p:ph idx="1"/>
-          </p:nvPr>
-        </p:nvSpPr>
-        <p:spPr/>
-        <p:txBody>
-          <a:bodyPr/>
-          <a:lstStyle/>
-          <a:p>
-            <a:pPr marL="0" indent="0">
-              <a:buNone/>
-            </a:pPr>
-            <a:r>
-              <a:rPr lang="en-US" dirty="0" smtClean="0"/>
-              <a:t>Traditionally: </a:t>
-            </a:r>
-          </a:p>
-          <a:p>
-            <a:pPr marL="0" indent="0">
-              <a:buNone/>
-            </a:pPr>
-            <a:endParaRPr lang="en-US" dirty="0"/>
-          </a:p>
-        </p:txBody>
-      </p:sp>
-      <p:pic>
-        <p:nvPicPr>
-          <p:cNvPr id="4" name="Picture 3"/>
-          <p:cNvPicPr>
-            <a:picLocks noChangeAspect="1"/>
-          </p:cNvPicPr>
-          <p:nvPr/>
-        </p:nvPicPr>
-        <p:blipFill>
-          <a:blip r:embed="rId3"/>
-          <a:stretch>
-            <a:fillRect/>
-          </a:stretch>
-        </p:blipFill>
-        <p:spPr>
-          <a:xfrm>
-            <a:off x="1716970" y="2381982"/>
-            <a:ext cx="5153126" cy="2698017"/>
-          </a:xfrm>
-          <a:prstGeom prst="rect">
-            <a:avLst/>
-          </a:prstGeom>
-        </p:spPr>
-      </p:pic>
-    </p:spTree>
-    <p:extLst>
-      <p:ext uri="{BB962C8B-B14F-4D97-AF65-F5344CB8AC3E}">
-        <p14:creationId xmlns:p14="http://schemas.microsoft.com/office/powerpoint/2010/main" val="3699841913"/>
-      </p:ext>
-    </p:extLst>
-  </p:cSld>
-  <p:clrMapOvr>
-    <a:masterClrMapping/>
-  </p:clrMapOvr>
-</p:sld>
-</file>
-
-<file path=ppt/slides/slide17.xml><?xml version="1.0" encoding="utf-8"?>
-<p:sld xmlns:a="http://schemas.openxmlformats.org/drawingml/2006/main" xmlns:r="http://schemas.openxmlformats.org/officeDocument/2006/relationships" xmlns:p="http://schemas.openxmlformats.org/presentationml/2006/main">
-  <p:cSld>
-    <p:spTree>
-      <p:nvGrpSpPr>
-        <p:cNvPr id="1" name=""/>
-        <p:cNvGrpSpPr/>
-        <p:nvPr/>
-      </p:nvGrpSpPr>
-      <p:grpSpPr>
-        <a:xfrm>
-          <a:off x="0" y="0"/>
-          <a:ext cx="0" cy="0"/>
-          <a:chOff x="0" y="0"/>
-          <a:chExt cx="0" cy="0"/>
-        </a:xfrm>
-      </p:grpSpPr>
-      <p:sp>
-        <p:nvSpPr>
-          <p:cNvPr id="2" name="Title 1"/>
-          <p:cNvSpPr>
-            <a:spLocks noGrp="1"/>
-          </p:cNvSpPr>
-          <p:nvPr>
-            <p:ph type="title"/>
-          </p:nvPr>
-        </p:nvSpPr>
-        <p:spPr/>
-        <p:txBody>
-          <a:bodyPr/>
-          <a:lstStyle/>
-          <a:p>
-            <a:r>
-              <a:rPr lang="en-US" dirty="0" smtClean="0"/>
-              <a:t>Curation (defined)</a:t>
-            </a:r>
-            <a:endParaRPr lang="en-US" dirty="0"/>
-          </a:p>
-        </p:txBody>
-      </p:sp>
-      <p:sp>
-        <p:nvSpPr>
-          <p:cNvPr id="3" name="Content Placeholder 2"/>
-          <p:cNvSpPr>
-            <a:spLocks noGrp="1"/>
-          </p:cNvSpPr>
-          <p:nvPr>
-            <p:ph idx="1"/>
-          </p:nvPr>
-        </p:nvSpPr>
-        <p:spPr/>
-        <p:txBody>
-          <a:bodyPr/>
-          <a:lstStyle/>
-          <a:p>
-            <a:pPr marL="0" indent="0">
-              <a:buNone/>
-            </a:pPr>
-            <a:r>
-              <a:rPr lang="en-US" dirty="0" smtClean="0"/>
-              <a:t>(Noun)</a:t>
-            </a:r>
-            <a:endParaRPr lang="en-US" dirty="0"/>
-          </a:p>
-          <a:p>
-            <a:pPr marL="0" indent="0">
-              <a:buNone/>
-            </a:pPr>
-            <a:endParaRPr lang="en-US" dirty="0" smtClean="0"/>
-          </a:p>
-          <a:p>
-            <a:pPr marL="514350" indent="-514350">
-              <a:buAutoNum type="arabicPeriod"/>
-            </a:pPr>
-            <a:r>
-              <a:rPr lang="en-US" dirty="0" smtClean="0"/>
-              <a:t>The act of healing, or curing. </a:t>
-            </a:r>
-          </a:p>
-          <a:p>
-            <a:pPr marL="514350" indent="-514350">
-              <a:buAutoNum type="arabicPeriod"/>
-            </a:pPr>
-            <a:r>
-              <a:rPr lang="en-US" dirty="0" smtClean="0"/>
-              <a:t>Guardianship.</a:t>
-            </a:r>
-            <a:endParaRPr lang="en-US" dirty="0"/>
-          </a:p>
-        </p:txBody>
-      </p:sp>
-    </p:spTree>
-    <p:extLst>
-      <p:ext uri="{BB962C8B-B14F-4D97-AF65-F5344CB8AC3E}">
-        <p14:creationId xmlns:p14="http://schemas.microsoft.com/office/powerpoint/2010/main" val="2408985885"/>
-      </p:ext>
-    </p:extLst>
-  </p:cSld>
-  <p:clrMapOvr>
-    <a:masterClrMapping/>
-  </p:clrMapOvr>
-</p:sld>
-</file>
-
-<file path=ppt/slides/slide18.xml><?xml version="1.0" encoding="utf-8"?>
-<p:sld xmlns:a="http://schemas.openxmlformats.org/drawingml/2006/main" xmlns:r="http://schemas.openxmlformats.org/officeDocument/2006/relationships" xmlns:p="http://schemas.openxmlformats.org/presentationml/2006/main">
-  <p:cSld>
-    <p:spTree>
-      <p:nvGrpSpPr>
-        <p:cNvPr id="1" name=""/>
-        <p:cNvGrpSpPr/>
-        <p:nvPr/>
-      </p:nvGrpSpPr>
-      <p:grpSpPr>
-        <a:xfrm>
-          <a:off x="0" y="0"/>
-          <a:ext cx="0" cy="0"/>
-          <a:chOff x="0" y="0"/>
-          <a:chExt cx="0" cy="0"/>
-        </a:xfrm>
-      </p:grpSpPr>
-      <p:sp>
-        <p:nvSpPr>
-          <p:cNvPr id="2" name="Title 1"/>
-          <p:cNvSpPr>
-            <a:spLocks noGrp="1"/>
-          </p:cNvSpPr>
-          <p:nvPr>
-            <p:ph type="title"/>
-          </p:nvPr>
-        </p:nvSpPr>
-        <p:spPr/>
-        <p:txBody>
-          <a:bodyPr/>
-          <a:lstStyle/>
-          <a:p>
-            <a:r>
-              <a:rPr lang="en-US" dirty="0" smtClean="0"/>
-              <a:t>Curation in digital context</a:t>
-            </a:r>
-            <a:endParaRPr lang="en-US" dirty="0"/>
-          </a:p>
-        </p:txBody>
-      </p:sp>
-      <p:pic>
-        <p:nvPicPr>
-          <p:cNvPr id="5" name="Content Placeholder 4"/>
-          <p:cNvPicPr>
-            <a:picLocks noGrp="1" noChangeAspect="1"/>
-          </p:cNvPicPr>
-          <p:nvPr>
-            <p:ph idx="1"/>
-          </p:nvPr>
-        </p:nvPicPr>
-        <p:blipFill>
-          <a:blip r:embed="rId3"/>
-          <a:srcRect l="2118" r="2118"/>
-          <a:stretch>
-            <a:fillRect/>
-          </a:stretch>
-        </p:blipFill>
-        <p:spPr>
-          <a:xfrm>
-            <a:off x="1584475" y="1611742"/>
-            <a:ext cx="6449181" cy="3546801"/>
-          </a:xfrm>
-        </p:spPr>
-      </p:pic>
-    </p:spTree>
-    <p:extLst>
-      <p:ext uri="{BB962C8B-B14F-4D97-AF65-F5344CB8AC3E}">
-        <p14:creationId xmlns:p14="http://schemas.microsoft.com/office/powerpoint/2010/main" val="2172798871"/>
-      </p:ext>
-    </p:extLst>
-  </p:cSld>
-  <p:clrMapOvr>
-    <a:masterClrMapping/>
-  </p:clrMapOvr>
-</p:sld>
-</file>
-
-<file path=ppt/slides/slide19.xml><?xml version="1.0" encoding="utf-8"?>
-<p:sld xmlns:a="http://schemas.openxmlformats.org/drawingml/2006/main" xmlns:r="http://schemas.openxmlformats.org/officeDocument/2006/relationships" xmlns:p="http://schemas.openxmlformats.org/presentationml/2006/main">
-  <p:cSld>
-    <p:spTree>
-      <p:nvGrpSpPr>
-        <p:cNvPr id="1" name=""/>
-        <p:cNvGrpSpPr/>
-        <p:nvPr/>
-      </p:nvGrpSpPr>
-      <p:grpSpPr>
-        <a:xfrm>
-          <a:off x="0" y="0"/>
-          <a:ext cx="0" cy="0"/>
-          <a:chOff x="0" y="0"/>
-          <a:chExt cx="0" cy="0"/>
-        </a:xfrm>
-      </p:grpSpPr>
-      <p:sp>
-        <p:nvSpPr>
-          <p:cNvPr id="2" name="Title 1"/>
-          <p:cNvSpPr>
-            <a:spLocks noGrp="1"/>
-          </p:cNvSpPr>
-          <p:nvPr>
-            <p:ph type="title"/>
-          </p:nvPr>
-        </p:nvSpPr>
-        <p:spPr/>
-        <p:txBody>
-          <a:bodyPr/>
-          <a:lstStyle/>
-          <a:p>
-            <a:r>
-              <a:rPr lang="en-US" dirty="0" smtClean="0"/>
-              <a:t>Curation roles... </a:t>
-            </a:r>
-            <a:endParaRPr lang="en-US" dirty="0"/>
-          </a:p>
-        </p:txBody>
-      </p:sp>
-      <p:sp>
-        <p:nvSpPr>
-          <p:cNvPr id="3" name="Content Placeholder 2"/>
-          <p:cNvSpPr>
-            <a:spLocks noGrp="1"/>
-          </p:cNvSpPr>
-          <p:nvPr>
-            <p:ph idx="1"/>
-          </p:nvPr>
-        </p:nvSpPr>
-        <p:spPr/>
-        <p:txBody>
-          <a:bodyPr>
-            <a:normAutofit/>
-          </a:bodyPr>
-          <a:lstStyle/>
-          <a:p>
-            <a:pPr marL="0" indent="0">
-              <a:buNone/>
-            </a:pPr>
-            <a:r>
-              <a:rPr lang="en-US" sz="2400" b="1" dirty="0" smtClean="0"/>
-              <a:t>Early: </a:t>
-            </a:r>
-            <a:r>
-              <a:rPr lang="en-US" sz="2400" dirty="0" smtClean="0"/>
-              <a:t>Build </a:t>
-            </a:r>
-            <a:r>
-              <a:rPr lang="en-US" sz="2400" dirty="0"/>
-              <a:t>and maintain data collections, associated indexing systems, metadata standards, ontologies, and retrieval systems.</a:t>
-            </a:r>
-            <a:endParaRPr lang="en-US" sz="2400" dirty="0" smtClean="0"/>
-          </a:p>
-          <a:p>
-            <a:pPr marL="0" indent="0">
-              <a:buNone/>
-            </a:pPr>
-            <a:endParaRPr lang="en-US" sz="2400" dirty="0"/>
-          </a:p>
-          <a:p>
-            <a:pPr marL="0" indent="0">
-              <a:buNone/>
-            </a:pPr>
-            <a:r>
-              <a:rPr lang="en-US" sz="2400" dirty="0" smtClean="0"/>
-              <a:t>And….</a:t>
-            </a:r>
-          </a:p>
-          <a:p>
-            <a:pPr marL="0" indent="0">
-              <a:buNone/>
-            </a:pPr>
-            <a:endParaRPr lang="en-US" sz="2400" dirty="0"/>
-          </a:p>
-          <a:p>
-            <a:pPr marL="0" indent="0">
-              <a:buNone/>
-            </a:pPr>
-            <a:r>
-              <a:rPr lang="en-US" sz="2400" b="1" dirty="0" smtClean="0"/>
-              <a:t>Emerging: </a:t>
-            </a:r>
-            <a:r>
-              <a:rPr lang="en-US" sz="2400" dirty="0" smtClean="0"/>
-              <a:t>Ensuring </a:t>
-            </a:r>
-            <a:r>
-              <a:rPr lang="en-US" sz="2400" dirty="0" smtClean="0"/>
-              <a:t>data </a:t>
-            </a:r>
-            <a:r>
-              <a:rPr lang="en-US" sz="2400" dirty="0"/>
-              <a:t>quality, authentication, security, and </a:t>
-            </a:r>
-            <a:r>
-              <a:rPr lang="en-US" sz="2400" dirty="0" smtClean="0"/>
-              <a:t>developing associated </a:t>
-            </a:r>
-            <a:r>
-              <a:rPr lang="en-US" sz="2400" dirty="0"/>
-              <a:t>documentation and </a:t>
-            </a:r>
-            <a:r>
-              <a:rPr lang="en-US" sz="2400" dirty="0" smtClean="0"/>
-              <a:t>tools (software) </a:t>
-            </a:r>
-            <a:r>
-              <a:rPr lang="en-US" sz="2400" dirty="0" smtClean="0"/>
-              <a:t>necessary for long-term reuse. </a:t>
-            </a:r>
-            <a:endParaRPr lang="en-US" sz="2400" dirty="0"/>
-          </a:p>
-        </p:txBody>
-      </p:sp>
-    </p:spTree>
-    <p:extLst>
-      <p:ext uri="{BB962C8B-B14F-4D97-AF65-F5344CB8AC3E}">
-        <p14:creationId xmlns:p14="http://schemas.microsoft.com/office/powerpoint/2010/main" val="4149825383"/>
-      </p:ext>
-    </p:extLst>
-  </p:cSld>
-  <p:clrMapOvr>
-    <a:masterClrMapping/>
-  </p:clrMapOvr>
-</p:sld>
-</file>
-
-<file path=ppt/slides/slide2.xml><?xml version="1.0" encoding="utf-8"?>
-<p:sld xmlns:a="http://schemas.openxmlformats.org/drawingml/2006/main" xmlns:r="http://schemas.openxmlformats.org/officeDocument/2006/relationships" xmlns:p="http://schemas.openxmlformats.org/presentationml/2006/main">
-  <p:cSld>
-    <p:spTree>
-      <p:nvGrpSpPr>
-        <p:cNvPr id="1" name=""/>
-        <p:cNvGrpSpPr/>
-        <p:nvPr/>
-      </p:nvGrpSpPr>
-      <p:grpSpPr>
-        <a:xfrm>
-          <a:off x="0" y="0"/>
-          <a:ext cx="0" cy="0"/>
-          <a:chOff x="0" y="0"/>
-          <a:chExt cx="0" cy="0"/>
-        </a:xfrm>
-      </p:grpSpPr>
-      <p:sp>
-        <p:nvSpPr>
-          <p:cNvPr id="2" name="Title 1"/>
-          <p:cNvSpPr>
-            <a:spLocks noGrp="1"/>
-          </p:cNvSpPr>
-          <p:nvPr>
-            <p:ph type="title"/>
-          </p:nvPr>
-        </p:nvSpPr>
-        <p:spPr/>
-        <p:txBody>
-          <a:bodyPr/>
-          <a:lstStyle/>
-          <a:p>
-            <a:r>
-              <a:rPr lang="en-US" dirty="0" smtClean="0"/>
-              <a:t>What this session will include:</a:t>
-            </a:r>
-            <a:endParaRPr lang="en-US" dirty="0"/>
-          </a:p>
-        </p:txBody>
-      </p:sp>
-      <p:sp>
-        <p:nvSpPr>
-          <p:cNvPr id="3" name="Content Placeholder 2"/>
-          <p:cNvSpPr>
-            <a:spLocks noGrp="1"/>
-          </p:cNvSpPr>
-          <p:nvPr>
-            <p:ph idx="1"/>
-          </p:nvPr>
-        </p:nvSpPr>
-        <p:spPr>
-          <a:xfrm>
-            <a:off x="457200" y="1830010"/>
-            <a:ext cx="8229600" cy="4525963"/>
-          </a:xfrm>
-        </p:spPr>
-        <p:txBody>
-          <a:bodyPr/>
-          <a:lstStyle/>
-          <a:p>
-            <a:r>
-              <a:rPr lang="en-US" dirty="0" smtClean="0"/>
-              <a:t>Scoping research data curation </a:t>
-            </a:r>
-          </a:p>
-          <a:p>
-            <a:r>
-              <a:rPr lang="en-US" dirty="0" smtClean="0"/>
-              <a:t>Archives and records management concepts</a:t>
-            </a:r>
-          </a:p>
-          <a:p>
-            <a:r>
-              <a:rPr lang="en-US" dirty="0" smtClean="0"/>
-              <a:t>Overview of Life Cycle models</a:t>
-            </a:r>
-          </a:p>
-          <a:p>
-            <a:r>
-              <a:rPr lang="en-US" dirty="0" smtClean="0"/>
-              <a:t>Identifier schemes</a:t>
-            </a:r>
-          </a:p>
-          <a:p>
-            <a:r>
-              <a:rPr lang="en-US" dirty="0" smtClean="0"/>
-              <a:t>Data </a:t>
-            </a:r>
-            <a:r>
-              <a:rPr lang="en-US" dirty="0" smtClean="0"/>
-              <a:t>publication</a:t>
-            </a:r>
-            <a:endParaRPr lang="en-US" dirty="0" smtClean="0"/>
-          </a:p>
-        </p:txBody>
-      </p:sp>
-    </p:spTree>
-    <p:extLst>
-      <p:ext uri="{BB962C8B-B14F-4D97-AF65-F5344CB8AC3E}">
-        <p14:creationId xmlns:p14="http://schemas.microsoft.com/office/powerpoint/2010/main" val="4133957706"/>
-      </p:ext>
-    </p:extLst>
-  </p:cSld>
-  <p:clrMapOvr>
-    <a:masterClrMapping/>
-  </p:clrMapOvr>
-</p:sld>
-</file>
-
-<file path=ppt/slides/slide20.xml><?xml version="1.0" encoding="utf-8"?>
-<p:sld xmlns:a="http://schemas.openxmlformats.org/drawingml/2006/main" xmlns:r="http://schemas.openxmlformats.org/officeDocument/2006/relationships" xmlns:p="http://schemas.openxmlformats.org/presentationml/2006/main">
-  <p:cSld>
-    <p:spTree>
-      <p:nvGrpSpPr>
-        <p:cNvPr id="1" name=""/>
-        <p:cNvGrpSpPr/>
-        <p:nvPr/>
-      </p:nvGrpSpPr>
-      <p:grpSpPr>
-        <a:xfrm>
-          <a:off x="0" y="0"/>
-          <a:ext cx="0" cy="0"/>
-          <a:chOff x="0" y="0"/>
-          <a:chExt cx="0" cy="0"/>
-        </a:xfrm>
-      </p:grpSpPr>
-      <p:sp>
-        <p:nvSpPr>
-          <p:cNvPr id="2" name="Title 1"/>
-          <p:cNvSpPr>
-            <a:spLocks noGrp="1"/>
-          </p:cNvSpPr>
-          <p:nvPr>
-            <p:ph type="title"/>
-          </p:nvPr>
-        </p:nvSpPr>
-        <p:spPr/>
-        <p:txBody>
-          <a:bodyPr>
-            <a:normAutofit/>
-          </a:bodyPr>
-          <a:lstStyle/>
-          <a:p>
-            <a:r>
-              <a:rPr lang="en-US" dirty="0" smtClean="0"/>
-              <a:t>Data Curation</a:t>
-            </a:r>
-            <a:endParaRPr lang="en-US" dirty="0"/>
-          </a:p>
-        </p:txBody>
-      </p:sp>
-      <p:sp>
-        <p:nvSpPr>
-          <p:cNvPr id="3" name="Content Placeholder 2"/>
-          <p:cNvSpPr>
-            <a:spLocks noGrp="1"/>
-          </p:cNvSpPr>
-          <p:nvPr>
-            <p:ph idx="1"/>
-          </p:nvPr>
-        </p:nvSpPr>
-        <p:spPr/>
-        <p:txBody>
-          <a:bodyPr/>
-          <a:lstStyle/>
-          <a:p>
-            <a:pPr marL="0" indent="0">
-              <a:buNone/>
-            </a:pPr>
-            <a:r>
-              <a:rPr lang="en-US" dirty="0" smtClean="0"/>
-              <a:t>Data </a:t>
-            </a:r>
-            <a:r>
-              <a:rPr lang="en-US" dirty="0"/>
-              <a:t>curation is the active and ongoing management of data throughout its entire lifecycle of interest and usefulness to scholarship, including it's reuse in </a:t>
-            </a:r>
-            <a:r>
-              <a:rPr lang="en-US" dirty="0"/>
-              <a:t> </a:t>
-            </a:r>
-            <a:r>
-              <a:rPr lang="en-US" dirty="0" smtClean="0"/>
-              <a:t> </a:t>
-            </a:r>
-            <a:r>
-              <a:rPr lang="en-US" b="1" dirty="0" smtClean="0"/>
-              <a:t>unanticipated </a:t>
-            </a:r>
-            <a:r>
-              <a:rPr lang="en-US" b="1" dirty="0" smtClean="0"/>
-              <a:t>contexts</a:t>
-            </a:r>
-            <a:r>
-              <a:rPr lang="en-US" i="1" dirty="0" smtClean="0"/>
-              <a:t>.</a:t>
-            </a:r>
-          </a:p>
-          <a:p>
-            <a:pPr marL="0" indent="0">
-              <a:buNone/>
-            </a:pPr>
-            <a:endParaRPr lang="en-US" i="1" dirty="0"/>
-          </a:p>
-          <a:p>
-            <a:pPr marL="0" indent="0">
-              <a:buNone/>
-            </a:pPr>
-            <a:endParaRPr lang="en-US" i="1" dirty="0"/>
-          </a:p>
-        </p:txBody>
-      </p:sp>
-      <p:sp>
-        <p:nvSpPr>
-          <p:cNvPr id="4" name="TextBox 3"/>
-          <p:cNvSpPr txBox="1"/>
-          <p:nvPr/>
-        </p:nvSpPr>
-        <p:spPr>
-          <a:xfrm>
-            <a:off x="5793620" y="4257524"/>
-            <a:ext cx="2141857" cy="553998"/>
-          </a:xfrm>
-          <a:prstGeom prst="rect">
-            <a:avLst/>
-          </a:prstGeom>
-          <a:noFill/>
-        </p:spPr>
-        <p:txBody>
-          <a:bodyPr wrap="none" rtlCol="0">
-            <a:spAutoFit/>
-          </a:bodyPr>
-          <a:lstStyle/>
-          <a:p>
-            <a:r>
-              <a:rPr lang="en-US" sz="1200" dirty="0"/>
-              <a:t>(edited from Cragin et al. 2007)</a:t>
-            </a:r>
-          </a:p>
-          <a:p>
-            <a:endParaRPr lang="en-US" dirty="0"/>
-          </a:p>
-        </p:txBody>
-      </p:sp>
-    </p:spTree>
-    <p:extLst>
-      <p:ext uri="{BB962C8B-B14F-4D97-AF65-F5344CB8AC3E}">
-        <p14:creationId xmlns:p14="http://schemas.microsoft.com/office/powerpoint/2010/main" val="3835548221"/>
-      </p:ext>
-    </p:extLst>
-  </p:cSld>
-  <p:clrMapOvr>
-    <a:masterClrMapping/>
-  </p:clrMapOvr>
-</p:sld>
-</file>
-
-<file path=ppt/slides/slide3.xml><?xml version="1.0" encoding="utf-8"?>
-<p:sld xmlns:a="http://schemas.openxmlformats.org/drawingml/2006/main" xmlns:r="http://schemas.openxmlformats.org/officeDocument/2006/relationships" xmlns:p="http://schemas.openxmlformats.org/presentationml/2006/main">
-  <p:cSld>
-    <p:spTree>
-      <p:nvGrpSpPr>
-        <p:cNvPr id="1" name=""/>
-        <p:cNvGrpSpPr/>
-        <p:nvPr/>
-      </p:nvGrpSpPr>
-      <p:grpSpPr>
-        <a:xfrm>
-          <a:off x="0" y="0"/>
-          <a:ext cx="0" cy="0"/>
-          <a:chOff x="0" y="0"/>
-          <a:chExt cx="0" cy="0"/>
-        </a:xfrm>
-      </p:grpSpPr>
-      <p:sp>
-        <p:nvSpPr>
-          <p:cNvPr id="2" name="Title 1"/>
-          <p:cNvSpPr>
-            <a:spLocks noGrp="1"/>
-          </p:cNvSpPr>
-          <p:nvPr>
-            <p:ph type="title"/>
-          </p:nvPr>
-        </p:nvSpPr>
-        <p:spPr/>
-        <p:txBody>
-          <a:bodyPr/>
-          <a:lstStyle/>
-          <a:p>
-            <a:r>
-              <a:rPr lang="en-US" dirty="0" smtClean="0"/>
-              <a:t>What this session will include:</a:t>
-            </a:r>
-            <a:endParaRPr lang="en-US" dirty="0"/>
-          </a:p>
-        </p:txBody>
-      </p:sp>
-      <p:sp>
-        <p:nvSpPr>
-          <p:cNvPr id="3" name="Content Placeholder 2"/>
-          <p:cNvSpPr>
-            <a:spLocks noGrp="1"/>
-          </p:cNvSpPr>
-          <p:nvPr>
-            <p:ph idx="1"/>
-          </p:nvPr>
-        </p:nvSpPr>
-        <p:spPr/>
-        <p:txBody>
-          <a:bodyPr/>
-          <a:lstStyle/>
-          <a:p>
-            <a:r>
-              <a:rPr lang="en-US" dirty="0" smtClean="0"/>
-              <a:t>Scoping research data curation </a:t>
-            </a:r>
-          </a:p>
-          <a:p>
-            <a:r>
-              <a:rPr lang="en-US" dirty="0" smtClean="0">
-                <a:solidFill>
-                  <a:schemeClr val="bg1">
-                    <a:lumMod val="85000"/>
-                  </a:schemeClr>
-                </a:solidFill>
-              </a:rPr>
-              <a:t>Archives and records management concepts</a:t>
-            </a:r>
-          </a:p>
-          <a:p>
-            <a:r>
-              <a:rPr lang="en-US" dirty="0">
-                <a:solidFill>
-                  <a:schemeClr val="bg1">
-                    <a:lumMod val="85000"/>
-                  </a:schemeClr>
-                </a:solidFill>
-              </a:rPr>
-              <a:t>Overview of Life Cycle models</a:t>
-            </a:r>
-          </a:p>
-          <a:p>
-            <a:r>
-              <a:rPr lang="en-US" dirty="0">
-                <a:solidFill>
-                  <a:schemeClr val="bg1">
-                    <a:lumMod val="85000"/>
-                  </a:schemeClr>
-                </a:solidFill>
-              </a:rPr>
-              <a:t>Identifier schemes</a:t>
-            </a:r>
-          </a:p>
-          <a:p>
-            <a:r>
-              <a:rPr lang="en-US" dirty="0">
-                <a:solidFill>
-                  <a:schemeClr val="bg1">
-                    <a:lumMod val="85000"/>
-                  </a:schemeClr>
-                </a:solidFill>
-              </a:rPr>
-              <a:t>Data </a:t>
-            </a:r>
-            <a:r>
-              <a:rPr lang="en-US" dirty="0" smtClean="0">
-                <a:solidFill>
-                  <a:schemeClr val="bg1">
-                    <a:lumMod val="85000"/>
-                  </a:schemeClr>
-                </a:solidFill>
-              </a:rPr>
-              <a:t>publication</a:t>
-            </a:r>
-            <a:endParaRPr lang="en-US" dirty="0">
-              <a:solidFill>
-                <a:schemeClr val="bg1">
-                  <a:lumMod val="85000"/>
-                </a:schemeClr>
-              </a:solidFill>
-            </a:endParaRPr>
-          </a:p>
-          <a:p>
-            <a:pPr marL="0" indent="0">
-              <a:buNone/>
-            </a:pPr>
-            <a:endParaRPr lang="en-US" dirty="0"/>
-          </a:p>
-        </p:txBody>
-      </p:sp>
-    </p:spTree>
-    <p:extLst>
-      <p:ext uri="{BB962C8B-B14F-4D97-AF65-F5344CB8AC3E}">
-        <p14:creationId xmlns:p14="http://schemas.microsoft.com/office/powerpoint/2010/main" val="4057811816"/>
-      </p:ext>
-    </p:extLst>
-  </p:cSld>
-  <p:clrMapOvr>
-    <a:masterClrMapping/>
-  </p:clrMapOvr>
-</p:sld>
-</file>
-
-<file path=ppt/slides/slide4.xml><?xml version="1.0" encoding="utf-8"?>
-<p:sld xmlns:a="http://schemas.openxmlformats.org/drawingml/2006/main" xmlns:r="http://schemas.openxmlformats.org/officeDocument/2006/relationships" xmlns:p="http://schemas.openxmlformats.org/presentationml/2006/main">
-  <p:cSld>
-    <p:spTree>
-      <p:nvGrpSpPr>
-        <p:cNvPr id="1" name=""/>
-        <p:cNvGrpSpPr/>
-        <p:nvPr/>
-      </p:nvGrpSpPr>
-      <p:grpSpPr>
-        <a:xfrm>
-          <a:off x="0" y="0"/>
-          <a:ext cx="0" cy="0"/>
-          <a:chOff x="0" y="0"/>
-          <a:chExt cx="0" cy="0"/>
-        </a:xfrm>
-      </p:grpSpPr>
-      <p:sp>
-        <p:nvSpPr>
-          <p:cNvPr id="2" name="Title 1"/>
-          <p:cNvSpPr>
-            <a:spLocks noGrp="1"/>
-          </p:cNvSpPr>
-          <p:nvPr>
-            <p:ph type="title"/>
-          </p:nvPr>
-        </p:nvSpPr>
-        <p:spPr/>
-        <p:txBody>
-          <a:bodyPr/>
-          <a:lstStyle/>
-          <a:p>
-            <a:r>
-              <a:rPr lang="en-US" dirty="0" smtClean="0"/>
               <a:t>Data Curation </a:t>
             </a:r>
             <a:endParaRPr lang="en-US" dirty="0"/>
@@ -6508,7 +5400,7 @@
 </p:sld>
 </file>
 
-<file path=ppt/slides/slide5.xml><?xml version="1.0" encoding="utf-8"?>
+<file path=ppt/slides/slide13.xml><?xml version="1.0" encoding="utf-8"?>
 <p:sld xmlns:a="http://schemas.openxmlformats.org/drawingml/2006/main" xmlns:r="http://schemas.openxmlformats.org/officeDocument/2006/relationships" xmlns:p="http://schemas.openxmlformats.org/presentationml/2006/main">
   <p:cSld>
     <p:spTree>
@@ -6677,6 +5569,2578 @@
 </p:sld>
 </file>
 
+<file path=ppt/slides/slide14.xml><?xml version="1.0" encoding="utf-8"?>
+<p:sld xmlns:a="http://schemas.openxmlformats.org/drawingml/2006/main" xmlns:r="http://schemas.openxmlformats.org/officeDocument/2006/relationships" xmlns:p="http://schemas.openxmlformats.org/presentationml/2006/main">
+  <p:cSld>
+    <p:spTree>
+      <p:nvGrpSpPr>
+        <p:cNvPr id="1" name=""/>
+        <p:cNvGrpSpPr/>
+        <p:nvPr/>
+      </p:nvGrpSpPr>
+      <p:grpSpPr>
+        <a:xfrm>
+          <a:off x="0" y="0"/>
+          <a:ext cx="0" cy="0"/>
+          <a:chOff x="0" y="0"/>
+          <a:chExt cx="0" cy="0"/>
+        </a:xfrm>
+      </p:grpSpPr>
+      <p:sp>
+        <p:nvSpPr>
+          <p:cNvPr id="2" name="Title 1"/>
+          <p:cNvSpPr>
+            <a:spLocks noGrp="1"/>
+          </p:cNvSpPr>
+          <p:nvPr>
+            <p:ph type="title"/>
+          </p:nvPr>
+        </p:nvSpPr>
+        <p:spPr/>
+        <p:txBody>
+          <a:bodyPr/>
+          <a:lstStyle/>
+          <a:p>
+            <a:r>
+              <a:rPr lang="en-US" dirty="0" smtClean="0"/>
+              <a:t>Data</a:t>
+            </a:r>
+            <a:endParaRPr lang="en-US" dirty="0"/>
+          </a:p>
+        </p:txBody>
+      </p:sp>
+      <p:sp>
+        <p:nvSpPr>
+          <p:cNvPr id="3" name="Content Placeholder 2"/>
+          <p:cNvSpPr>
+            <a:spLocks noGrp="1"/>
+          </p:cNvSpPr>
+          <p:nvPr>
+            <p:ph idx="1"/>
+          </p:nvPr>
+        </p:nvSpPr>
+        <p:spPr/>
+        <p:txBody>
+          <a:bodyPr/>
+          <a:lstStyle/>
+          <a:p>
+            <a:pPr marL="0" indent="0" algn="ctr">
+              <a:buNone/>
+            </a:pPr>
+            <a:endParaRPr lang="en-US" dirty="0" smtClean="0"/>
+          </a:p>
+          <a:p>
+            <a:pPr marL="0" indent="0" algn="ctr">
+              <a:buNone/>
+            </a:pPr>
+            <a:endParaRPr lang="en-US" dirty="0" smtClean="0"/>
+          </a:p>
+          <a:p>
+            <a:pPr marL="0" indent="0" algn="ctr">
+              <a:buNone/>
+            </a:pPr>
+            <a:r>
+              <a:rPr lang="en-US" dirty="0" smtClean="0"/>
+              <a:t>Asking </a:t>
+            </a:r>
+            <a:r>
+              <a:rPr lang="en-US" i="1" dirty="0" smtClean="0"/>
+              <a:t>what </a:t>
+            </a:r>
+            <a:r>
+              <a:rPr lang="en-US" dirty="0" smtClean="0"/>
+              <a:t>are data isn’t the right question…</a:t>
+            </a:r>
+          </a:p>
+        </p:txBody>
+      </p:sp>
+    </p:spTree>
+    <p:extLst>
+      <p:ext uri="{BB962C8B-B14F-4D97-AF65-F5344CB8AC3E}">
+        <p14:creationId xmlns:p14="http://schemas.microsoft.com/office/powerpoint/2010/main" val="3134134872"/>
+      </p:ext>
+    </p:extLst>
+  </p:cSld>
+  <p:clrMapOvr>
+    <a:masterClrMapping/>
+  </p:clrMapOvr>
+</p:sld>
+</file>
+
+<file path=ppt/slides/slide15.xml><?xml version="1.0" encoding="utf-8"?>
+<p:sld xmlns:a="http://schemas.openxmlformats.org/drawingml/2006/main" xmlns:r="http://schemas.openxmlformats.org/officeDocument/2006/relationships" xmlns:p="http://schemas.openxmlformats.org/presentationml/2006/main">
+  <p:cSld>
+    <p:spTree>
+      <p:nvGrpSpPr>
+        <p:cNvPr id="1" name=""/>
+        <p:cNvGrpSpPr/>
+        <p:nvPr/>
+      </p:nvGrpSpPr>
+      <p:grpSpPr>
+        <a:xfrm>
+          <a:off x="0" y="0"/>
+          <a:ext cx="0" cy="0"/>
+          <a:chOff x="0" y="0"/>
+          <a:chExt cx="0" cy="0"/>
+        </a:xfrm>
+      </p:grpSpPr>
+      <p:sp>
+        <p:nvSpPr>
+          <p:cNvPr id="2" name="Title 1"/>
+          <p:cNvSpPr>
+            <a:spLocks noGrp="1"/>
+          </p:cNvSpPr>
+          <p:nvPr>
+            <p:ph type="title"/>
+          </p:nvPr>
+        </p:nvSpPr>
+        <p:spPr/>
+        <p:txBody>
+          <a:bodyPr/>
+          <a:lstStyle/>
+          <a:p>
+            <a:r>
+              <a:rPr lang="en-US" dirty="0" smtClean="0"/>
+              <a:t>Data as a role, not a type</a:t>
+            </a:r>
+            <a:endParaRPr lang="en-US" dirty="0"/>
+          </a:p>
+        </p:txBody>
+      </p:sp>
+      <p:sp>
+        <p:nvSpPr>
+          <p:cNvPr id="3" name="Content Placeholder 2"/>
+          <p:cNvSpPr>
+            <a:spLocks noGrp="1"/>
+          </p:cNvSpPr>
+          <p:nvPr>
+            <p:ph idx="1"/>
+          </p:nvPr>
+        </p:nvSpPr>
+        <p:spPr/>
+        <p:txBody>
+          <a:bodyPr/>
+          <a:lstStyle/>
+          <a:p>
+            <a:pPr marL="0" indent="0" algn="ctr">
+              <a:buNone/>
+            </a:pPr>
+            <a:endParaRPr lang="en-US" dirty="0" smtClean="0"/>
+          </a:p>
+          <a:p>
+            <a:pPr marL="0" indent="0" algn="ctr">
+              <a:buNone/>
+            </a:pPr>
+            <a:r>
+              <a:rPr lang="en-US" dirty="0" smtClean="0"/>
+              <a:t>Instead, we think about data as an information object (of various types) that plays a              certain </a:t>
+            </a:r>
+            <a:r>
+              <a:rPr lang="en-US" b="1" dirty="0" smtClean="0"/>
+              <a:t>role </a:t>
+            </a:r>
+            <a:r>
+              <a:rPr lang="en-US" dirty="0" smtClean="0"/>
+              <a:t>within a community of practice.</a:t>
+            </a:r>
+            <a:endParaRPr lang="en-US" dirty="0"/>
+          </a:p>
+        </p:txBody>
+      </p:sp>
+    </p:spTree>
+    <p:extLst>
+      <p:ext uri="{BB962C8B-B14F-4D97-AF65-F5344CB8AC3E}">
+        <p14:creationId xmlns:p14="http://schemas.microsoft.com/office/powerpoint/2010/main" val="1019812874"/>
+      </p:ext>
+    </p:extLst>
+  </p:cSld>
+  <p:clrMapOvr>
+    <a:masterClrMapping/>
+  </p:clrMapOvr>
+</p:sld>
+</file>
+
+<file path=ppt/slides/slide16.xml><?xml version="1.0" encoding="utf-8"?>
+<p:sld xmlns:a="http://schemas.openxmlformats.org/drawingml/2006/main" xmlns:r="http://schemas.openxmlformats.org/officeDocument/2006/relationships" xmlns:p="http://schemas.openxmlformats.org/presentationml/2006/main">
+  <p:cSld>
+    <p:spTree>
+      <p:nvGrpSpPr>
+        <p:cNvPr id="1" name=""/>
+        <p:cNvGrpSpPr/>
+        <p:nvPr/>
+      </p:nvGrpSpPr>
+      <p:grpSpPr>
+        <a:xfrm>
+          <a:off x="0" y="0"/>
+          <a:ext cx="0" cy="0"/>
+          <a:chOff x="0" y="0"/>
+          <a:chExt cx="0" cy="0"/>
+        </a:xfrm>
+      </p:grpSpPr>
+      <p:sp>
+        <p:nvSpPr>
+          <p:cNvPr id="2" name="Title 1"/>
+          <p:cNvSpPr>
+            <a:spLocks noGrp="1"/>
+          </p:cNvSpPr>
+          <p:nvPr>
+            <p:ph type="title"/>
+          </p:nvPr>
+        </p:nvSpPr>
+        <p:spPr/>
+        <p:txBody>
+          <a:bodyPr/>
+          <a:lstStyle/>
+          <a:p>
+            <a:r>
+              <a:rPr lang="en-US" dirty="0" smtClean="0"/>
+              <a:t>Data</a:t>
+            </a:r>
+            <a:endParaRPr lang="en-US" dirty="0"/>
+          </a:p>
+        </p:txBody>
+      </p:sp>
+      <p:sp>
+        <p:nvSpPr>
+          <p:cNvPr id="3" name="Content Placeholder 2"/>
+          <p:cNvSpPr>
+            <a:spLocks noGrp="1"/>
+          </p:cNvSpPr>
+          <p:nvPr>
+            <p:ph idx="1"/>
+          </p:nvPr>
+        </p:nvSpPr>
+        <p:spPr/>
+        <p:txBody>
+          <a:bodyPr/>
+          <a:lstStyle/>
+          <a:p>
+            <a:pPr marL="0" indent="0" algn="ctr">
+              <a:buNone/>
+            </a:pPr>
+            <a:endParaRPr lang="en-US" dirty="0" smtClean="0"/>
+          </a:p>
+          <a:p>
+            <a:pPr marL="0" indent="0" algn="ctr">
+              <a:buNone/>
+            </a:pPr>
+            <a:r>
+              <a:rPr lang="en-US" dirty="0" smtClean="0">
+                <a:solidFill>
+                  <a:srgbClr val="A6A6A6"/>
+                </a:solidFill>
+              </a:rPr>
+              <a:t>Instead, we think about data as an information object (of various types) that plays a              certain </a:t>
+            </a:r>
+            <a:r>
+              <a:rPr lang="en-US" b="1" dirty="0" smtClean="0">
+                <a:solidFill>
+                  <a:srgbClr val="A6A6A6"/>
+                </a:solidFill>
+              </a:rPr>
+              <a:t>role </a:t>
+            </a:r>
+            <a:r>
+              <a:rPr lang="en-US" dirty="0" smtClean="0">
+                <a:solidFill>
+                  <a:srgbClr val="A6A6A6"/>
+                </a:solidFill>
+              </a:rPr>
+              <a:t>within a community of practice.</a:t>
+            </a:r>
+          </a:p>
+          <a:p>
+            <a:pPr marL="0" indent="0" algn="ctr">
+              <a:buNone/>
+            </a:pPr>
+            <a:endParaRPr lang="en-US" dirty="0">
+              <a:solidFill>
+                <a:srgbClr val="A6A6A6"/>
+              </a:solidFill>
+            </a:endParaRPr>
+          </a:p>
+          <a:p>
+            <a:pPr marL="0" indent="0" algn="ctr">
+              <a:buNone/>
+            </a:pPr>
+            <a:r>
+              <a:rPr lang="en-US" dirty="0" smtClean="0"/>
+              <a:t>The role that data play in a scholarly community is that of evidence…</a:t>
+            </a:r>
+            <a:endParaRPr lang="en-US" dirty="0"/>
+          </a:p>
+        </p:txBody>
+      </p:sp>
+    </p:spTree>
+    <p:extLst>
+      <p:ext uri="{BB962C8B-B14F-4D97-AF65-F5344CB8AC3E}">
+        <p14:creationId xmlns:p14="http://schemas.microsoft.com/office/powerpoint/2010/main" val="911337564"/>
+      </p:ext>
+    </p:extLst>
+  </p:cSld>
+  <p:clrMapOvr>
+    <a:masterClrMapping/>
+  </p:clrMapOvr>
+</p:sld>
+</file>
+
+<file path=ppt/slides/slide17.xml><?xml version="1.0" encoding="utf-8"?>
+<p:sld xmlns:a="http://schemas.openxmlformats.org/drawingml/2006/main" xmlns:r="http://schemas.openxmlformats.org/officeDocument/2006/relationships" xmlns:p="http://schemas.openxmlformats.org/presentationml/2006/main">
+  <p:cSld>
+    <p:spTree>
+      <p:nvGrpSpPr>
+        <p:cNvPr id="1" name=""/>
+        <p:cNvGrpSpPr/>
+        <p:nvPr/>
+      </p:nvGrpSpPr>
+      <p:grpSpPr>
+        <a:xfrm>
+          <a:off x="0" y="0"/>
+          <a:ext cx="0" cy="0"/>
+          <a:chOff x="0" y="0"/>
+          <a:chExt cx="0" cy="0"/>
+        </a:xfrm>
+      </p:grpSpPr>
+      <p:sp>
+        <p:nvSpPr>
+          <p:cNvPr id="2" name="Title 1"/>
+          <p:cNvSpPr>
+            <a:spLocks noGrp="1"/>
+          </p:cNvSpPr>
+          <p:nvPr>
+            <p:ph type="title"/>
+          </p:nvPr>
+        </p:nvSpPr>
+        <p:spPr/>
+        <p:txBody>
+          <a:bodyPr/>
+          <a:lstStyle/>
+          <a:p>
+            <a:r>
+              <a:rPr lang="en-US" dirty="0" smtClean="0"/>
+              <a:t>Research Data</a:t>
+            </a:r>
+            <a:endParaRPr lang="en-US" dirty="0"/>
+          </a:p>
+        </p:txBody>
+      </p:sp>
+      <p:sp>
+        <p:nvSpPr>
+          <p:cNvPr id="3" name="Content Placeholder 2"/>
+          <p:cNvSpPr>
+            <a:spLocks noGrp="1"/>
+          </p:cNvSpPr>
+          <p:nvPr>
+            <p:ph idx="1"/>
+          </p:nvPr>
+        </p:nvSpPr>
+        <p:spPr/>
+        <p:txBody>
+          <a:bodyPr/>
+          <a:lstStyle/>
+          <a:p>
+            <a:pPr marL="0" indent="0">
+              <a:buNone/>
+            </a:pPr>
+            <a:endParaRPr lang="en-US" dirty="0" smtClean="0"/>
+          </a:p>
+          <a:p>
+            <a:pPr marL="0" indent="0" algn="ctr">
+              <a:buNone/>
+            </a:pPr>
+            <a:r>
+              <a:rPr lang="en-US" dirty="0" smtClean="0"/>
+              <a:t>Research </a:t>
+            </a:r>
+            <a:r>
+              <a:rPr lang="en-US" dirty="0"/>
+              <a:t>data are the informational resources that scholars draw on in doing research, supporting their findings, and producing new knowledge. </a:t>
+            </a:r>
+          </a:p>
+          <a:p>
+            <a:pPr marL="0" indent="0">
+              <a:buNone/>
+            </a:pPr>
+            <a:endParaRPr lang="en-US" dirty="0"/>
+          </a:p>
+        </p:txBody>
+      </p:sp>
+    </p:spTree>
+    <p:extLst>
+      <p:ext uri="{BB962C8B-B14F-4D97-AF65-F5344CB8AC3E}">
+        <p14:creationId xmlns:p14="http://schemas.microsoft.com/office/powerpoint/2010/main" val="2679505183"/>
+      </p:ext>
+    </p:extLst>
+  </p:cSld>
+  <p:clrMapOvr>
+    <a:masterClrMapping/>
+  </p:clrMapOvr>
+</p:sld>
+</file>
+
+<file path=ppt/slides/slide18.xml><?xml version="1.0" encoding="utf-8"?>
+<p:sld xmlns:a="http://schemas.openxmlformats.org/drawingml/2006/main" xmlns:r="http://schemas.openxmlformats.org/officeDocument/2006/relationships" xmlns:p="http://schemas.openxmlformats.org/presentationml/2006/main">
+  <p:cSld>
+    <p:spTree>
+      <p:nvGrpSpPr>
+        <p:cNvPr id="1" name=""/>
+        <p:cNvGrpSpPr/>
+        <p:nvPr/>
+      </p:nvGrpSpPr>
+      <p:grpSpPr>
+        <a:xfrm>
+          <a:off x="0" y="0"/>
+          <a:ext cx="0" cy="0"/>
+          <a:chOff x="0" y="0"/>
+          <a:chExt cx="0" cy="0"/>
+        </a:xfrm>
+      </p:grpSpPr>
+      <p:sp>
+        <p:nvSpPr>
+          <p:cNvPr id="2" name="Title 1"/>
+          <p:cNvSpPr>
+            <a:spLocks noGrp="1"/>
+          </p:cNvSpPr>
+          <p:nvPr>
+            <p:ph type="title"/>
+          </p:nvPr>
+        </p:nvSpPr>
+        <p:spPr/>
+        <p:txBody>
+          <a:bodyPr/>
+          <a:lstStyle/>
+          <a:p>
+            <a:r>
+              <a:rPr lang="en-US" dirty="0" smtClean="0"/>
+              <a:t>Scientific Data</a:t>
+            </a:r>
+            <a:endParaRPr lang="en-US" dirty="0"/>
+          </a:p>
+        </p:txBody>
+      </p:sp>
+      <p:sp>
+        <p:nvSpPr>
+          <p:cNvPr id="3" name="Content Placeholder 2"/>
+          <p:cNvSpPr>
+            <a:spLocks noGrp="1"/>
+          </p:cNvSpPr>
+          <p:nvPr>
+            <p:ph idx="1"/>
+          </p:nvPr>
+        </p:nvSpPr>
+        <p:spPr/>
+        <p:txBody>
+          <a:bodyPr>
+            <a:normAutofit/>
+          </a:bodyPr>
+          <a:lstStyle/>
+          <a:p>
+            <a:pPr marL="0" indent="0">
+              <a:buNone/>
+            </a:pPr>
+            <a:r>
+              <a:rPr lang="en-US" dirty="0" smtClean="0"/>
+              <a:t>… support the making of new knowledge claims. </a:t>
+            </a:r>
+          </a:p>
+          <a:p>
+            <a:pPr marL="0" indent="0">
+              <a:buNone/>
+            </a:pPr>
+            <a:r>
+              <a:rPr lang="en-US" dirty="0" smtClean="0"/>
+              <a:t>… are the result of purposeful observation, experimentation,  and simulation. </a:t>
+            </a:r>
+          </a:p>
+          <a:p>
+            <a:pPr marL="0" indent="0">
+              <a:buNone/>
+            </a:pPr>
+            <a:endParaRPr lang="en-US" dirty="0"/>
+          </a:p>
+          <a:p>
+            <a:pPr marL="0" indent="0">
+              <a:buNone/>
+            </a:pPr>
+            <a:r>
+              <a:rPr lang="en-US" dirty="0" smtClean="0"/>
+              <a:t>… are encoded </a:t>
+            </a:r>
+            <a:r>
+              <a:rPr lang="en-US" dirty="0"/>
+              <a:t>and described with the aim of supporting retrieval, meaningful interpretation, use, and reuse (Wickett et al. 2012). </a:t>
+            </a:r>
+            <a:endParaRPr lang="en-US" dirty="0" smtClean="0"/>
+          </a:p>
+          <a:p>
+            <a:pPr marL="0" indent="0">
+              <a:buNone/>
+            </a:pPr>
+            <a:endParaRPr lang="en-US" dirty="0"/>
+          </a:p>
+        </p:txBody>
+      </p:sp>
+    </p:spTree>
+    <p:extLst>
+      <p:ext uri="{BB962C8B-B14F-4D97-AF65-F5344CB8AC3E}">
+        <p14:creationId xmlns:p14="http://schemas.microsoft.com/office/powerpoint/2010/main" val="36303139"/>
+      </p:ext>
+    </p:extLst>
+  </p:cSld>
+  <p:clrMapOvr>
+    <a:masterClrMapping/>
+  </p:clrMapOvr>
+</p:sld>
+</file>
+
+<file path=ppt/slides/slide19.xml><?xml version="1.0" encoding="utf-8"?>
+<p:sld xmlns:a="http://schemas.openxmlformats.org/drawingml/2006/main" xmlns:r="http://schemas.openxmlformats.org/officeDocument/2006/relationships" xmlns:p="http://schemas.openxmlformats.org/presentationml/2006/main">
+  <p:cSld>
+    <p:spTree>
+      <p:nvGrpSpPr>
+        <p:cNvPr id="1" name=""/>
+        <p:cNvGrpSpPr/>
+        <p:nvPr/>
+      </p:nvGrpSpPr>
+      <p:grpSpPr>
+        <a:xfrm>
+          <a:off x="0" y="0"/>
+          <a:ext cx="0" cy="0"/>
+          <a:chOff x="0" y="0"/>
+          <a:chExt cx="0" cy="0"/>
+        </a:xfrm>
+      </p:grpSpPr>
+      <p:sp>
+        <p:nvSpPr>
+          <p:cNvPr id="2" name="Title 1"/>
+          <p:cNvSpPr>
+            <a:spLocks noGrp="1"/>
+          </p:cNvSpPr>
+          <p:nvPr>
+            <p:ph type="title"/>
+          </p:nvPr>
+        </p:nvSpPr>
+        <p:spPr/>
+        <p:txBody>
+          <a:bodyPr/>
+          <a:lstStyle/>
+          <a:p>
+            <a:r>
+              <a:rPr lang="en-US" dirty="0" smtClean="0"/>
+              <a:t>Scientific Data</a:t>
+            </a:r>
+            <a:endParaRPr lang="en-US" dirty="0"/>
+          </a:p>
+        </p:txBody>
+      </p:sp>
+      <p:sp>
+        <p:nvSpPr>
+          <p:cNvPr id="3" name="Content Placeholder 2"/>
+          <p:cNvSpPr>
+            <a:spLocks noGrp="1"/>
+          </p:cNvSpPr>
+          <p:nvPr>
+            <p:ph idx="1"/>
+          </p:nvPr>
+        </p:nvSpPr>
+        <p:spPr>
+          <a:xfrm>
+            <a:off x="0" y="1600200"/>
+            <a:ext cx="8686800" cy="4525963"/>
+          </a:xfrm>
+        </p:spPr>
+        <p:txBody>
+          <a:bodyPr numCol="2">
+            <a:normAutofit/>
+          </a:bodyPr>
+          <a:lstStyle/>
+          <a:p>
+            <a:pPr marL="0" indent="0">
+              <a:buNone/>
+            </a:pPr>
+            <a:endParaRPr lang="en-US" sz="2400" dirty="0"/>
+          </a:p>
+          <a:p>
+            <a:pPr marL="0" indent="0">
+              <a:buNone/>
+            </a:pPr>
+            <a:endParaRPr lang="en-US" sz="2400" dirty="0"/>
+          </a:p>
+          <a:p>
+            <a:pPr marL="0" indent="0">
+              <a:buNone/>
+            </a:pPr>
+            <a:endParaRPr lang="en-US" sz="2400" dirty="0" smtClean="0"/>
+          </a:p>
+          <a:p>
+            <a:pPr marL="0" indent="0">
+              <a:buNone/>
+            </a:pPr>
+            <a:endParaRPr lang="en-US" sz="2400" dirty="0" smtClean="0"/>
+          </a:p>
+          <a:p>
+            <a:pPr marL="0" indent="0">
+              <a:buNone/>
+            </a:pPr>
+            <a:endParaRPr lang="en-US" sz="2400" dirty="0"/>
+          </a:p>
+          <a:p>
+            <a:pPr marL="0" indent="0">
+              <a:buNone/>
+            </a:pPr>
+            <a:endParaRPr lang="en-US" sz="2400" dirty="0" smtClean="0"/>
+          </a:p>
+          <a:p>
+            <a:pPr marL="0" indent="0">
+              <a:buNone/>
+            </a:pPr>
+            <a:r>
+              <a:rPr lang="en-US" sz="2400" dirty="0" smtClean="0"/>
+              <a:t>                 </a:t>
+            </a:r>
+          </a:p>
+          <a:p>
+            <a:pPr marL="0" indent="0">
+              <a:buNone/>
+            </a:pPr>
+            <a:endParaRPr lang="en-US" sz="2400" dirty="0"/>
+          </a:p>
+          <a:p>
+            <a:pPr marL="0" indent="0">
+              <a:buNone/>
+            </a:pPr>
+            <a:endParaRPr lang="en-US" sz="2400" dirty="0" smtClean="0"/>
+          </a:p>
+          <a:p>
+            <a:pPr marL="0" indent="0">
+              <a:buNone/>
+            </a:pPr>
+            <a:endParaRPr lang="en-US" sz="2400" dirty="0"/>
+          </a:p>
+        </p:txBody>
+      </p:sp>
+      <p:pic>
+        <p:nvPicPr>
+          <p:cNvPr id="5" name="Picture 4"/>
+          <p:cNvPicPr>
+            <a:picLocks noChangeAspect="1"/>
+          </p:cNvPicPr>
+          <p:nvPr/>
+        </p:nvPicPr>
+        <p:blipFill>
+          <a:blip r:embed="rId3"/>
+          <a:stretch>
+            <a:fillRect/>
+          </a:stretch>
+        </p:blipFill>
+        <p:spPr>
+          <a:xfrm>
+            <a:off x="195370" y="2666638"/>
+            <a:ext cx="3824128" cy="2048640"/>
+          </a:xfrm>
+          <a:prstGeom prst="rect">
+            <a:avLst/>
+          </a:prstGeom>
+        </p:spPr>
+      </p:pic>
+      <p:pic>
+        <p:nvPicPr>
+          <p:cNvPr id="6" name="Picture 5"/>
+          <p:cNvPicPr>
+            <a:picLocks noChangeAspect="1"/>
+          </p:cNvPicPr>
+          <p:nvPr/>
+        </p:nvPicPr>
+        <p:blipFill>
+          <a:blip r:embed="rId4"/>
+          <a:stretch>
+            <a:fillRect/>
+          </a:stretch>
+        </p:blipFill>
+        <p:spPr>
+          <a:xfrm>
+            <a:off x="4281328" y="2311927"/>
+            <a:ext cx="4405472" cy="3117251"/>
+          </a:xfrm>
+          <a:prstGeom prst="rect">
+            <a:avLst/>
+          </a:prstGeom>
+        </p:spPr>
+      </p:pic>
+      <p:sp>
+        <p:nvSpPr>
+          <p:cNvPr id="7" name="Rectangle 6"/>
+          <p:cNvSpPr/>
+          <p:nvPr/>
+        </p:nvSpPr>
+        <p:spPr>
+          <a:xfrm>
+            <a:off x="575259" y="1792832"/>
+            <a:ext cx="2774317" cy="369332"/>
+          </a:xfrm>
+          <a:prstGeom prst="rect">
+            <a:avLst/>
+          </a:prstGeom>
+        </p:spPr>
+        <p:txBody>
+          <a:bodyPr wrap="none">
+            <a:spAutoFit/>
+          </a:bodyPr>
+          <a:lstStyle/>
+          <a:p>
+            <a:r>
+              <a:rPr lang="en-US" dirty="0"/>
+              <a:t>Digitized physical materials</a:t>
+            </a:r>
+          </a:p>
+        </p:txBody>
+      </p:sp>
+      <p:sp>
+        <p:nvSpPr>
+          <p:cNvPr id="8" name="Rectangle 7"/>
+          <p:cNvSpPr/>
+          <p:nvPr/>
+        </p:nvSpPr>
+        <p:spPr>
+          <a:xfrm>
+            <a:off x="4571999" y="1819523"/>
+            <a:ext cx="3140177" cy="369332"/>
+          </a:xfrm>
+          <a:prstGeom prst="rect">
+            <a:avLst/>
+          </a:prstGeom>
+        </p:spPr>
+        <p:txBody>
+          <a:bodyPr wrap="none">
+            <a:spAutoFit/>
+          </a:bodyPr>
+          <a:lstStyle/>
+          <a:p>
+            <a:r>
+              <a:rPr lang="en-US" dirty="0"/>
+              <a:t>			Born-digital data</a:t>
+            </a:r>
+          </a:p>
+        </p:txBody>
+      </p:sp>
+    </p:spTree>
+    <p:extLst>
+      <p:ext uri="{BB962C8B-B14F-4D97-AF65-F5344CB8AC3E}">
+        <p14:creationId xmlns:p14="http://schemas.microsoft.com/office/powerpoint/2010/main" val="970765091"/>
+      </p:ext>
+    </p:extLst>
+  </p:cSld>
+  <p:clrMapOvr>
+    <a:masterClrMapping/>
+  </p:clrMapOvr>
+</p:sld>
+</file>
+
+<file path=ppt/slides/slide2.xml><?xml version="1.0" encoding="utf-8"?>
+<p:sld xmlns:a="http://schemas.openxmlformats.org/drawingml/2006/main" xmlns:r="http://schemas.openxmlformats.org/officeDocument/2006/relationships" xmlns:p="http://schemas.openxmlformats.org/presentationml/2006/main">
+  <p:cSld>
+    <p:spTree>
+      <p:nvGrpSpPr>
+        <p:cNvPr id="1" name=""/>
+        <p:cNvGrpSpPr/>
+        <p:nvPr/>
+      </p:nvGrpSpPr>
+      <p:grpSpPr>
+        <a:xfrm>
+          <a:off x="0" y="0"/>
+          <a:ext cx="0" cy="0"/>
+          <a:chOff x="0" y="0"/>
+          <a:chExt cx="0" cy="0"/>
+        </a:xfrm>
+      </p:grpSpPr>
+      <p:sp>
+        <p:nvSpPr>
+          <p:cNvPr id="2" name="Title 1"/>
+          <p:cNvSpPr>
+            <a:spLocks noGrp="1"/>
+          </p:cNvSpPr>
+          <p:nvPr>
+            <p:ph type="title"/>
+          </p:nvPr>
+        </p:nvSpPr>
+        <p:spPr/>
+        <p:txBody>
+          <a:bodyPr/>
+          <a:lstStyle/>
+          <a:p>
+            <a:r>
+              <a:rPr lang="en-US" dirty="0" smtClean="0"/>
+              <a:t>What this session will include:</a:t>
+            </a:r>
+            <a:endParaRPr lang="en-US" dirty="0"/>
+          </a:p>
+        </p:txBody>
+      </p:sp>
+      <p:sp>
+        <p:nvSpPr>
+          <p:cNvPr id="3" name="Content Placeholder 2"/>
+          <p:cNvSpPr>
+            <a:spLocks noGrp="1"/>
+          </p:cNvSpPr>
+          <p:nvPr>
+            <p:ph idx="1"/>
+          </p:nvPr>
+        </p:nvSpPr>
+        <p:spPr>
+          <a:xfrm>
+            <a:off x="457200" y="1830010"/>
+            <a:ext cx="8229600" cy="4525963"/>
+          </a:xfrm>
+        </p:spPr>
+        <p:txBody>
+          <a:bodyPr/>
+          <a:lstStyle/>
+          <a:p>
+            <a:r>
+              <a:rPr lang="en-US" dirty="0" smtClean="0"/>
+              <a:t>Scoping research data curation </a:t>
+            </a:r>
+          </a:p>
+          <a:p>
+            <a:r>
+              <a:rPr lang="en-US" dirty="0" smtClean="0"/>
+              <a:t>Archives and records management concepts</a:t>
+            </a:r>
+          </a:p>
+          <a:p>
+            <a:r>
+              <a:rPr lang="en-US" dirty="0" smtClean="0"/>
+              <a:t>Overview of Life Cycle models</a:t>
+            </a:r>
+          </a:p>
+          <a:p>
+            <a:r>
+              <a:rPr lang="en-US" dirty="0" smtClean="0"/>
+              <a:t>Identifier schemes</a:t>
+            </a:r>
+          </a:p>
+          <a:p>
+            <a:r>
+              <a:rPr lang="en-US" dirty="0" smtClean="0"/>
+              <a:t>Data publication</a:t>
+            </a:r>
+          </a:p>
+        </p:txBody>
+      </p:sp>
+    </p:spTree>
+    <p:extLst>
+      <p:ext uri="{BB962C8B-B14F-4D97-AF65-F5344CB8AC3E}">
+        <p14:creationId xmlns:p14="http://schemas.microsoft.com/office/powerpoint/2010/main" val="4133957706"/>
+      </p:ext>
+    </p:extLst>
+  </p:cSld>
+  <p:clrMapOvr>
+    <a:masterClrMapping/>
+  </p:clrMapOvr>
+</p:sld>
+</file>
+
+<file path=ppt/slides/slide20.xml><?xml version="1.0" encoding="utf-8"?>
+<p:sld xmlns:a="http://schemas.openxmlformats.org/drawingml/2006/main" xmlns:r="http://schemas.openxmlformats.org/officeDocument/2006/relationships" xmlns:p="http://schemas.openxmlformats.org/presentationml/2006/main">
+  <p:cSld>
+    <p:spTree>
+      <p:nvGrpSpPr>
+        <p:cNvPr id="1" name=""/>
+        <p:cNvGrpSpPr/>
+        <p:nvPr/>
+      </p:nvGrpSpPr>
+      <p:grpSpPr>
+        <a:xfrm>
+          <a:off x="0" y="0"/>
+          <a:ext cx="0" cy="0"/>
+          <a:chOff x="0" y="0"/>
+          <a:chExt cx="0" cy="0"/>
+        </a:xfrm>
+      </p:grpSpPr>
+      <p:sp>
+        <p:nvSpPr>
+          <p:cNvPr id="2" name="Title 1"/>
+          <p:cNvSpPr>
+            <a:spLocks noGrp="1"/>
+          </p:cNvSpPr>
+          <p:nvPr>
+            <p:ph type="title"/>
+          </p:nvPr>
+        </p:nvSpPr>
+        <p:spPr/>
+        <p:txBody>
+          <a:bodyPr/>
+          <a:lstStyle/>
+          <a:p>
+            <a:r>
+              <a:rPr lang="en-US" dirty="0" smtClean="0"/>
+              <a:t>Humanities Data</a:t>
+            </a:r>
+            <a:endParaRPr lang="en-US" dirty="0"/>
+          </a:p>
+        </p:txBody>
+      </p:sp>
+      <p:sp>
+        <p:nvSpPr>
+          <p:cNvPr id="3" name="Content Placeholder 2"/>
+          <p:cNvSpPr>
+            <a:spLocks noGrp="1"/>
+          </p:cNvSpPr>
+          <p:nvPr>
+            <p:ph idx="1"/>
+          </p:nvPr>
+        </p:nvSpPr>
+        <p:spPr>
+          <a:xfrm>
+            <a:off x="457200" y="1600200"/>
+            <a:ext cx="8229600" cy="3850217"/>
+          </a:xfrm>
+        </p:spPr>
+        <p:txBody>
+          <a:bodyPr>
+            <a:normAutofit fontScale="92500" lnSpcReduction="10000"/>
+          </a:bodyPr>
+          <a:lstStyle/>
+          <a:p>
+            <a:pPr marL="0" indent="0">
+              <a:buNone/>
+            </a:pPr>
+            <a:r>
+              <a:rPr lang="en-US" dirty="0" smtClean="0"/>
+              <a:t>… are the starting point of argumentation within a community. </a:t>
+            </a:r>
+          </a:p>
+          <a:p>
+            <a:pPr marL="0" indent="0">
+              <a:buNone/>
+            </a:pPr>
+            <a:endParaRPr lang="en-US" dirty="0" smtClean="0"/>
+          </a:p>
+          <a:p>
+            <a:pPr marL="0" indent="0">
+              <a:buNone/>
+            </a:pPr>
+            <a:r>
+              <a:rPr lang="en-US" dirty="0" smtClean="0"/>
+              <a:t>…often have </a:t>
+            </a:r>
+            <a:r>
+              <a:rPr lang="en-US" i="1" dirty="0" smtClean="0"/>
+              <a:t>propositions </a:t>
+            </a:r>
+            <a:r>
+              <a:rPr lang="en-US" dirty="0" smtClean="0"/>
+              <a:t>that are closely linked to their production </a:t>
+            </a:r>
+          </a:p>
+          <a:p>
+            <a:pPr marL="0" indent="0">
+              <a:buNone/>
+            </a:pPr>
+            <a:endParaRPr lang="en-US" dirty="0" smtClean="0"/>
+          </a:p>
+          <a:p>
+            <a:pPr marL="0" indent="0">
+              <a:buNone/>
+            </a:pPr>
+            <a:r>
+              <a:rPr lang="en-US" dirty="0" smtClean="0"/>
+              <a:t>( </a:t>
+            </a:r>
+            <a:r>
+              <a:rPr lang="en-US" i="1" dirty="0" smtClean="0"/>
+              <a:t>how</a:t>
+            </a:r>
+            <a:r>
+              <a:rPr lang="en-US" dirty="0" smtClean="0"/>
+              <a:t> texts were transcribed, </a:t>
+            </a:r>
+            <a:r>
+              <a:rPr lang="en-US" i="1" dirty="0" smtClean="0"/>
+              <a:t>what </a:t>
+            </a:r>
+            <a:r>
+              <a:rPr lang="en-US" dirty="0" smtClean="0"/>
+              <a:t>was depicted, etc.)</a:t>
+            </a:r>
+            <a:endParaRPr lang="en-US" dirty="0"/>
+          </a:p>
+          <a:p>
+            <a:pPr marL="0" indent="0">
+              <a:buNone/>
+            </a:pPr>
+            <a:endParaRPr lang="en-US" dirty="0"/>
+          </a:p>
+        </p:txBody>
+      </p:sp>
+    </p:spTree>
+    <p:extLst>
+      <p:ext uri="{BB962C8B-B14F-4D97-AF65-F5344CB8AC3E}">
+        <p14:creationId xmlns:p14="http://schemas.microsoft.com/office/powerpoint/2010/main" val="787043380"/>
+      </p:ext>
+    </p:extLst>
+  </p:cSld>
+  <p:clrMapOvr>
+    <a:masterClrMapping/>
+  </p:clrMapOvr>
+</p:sld>
+</file>
+
+<file path=ppt/slides/slide21.xml><?xml version="1.0" encoding="utf-8"?>
+<p:sld xmlns:a="http://schemas.openxmlformats.org/drawingml/2006/main" xmlns:r="http://schemas.openxmlformats.org/officeDocument/2006/relationships" xmlns:p="http://schemas.openxmlformats.org/presentationml/2006/main">
+  <p:cSld>
+    <p:spTree>
+      <p:nvGrpSpPr>
+        <p:cNvPr id="1" name=""/>
+        <p:cNvGrpSpPr/>
+        <p:nvPr/>
+      </p:nvGrpSpPr>
+      <p:grpSpPr>
+        <a:xfrm>
+          <a:off x="0" y="0"/>
+          <a:ext cx="0" cy="0"/>
+          <a:chOff x="0" y="0"/>
+          <a:chExt cx="0" cy="0"/>
+        </a:xfrm>
+      </p:grpSpPr>
+      <p:sp>
+        <p:nvSpPr>
+          <p:cNvPr id="2" name="Title 1"/>
+          <p:cNvSpPr>
+            <a:spLocks noGrp="1"/>
+          </p:cNvSpPr>
+          <p:nvPr>
+            <p:ph type="title"/>
+          </p:nvPr>
+        </p:nvSpPr>
+        <p:spPr/>
+        <p:txBody>
+          <a:bodyPr/>
+          <a:lstStyle/>
+          <a:p>
+            <a:r>
+              <a:rPr lang="en-US" dirty="0" smtClean="0"/>
+              <a:t>Humanities Data</a:t>
+            </a:r>
+            <a:endParaRPr lang="en-US" dirty="0"/>
+          </a:p>
+        </p:txBody>
+      </p:sp>
+      <p:pic>
+        <p:nvPicPr>
+          <p:cNvPr id="4" name="Picture 3"/>
+          <p:cNvPicPr>
+            <a:picLocks noChangeAspect="1"/>
+          </p:cNvPicPr>
+          <p:nvPr/>
+        </p:nvPicPr>
+        <p:blipFill>
+          <a:blip r:embed="rId2"/>
+          <a:stretch>
+            <a:fillRect/>
+          </a:stretch>
+        </p:blipFill>
+        <p:spPr>
+          <a:xfrm>
+            <a:off x="239391" y="1842292"/>
+            <a:ext cx="4797867" cy="2846192"/>
+          </a:xfrm>
+          <a:prstGeom prst="rect">
+            <a:avLst/>
+          </a:prstGeom>
+          <a:effectLst>
+            <a:outerShdw blurRad="50800" dist="38100" dir="2700000" algn="tl" rotWithShape="0">
+              <a:prstClr val="black">
+                <a:alpha val="40000"/>
+              </a:prstClr>
+            </a:outerShdw>
+          </a:effectLst>
+        </p:spPr>
+      </p:pic>
+      <p:sp>
+        <p:nvSpPr>
+          <p:cNvPr id="5" name="Rectangle 4"/>
+          <p:cNvSpPr/>
+          <p:nvPr/>
+        </p:nvSpPr>
+        <p:spPr>
+          <a:xfrm>
+            <a:off x="362857" y="4688484"/>
+            <a:ext cx="4572000" cy="215444"/>
+          </a:xfrm>
+          <a:prstGeom prst="rect">
+            <a:avLst/>
+          </a:prstGeom>
+        </p:spPr>
+        <p:txBody>
+          <a:bodyPr>
+            <a:spAutoFit/>
+          </a:bodyPr>
+          <a:lstStyle/>
+          <a:p>
+            <a:r>
+              <a:rPr lang="en-US" sz="800" dirty="0"/>
+              <a:t>http://</a:t>
+            </a:r>
+            <a:r>
+              <a:rPr lang="en-US" sz="800" dirty="0" err="1"/>
+              <a:t>hestia.open.ac.uk</a:t>
+            </a:r>
+            <a:r>
+              <a:rPr lang="en-US" sz="800" dirty="0"/>
+              <a:t>/</a:t>
+            </a:r>
+            <a:r>
+              <a:rPr lang="en-US" sz="800" dirty="0" err="1"/>
+              <a:t>palladio</a:t>
+            </a:r>
+            <a:r>
+              <a:rPr lang="en-US" sz="800" dirty="0"/>
+              <a:t>-humanities-thinking-about-data-visualization/</a:t>
+            </a:r>
+          </a:p>
+        </p:txBody>
+      </p:sp>
+      <p:pic>
+        <p:nvPicPr>
+          <p:cNvPr id="6" name="Picture 5"/>
+          <p:cNvPicPr>
+            <a:picLocks noChangeAspect="1"/>
+          </p:cNvPicPr>
+          <p:nvPr/>
+        </p:nvPicPr>
+        <p:blipFill>
+          <a:blip r:embed="rId3"/>
+          <a:stretch>
+            <a:fillRect/>
+          </a:stretch>
+        </p:blipFill>
+        <p:spPr>
+          <a:xfrm>
+            <a:off x="5412210" y="2080381"/>
+            <a:ext cx="3169575" cy="2234335"/>
+          </a:xfrm>
+          <a:prstGeom prst="rect">
+            <a:avLst/>
+          </a:prstGeom>
+        </p:spPr>
+      </p:pic>
+      <p:sp>
+        <p:nvSpPr>
+          <p:cNvPr id="7" name="Rectangle 6"/>
+          <p:cNvSpPr/>
+          <p:nvPr/>
+        </p:nvSpPr>
+        <p:spPr>
+          <a:xfrm>
+            <a:off x="6059714" y="4427970"/>
+            <a:ext cx="2177143" cy="461665"/>
+          </a:xfrm>
+          <a:prstGeom prst="rect">
+            <a:avLst/>
+          </a:prstGeom>
+        </p:spPr>
+        <p:txBody>
+          <a:bodyPr wrap="square">
+            <a:spAutoFit/>
+          </a:bodyPr>
+          <a:lstStyle/>
+          <a:p>
+            <a:r>
+              <a:rPr lang="en-US" sz="800" dirty="0" err="1" smtClean="0"/>
+              <a:t>journalofdigitalhumanities.org</a:t>
+            </a:r>
+            <a:r>
+              <a:rPr lang="en-US" sz="800" dirty="0"/>
+              <a:t>/1-2/the-emergence-of-literary-diction-by-ted-underwood-and-jordan-sellers/</a:t>
+            </a:r>
+          </a:p>
+        </p:txBody>
+      </p:sp>
+    </p:spTree>
+    <p:extLst>
+      <p:ext uri="{BB962C8B-B14F-4D97-AF65-F5344CB8AC3E}">
+        <p14:creationId xmlns:p14="http://schemas.microsoft.com/office/powerpoint/2010/main" val="4069992287"/>
+      </p:ext>
+    </p:extLst>
+  </p:cSld>
+  <p:clrMapOvr>
+    <a:masterClrMapping/>
+  </p:clrMapOvr>
+</p:sld>
+</file>
+
+<file path=ppt/slides/slide22.xml><?xml version="1.0" encoding="utf-8"?>
+<p:sld xmlns:a="http://schemas.openxmlformats.org/drawingml/2006/main" xmlns:r="http://schemas.openxmlformats.org/officeDocument/2006/relationships" xmlns:p="http://schemas.openxmlformats.org/presentationml/2006/main">
+  <p:cSld>
+    <p:spTree>
+      <p:nvGrpSpPr>
+        <p:cNvPr id="1" name=""/>
+        <p:cNvGrpSpPr/>
+        <p:nvPr/>
+      </p:nvGrpSpPr>
+      <p:grpSpPr>
+        <a:xfrm>
+          <a:off x="0" y="0"/>
+          <a:ext cx="0" cy="0"/>
+          <a:chOff x="0" y="0"/>
+          <a:chExt cx="0" cy="0"/>
+        </a:xfrm>
+      </p:grpSpPr>
+      <p:sp>
+        <p:nvSpPr>
+          <p:cNvPr id="2" name="Title 1"/>
+          <p:cNvSpPr>
+            <a:spLocks noGrp="1"/>
+          </p:cNvSpPr>
+          <p:nvPr>
+            <p:ph type="title"/>
+          </p:nvPr>
+        </p:nvSpPr>
+        <p:spPr/>
+        <p:txBody>
+          <a:bodyPr/>
+          <a:lstStyle/>
+          <a:p>
+            <a:r>
+              <a:rPr lang="en-US" dirty="0" smtClean="0"/>
+              <a:t>Data </a:t>
+            </a:r>
+            <a:endParaRPr lang="en-US" dirty="0"/>
+          </a:p>
+        </p:txBody>
+      </p:sp>
+      <p:sp>
+        <p:nvSpPr>
+          <p:cNvPr id="3" name="Content Placeholder 2"/>
+          <p:cNvSpPr>
+            <a:spLocks noGrp="1"/>
+          </p:cNvSpPr>
+          <p:nvPr>
+            <p:ph idx="1"/>
+          </p:nvPr>
+        </p:nvSpPr>
+        <p:spPr/>
+        <p:txBody>
+          <a:bodyPr>
+            <a:normAutofit/>
+          </a:bodyPr>
+          <a:lstStyle/>
+          <a:p>
+            <a:pPr marL="0" indent="0">
+              <a:buNone/>
+            </a:pPr>
+            <a:r>
+              <a:rPr lang="en-US" dirty="0" smtClean="0"/>
+              <a:t>… are an information object</a:t>
+            </a:r>
+          </a:p>
+          <a:p>
+            <a:pPr marL="0" indent="0">
+              <a:buNone/>
+            </a:pPr>
+            <a:r>
+              <a:rPr lang="en-US" dirty="0" smtClean="0"/>
+              <a:t>… in a particular role</a:t>
+            </a:r>
+          </a:p>
+          <a:p>
+            <a:pPr marL="0" indent="0">
+              <a:buNone/>
+            </a:pPr>
+            <a:endParaRPr lang="en-US" dirty="0" smtClean="0"/>
+          </a:p>
+          <a:p>
+            <a:pPr marL="0" indent="0">
+              <a:buNone/>
+            </a:pPr>
+            <a:r>
+              <a:rPr lang="en-US" dirty="0" smtClean="0"/>
+              <a:t>And in a scholarly community, data play an evidentiary role that supports the production of new knowledge.</a:t>
+            </a:r>
+            <a:endParaRPr lang="en-US" dirty="0"/>
+          </a:p>
+        </p:txBody>
+      </p:sp>
+    </p:spTree>
+    <p:extLst>
+      <p:ext uri="{BB962C8B-B14F-4D97-AF65-F5344CB8AC3E}">
+        <p14:creationId xmlns:p14="http://schemas.microsoft.com/office/powerpoint/2010/main" val="2062537030"/>
+      </p:ext>
+    </p:extLst>
+  </p:cSld>
+  <p:clrMapOvr>
+    <a:masterClrMapping/>
+  </p:clrMapOvr>
+</p:sld>
+</file>
+
+<file path=ppt/slides/slide23.xml><?xml version="1.0" encoding="utf-8"?>
+<p:sld xmlns:a="http://schemas.openxmlformats.org/drawingml/2006/main" xmlns:r="http://schemas.openxmlformats.org/officeDocument/2006/relationships" xmlns:p="http://schemas.openxmlformats.org/presentationml/2006/main">
+  <p:cSld>
+    <p:spTree>
+      <p:nvGrpSpPr>
+        <p:cNvPr id="1" name=""/>
+        <p:cNvGrpSpPr/>
+        <p:nvPr/>
+      </p:nvGrpSpPr>
+      <p:grpSpPr>
+        <a:xfrm>
+          <a:off x="0" y="0"/>
+          <a:ext cx="0" cy="0"/>
+          <a:chOff x="0" y="0"/>
+          <a:chExt cx="0" cy="0"/>
+        </a:xfrm>
+      </p:grpSpPr>
+      <p:sp>
+        <p:nvSpPr>
+          <p:cNvPr id="2" name="Title 1"/>
+          <p:cNvSpPr>
+            <a:spLocks noGrp="1"/>
+          </p:cNvSpPr>
+          <p:nvPr>
+            <p:ph type="title"/>
+          </p:nvPr>
+        </p:nvSpPr>
+        <p:spPr/>
+        <p:txBody>
+          <a:bodyPr/>
+          <a:lstStyle/>
+          <a:p>
+            <a:r>
+              <a:rPr lang="en-US" dirty="0" smtClean="0"/>
+              <a:t>Data “types”</a:t>
+            </a:r>
+            <a:endParaRPr lang="en-US" dirty="0"/>
+          </a:p>
+        </p:txBody>
+      </p:sp>
+      <p:sp>
+        <p:nvSpPr>
+          <p:cNvPr id="3" name="Content Placeholder 2"/>
+          <p:cNvSpPr>
+            <a:spLocks noGrp="1"/>
+          </p:cNvSpPr>
+          <p:nvPr>
+            <p:ph idx="1"/>
+          </p:nvPr>
+        </p:nvSpPr>
+        <p:spPr/>
+        <p:txBody>
+          <a:bodyPr numCol="2">
+            <a:noAutofit/>
+          </a:bodyPr>
+          <a:lstStyle/>
+          <a:p>
+            <a:pPr marL="0" indent="0">
+              <a:buNone/>
+            </a:pPr>
+            <a:r>
+              <a:rPr lang="en-US" sz="1200" dirty="0" smtClean="0"/>
+              <a:t>Documents </a:t>
+            </a:r>
+            <a:r>
+              <a:rPr lang="en-US" sz="1200" dirty="0"/>
+              <a:t>(text, Word), spreadsheets</a:t>
+            </a:r>
+          </a:p>
+          <a:p>
+            <a:pPr marL="0" indent="0">
+              <a:buNone/>
+            </a:pPr>
+            <a:endParaRPr lang="en-US" sz="1200" dirty="0"/>
+          </a:p>
+          <a:p>
+            <a:pPr marL="0" indent="0">
+              <a:buNone/>
+            </a:pPr>
+            <a:r>
+              <a:rPr lang="en-US" sz="1200" dirty="0"/>
+              <a:t>Laboratory notebooks, field notebooks, diaries</a:t>
+            </a:r>
+          </a:p>
+          <a:p>
+            <a:pPr marL="0" indent="0">
+              <a:buNone/>
+            </a:pPr>
+            <a:endParaRPr lang="en-US" sz="1200" dirty="0"/>
+          </a:p>
+          <a:p>
+            <a:pPr marL="0" indent="0">
+              <a:buNone/>
+            </a:pPr>
+            <a:r>
+              <a:rPr lang="en-US" sz="1200" dirty="0"/>
+              <a:t>Questionnaires, transcripts, codebooks</a:t>
+            </a:r>
+          </a:p>
+          <a:p>
+            <a:pPr marL="0" indent="0">
+              <a:buNone/>
+            </a:pPr>
+            <a:endParaRPr lang="en-US" sz="1200" dirty="0"/>
+          </a:p>
+          <a:p>
+            <a:pPr marL="0" indent="0">
+              <a:buNone/>
+            </a:pPr>
+            <a:r>
+              <a:rPr lang="en-US" sz="1200" dirty="0"/>
+              <a:t>Audiotapes, videotapes</a:t>
+            </a:r>
+          </a:p>
+          <a:p>
+            <a:pPr marL="0" indent="0">
+              <a:buNone/>
+            </a:pPr>
+            <a:endParaRPr lang="en-US" sz="1200" dirty="0"/>
+          </a:p>
+          <a:p>
+            <a:pPr marL="0" indent="0">
+              <a:buNone/>
+            </a:pPr>
+            <a:r>
+              <a:rPr lang="en-US" sz="1200" dirty="0"/>
+              <a:t>Photographs, films</a:t>
+            </a:r>
+          </a:p>
+          <a:p>
+            <a:pPr marL="0" indent="0">
+              <a:buNone/>
+            </a:pPr>
+            <a:endParaRPr lang="en-US" sz="1200" dirty="0"/>
+          </a:p>
+          <a:p>
+            <a:pPr marL="0" indent="0">
+              <a:buNone/>
+            </a:pPr>
+            <a:r>
+              <a:rPr lang="en-US" sz="1200" dirty="0"/>
+              <a:t>Test responses</a:t>
+            </a:r>
+          </a:p>
+          <a:p>
+            <a:pPr marL="0" indent="0">
+              <a:buNone/>
+            </a:pPr>
+            <a:endParaRPr lang="en-US" sz="1200" dirty="0"/>
+          </a:p>
+          <a:p>
+            <a:pPr marL="0" indent="0">
+              <a:buNone/>
+            </a:pPr>
+            <a:r>
+              <a:rPr lang="en-US" sz="1200" dirty="0"/>
+              <a:t>Slides, </a:t>
+            </a:r>
+            <a:r>
+              <a:rPr lang="en-US" sz="1200" dirty="0" err="1"/>
+              <a:t>artefacts</a:t>
+            </a:r>
+            <a:r>
+              <a:rPr lang="en-US" sz="1200" dirty="0"/>
+              <a:t>, specimens, samples</a:t>
+            </a:r>
+          </a:p>
+          <a:p>
+            <a:pPr marL="0" indent="0">
+              <a:buNone/>
+            </a:pPr>
+            <a:endParaRPr lang="en-US" sz="1200" dirty="0"/>
+          </a:p>
+          <a:p>
+            <a:pPr marL="0" indent="0">
+              <a:buNone/>
+            </a:pPr>
+            <a:r>
+              <a:rPr lang="en-US" sz="1200" dirty="0"/>
+              <a:t>Collection of digital objects acquired and generated during the process of research</a:t>
+            </a:r>
+          </a:p>
+          <a:p>
+            <a:pPr marL="0" indent="0">
+              <a:buNone/>
+            </a:pPr>
+            <a:endParaRPr lang="en-US" sz="1200" dirty="0" smtClean="0"/>
+          </a:p>
+          <a:p>
+            <a:pPr marL="0" indent="0">
+              <a:buNone/>
+            </a:pPr>
+            <a:endParaRPr lang="en-US" sz="1200" dirty="0"/>
+          </a:p>
+          <a:p>
+            <a:pPr marL="0" indent="0">
+              <a:buNone/>
+            </a:pPr>
+            <a:endParaRPr lang="en-US" sz="1200" dirty="0" smtClean="0"/>
+          </a:p>
+          <a:p>
+            <a:pPr marL="0" indent="0">
+              <a:buNone/>
+            </a:pPr>
+            <a:endParaRPr lang="en-US" sz="1200" dirty="0"/>
+          </a:p>
+          <a:p>
+            <a:pPr marL="0" indent="0">
+              <a:buNone/>
+            </a:pPr>
+            <a:r>
+              <a:rPr lang="en-US" sz="1200" dirty="0"/>
+              <a:t>Statistical or other data files</a:t>
+            </a:r>
+          </a:p>
+          <a:p>
+            <a:pPr marL="0" indent="0">
+              <a:buNone/>
+            </a:pPr>
+            <a:endParaRPr lang="en-US" sz="1200" dirty="0"/>
+          </a:p>
+          <a:p>
+            <a:pPr marL="0" indent="0">
+              <a:buNone/>
+            </a:pPr>
+            <a:r>
+              <a:rPr lang="en-US" sz="1200" dirty="0"/>
+              <a:t>Database contents (video, audio, text, images)</a:t>
+            </a:r>
+          </a:p>
+          <a:p>
+            <a:pPr marL="0" indent="0">
+              <a:buNone/>
+            </a:pPr>
+            <a:endParaRPr lang="en-US" sz="1200" dirty="0"/>
+          </a:p>
+          <a:p>
+            <a:pPr marL="0" indent="0">
+              <a:buNone/>
+            </a:pPr>
+            <a:r>
+              <a:rPr lang="en-US" sz="1200" dirty="0"/>
+              <a:t>Models, algorithms, scripts</a:t>
+            </a:r>
+          </a:p>
+          <a:p>
+            <a:pPr marL="0" indent="0">
+              <a:buNone/>
+            </a:pPr>
+            <a:endParaRPr lang="en-US" sz="1200" dirty="0"/>
+          </a:p>
+          <a:p>
+            <a:pPr marL="0" indent="0">
+              <a:buNone/>
+            </a:pPr>
+            <a:r>
+              <a:rPr lang="en-US" sz="1200" dirty="0"/>
+              <a:t>Contents of an application (input, output, </a:t>
+            </a:r>
+            <a:r>
+              <a:rPr lang="en-US" sz="1200" dirty="0" err="1"/>
+              <a:t>logfiles</a:t>
+            </a:r>
+            <a:r>
+              <a:rPr lang="en-US" sz="1200" dirty="0"/>
+              <a:t> for analysis software, simulation software, schemas)</a:t>
+            </a:r>
+          </a:p>
+          <a:p>
+            <a:pPr marL="0" indent="0">
+              <a:buNone/>
+            </a:pPr>
+            <a:endParaRPr lang="en-US" sz="1200" dirty="0"/>
+          </a:p>
+          <a:p>
+            <a:pPr marL="0" indent="0">
+              <a:buNone/>
+            </a:pPr>
+            <a:r>
+              <a:rPr lang="en-US" sz="1200" dirty="0"/>
+              <a:t>Methodologies and workflows</a:t>
+            </a:r>
+          </a:p>
+          <a:p>
+            <a:pPr marL="0" indent="0">
+              <a:buNone/>
+            </a:pPr>
+            <a:endParaRPr lang="en-US" sz="1200" dirty="0"/>
+          </a:p>
+          <a:p>
+            <a:pPr marL="0" indent="0">
+              <a:buNone/>
+            </a:pPr>
+            <a:r>
+              <a:rPr lang="en-US" sz="1200" dirty="0"/>
+              <a:t>Standard operating procedures and protocols</a:t>
+            </a:r>
+          </a:p>
+          <a:p>
+            <a:pPr marL="0" indent="0">
+              <a:buNone/>
+            </a:pPr>
+            <a:endParaRPr lang="en-US" sz="1200" dirty="0"/>
+          </a:p>
+        </p:txBody>
+      </p:sp>
+      <p:sp>
+        <p:nvSpPr>
+          <p:cNvPr id="4" name="TextBox 3"/>
+          <p:cNvSpPr txBox="1"/>
+          <p:nvPr/>
+        </p:nvSpPr>
+        <p:spPr>
+          <a:xfrm>
+            <a:off x="5615865" y="5426445"/>
+            <a:ext cx="3070935" cy="246221"/>
+          </a:xfrm>
+          <a:prstGeom prst="rect">
+            <a:avLst/>
+          </a:prstGeom>
+          <a:noFill/>
+        </p:spPr>
+        <p:txBody>
+          <a:bodyPr wrap="none" rtlCol="0">
+            <a:spAutoFit/>
+          </a:bodyPr>
+          <a:lstStyle/>
+          <a:p>
+            <a:r>
+              <a:rPr lang="en-US" sz="1000" dirty="0"/>
+              <a:t>http://</a:t>
+            </a:r>
+            <a:r>
+              <a:rPr lang="en-US" sz="1000" dirty="0" err="1"/>
+              <a:t>datalib.edina.ac.uk</a:t>
+            </a:r>
+            <a:r>
+              <a:rPr lang="en-US" sz="1000" dirty="0"/>
+              <a:t>/mantra/</a:t>
+            </a:r>
+            <a:r>
+              <a:rPr lang="en-US" sz="1000" dirty="0" err="1"/>
+              <a:t>researchdataexplained</a:t>
+            </a:r>
+            <a:r>
+              <a:rPr lang="en-US" sz="1000" dirty="0"/>
+              <a:t>/</a:t>
+            </a:r>
+          </a:p>
+        </p:txBody>
+      </p:sp>
+    </p:spTree>
+    <p:extLst>
+      <p:ext uri="{BB962C8B-B14F-4D97-AF65-F5344CB8AC3E}">
+        <p14:creationId xmlns:p14="http://schemas.microsoft.com/office/powerpoint/2010/main" val="4185126802"/>
+      </p:ext>
+    </p:extLst>
+  </p:cSld>
+  <p:clrMapOvr>
+    <a:masterClrMapping/>
+  </p:clrMapOvr>
+</p:sld>
+</file>
+
+<file path=ppt/slides/slide24.xml><?xml version="1.0" encoding="utf-8"?>
+<p:sld xmlns:a="http://schemas.openxmlformats.org/drawingml/2006/main" xmlns:r="http://schemas.openxmlformats.org/officeDocument/2006/relationships" xmlns:p="http://schemas.openxmlformats.org/presentationml/2006/main">
+  <p:cSld>
+    <p:spTree>
+      <p:nvGrpSpPr>
+        <p:cNvPr id="1" name=""/>
+        <p:cNvGrpSpPr/>
+        <p:nvPr/>
+      </p:nvGrpSpPr>
+      <p:grpSpPr>
+        <a:xfrm>
+          <a:off x="0" y="0"/>
+          <a:ext cx="0" cy="0"/>
+          <a:chOff x="0" y="0"/>
+          <a:chExt cx="0" cy="0"/>
+        </a:xfrm>
+      </p:grpSpPr>
+      <p:sp>
+        <p:nvSpPr>
+          <p:cNvPr id="2" name="Title 1"/>
+          <p:cNvSpPr>
+            <a:spLocks noGrp="1"/>
+          </p:cNvSpPr>
+          <p:nvPr>
+            <p:ph type="title"/>
+          </p:nvPr>
+        </p:nvSpPr>
+        <p:spPr/>
+        <p:txBody>
+          <a:bodyPr/>
+          <a:lstStyle/>
+          <a:p>
+            <a:r>
+              <a:rPr lang="en-US" dirty="0" smtClean="0"/>
+              <a:t>Curation</a:t>
+            </a:r>
+            <a:endParaRPr lang="en-US" dirty="0"/>
+          </a:p>
+        </p:txBody>
+      </p:sp>
+      <p:sp>
+        <p:nvSpPr>
+          <p:cNvPr id="3" name="Content Placeholder 2"/>
+          <p:cNvSpPr>
+            <a:spLocks noGrp="1"/>
+          </p:cNvSpPr>
+          <p:nvPr>
+            <p:ph idx="1"/>
+          </p:nvPr>
+        </p:nvSpPr>
+        <p:spPr/>
+        <p:txBody>
+          <a:bodyPr/>
+          <a:lstStyle/>
+          <a:p>
+            <a:pPr marL="0" indent="0">
+              <a:buNone/>
+            </a:pPr>
+            <a:r>
+              <a:rPr lang="en-US" dirty="0" smtClean="0"/>
+              <a:t>Traditionally: </a:t>
+            </a:r>
+          </a:p>
+          <a:p>
+            <a:pPr marL="0" indent="0">
+              <a:buNone/>
+            </a:pPr>
+            <a:endParaRPr lang="en-US" dirty="0"/>
+          </a:p>
+        </p:txBody>
+      </p:sp>
+      <p:pic>
+        <p:nvPicPr>
+          <p:cNvPr id="4" name="Picture 3"/>
+          <p:cNvPicPr>
+            <a:picLocks noChangeAspect="1"/>
+          </p:cNvPicPr>
+          <p:nvPr/>
+        </p:nvPicPr>
+        <p:blipFill>
+          <a:blip r:embed="rId3"/>
+          <a:stretch>
+            <a:fillRect/>
+          </a:stretch>
+        </p:blipFill>
+        <p:spPr>
+          <a:xfrm>
+            <a:off x="1716970" y="2381982"/>
+            <a:ext cx="5153126" cy="2698017"/>
+          </a:xfrm>
+          <a:prstGeom prst="rect">
+            <a:avLst/>
+          </a:prstGeom>
+        </p:spPr>
+      </p:pic>
+    </p:spTree>
+    <p:extLst>
+      <p:ext uri="{BB962C8B-B14F-4D97-AF65-F5344CB8AC3E}">
+        <p14:creationId xmlns:p14="http://schemas.microsoft.com/office/powerpoint/2010/main" val="3699841913"/>
+      </p:ext>
+    </p:extLst>
+  </p:cSld>
+  <p:clrMapOvr>
+    <a:masterClrMapping/>
+  </p:clrMapOvr>
+</p:sld>
+</file>
+
+<file path=ppt/slides/slide25.xml><?xml version="1.0" encoding="utf-8"?>
+<p:sld xmlns:a="http://schemas.openxmlformats.org/drawingml/2006/main" xmlns:r="http://schemas.openxmlformats.org/officeDocument/2006/relationships" xmlns:p="http://schemas.openxmlformats.org/presentationml/2006/main">
+  <p:cSld>
+    <p:spTree>
+      <p:nvGrpSpPr>
+        <p:cNvPr id="1" name=""/>
+        <p:cNvGrpSpPr/>
+        <p:nvPr/>
+      </p:nvGrpSpPr>
+      <p:grpSpPr>
+        <a:xfrm>
+          <a:off x="0" y="0"/>
+          <a:ext cx="0" cy="0"/>
+          <a:chOff x="0" y="0"/>
+          <a:chExt cx="0" cy="0"/>
+        </a:xfrm>
+      </p:grpSpPr>
+      <p:sp>
+        <p:nvSpPr>
+          <p:cNvPr id="2" name="Title 1"/>
+          <p:cNvSpPr>
+            <a:spLocks noGrp="1"/>
+          </p:cNvSpPr>
+          <p:nvPr>
+            <p:ph type="title"/>
+          </p:nvPr>
+        </p:nvSpPr>
+        <p:spPr/>
+        <p:txBody>
+          <a:bodyPr/>
+          <a:lstStyle/>
+          <a:p>
+            <a:r>
+              <a:rPr lang="en-US" dirty="0" smtClean="0"/>
+              <a:t>Curation (defined)</a:t>
+            </a:r>
+            <a:endParaRPr lang="en-US" dirty="0"/>
+          </a:p>
+        </p:txBody>
+      </p:sp>
+      <p:sp>
+        <p:nvSpPr>
+          <p:cNvPr id="3" name="Content Placeholder 2"/>
+          <p:cNvSpPr>
+            <a:spLocks noGrp="1"/>
+          </p:cNvSpPr>
+          <p:nvPr>
+            <p:ph idx="1"/>
+          </p:nvPr>
+        </p:nvSpPr>
+        <p:spPr/>
+        <p:txBody>
+          <a:bodyPr/>
+          <a:lstStyle/>
+          <a:p>
+            <a:pPr marL="0" indent="0">
+              <a:buNone/>
+            </a:pPr>
+            <a:r>
+              <a:rPr lang="en-US" dirty="0" smtClean="0"/>
+              <a:t>(Noun)</a:t>
+            </a:r>
+            <a:endParaRPr lang="en-US" dirty="0"/>
+          </a:p>
+          <a:p>
+            <a:pPr marL="0" indent="0">
+              <a:buNone/>
+            </a:pPr>
+            <a:endParaRPr lang="en-US" dirty="0" smtClean="0"/>
+          </a:p>
+          <a:p>
+            <a:pPr marL="514350" indent="-514350">
+              <a:buAutoNum type="arabicPeriod"/>
+            </a:pPr>
+            <a:r>
+              <a:rPr lang="en-US" dirty="0" smtClean="0"/>
+              <a:t>The act of healing, or curing. </a:t>
+            </a:r>
+          </a:p>
+          <a:p>
+            <a:pPr marL="514350" indent="-514350">
+              <a:buAutoNum type="arabicPeriod"/>
+            </a:pPr>
+            <a:r>
+              <a:rPr lang="en-US" dirty="0" smtClean="0"/>
+              <a:t>Guardianship.</a:t>
+            </a:r>
+            <a:endParaRPr lang="en-US" dirty="0"/>
+          </a:p>
+        </p:txBody>
+      </p:sp>
+    </p:spTree>
+    <p:extLst>
+      <p:ext uri="{BB962C8B-B14F-4D97-AF65-F5344CB8AC3E}">
+        <p14:creationId xmlns:p14="http://schemas.microsoft.com/office/powerpoint/2010/main" val="2408985885"/>
+      </p:ext>
+    </p:extLst>
+  </p:cSld>
+  <p:clrMapOvr>
+    <a:masterClrMapping/>
+  </p:clrMapOvr>
+</p:sld>
+</file>
+
+<file path=ppt/slides/slide26.xml><?xml version="1.0" encoding="utf-8"?>
+<p:sld xmlns:a="http://schemas.openxmlformats.org/drawingml/2006/main" xmlns:r="http://schemas.openxmlformats.org/officeDocument/2006/relationships" xmlns:p="http://schemas.openxmlformats.org/presentationml/2006/main">
+  <p:cSld>
+    <p:spTree>
+      <p:nvGrpSpPr>
+        <p:cNvPr id="1" name=""/>
+        <p:cNvGrpSpPr/>
+        <p:nvPr/>
+      </p:nvGrpSpPr>
+      <p:grpSpPr>
+        <a:xfrm>
+          <a:off x="0" y="0"/>
+          <a:ext cx="0" cy="0"/>
+          <a:chOff x="0" y="0"/>
+          <a:chExt cx="0" cy="0"/>
+        </a:xfrm>
+      </p:grpSpPr>
+      <p:sp>
+        <p:nvSpPr>
+          <p:cNvPr id="2" name="Title 1"/>
+          <p:cNvSpPr>
+            <a:spLocks noGrp="1"/>
+          </p:cNvSpPr>
+          <p:nvPr>
+            <p:ph type="title"/>
+          </p:nvPr>
+        </p:nvSpPr>
+        <p:spPr/>
+        <p:txBody>
+          <a:bodyPr/>
+          <a:lstStyle/>
+          <a:p>
+            <a:r>
+              <a:rPr lang="en-US" dirty="0" smtClean="0"/>
+              <a:t>Curation in digital context</a:t>
+            </a:r>
+            <a:endParaRPr lang="en-US" dirty="0"/>
+          </a:p>
+        </p:txBody>
+      </p:sp>
+      <p:pic>
+        <p:nvPicPr>
+          <p:cNvPr id="5" name="Content Placeholder 4"/>
+          <p:cNvPicPr>
+            <a:picLocks noGrp="1" noChangeAspect="1"/>
+          </p:cNvPicPr>
+          <p:nvPr>
+            <p:ph idx="1"/>
+          </p:nvPr>
+        </p:nvPicPr>
+        <p:blipFill>
+          <a:blip r:embed="rId3"/>
+          <a:srcRect l="2118" r="2118"/>
+          <a:stretch>
+            <a:fillRect/>
+          </a:stretch>
+        </p:blipFill>
+        <p:spPr>
+          <a:xfrm>
+            <a:off x="1584475" y="1611742"/>
+            <a:ext cx="6449181" cy="3546801"/>
+          </a:xfrm>
+        </p:spPr>
+      </p:pic>
+    </p:spTree>
+    <p:extLst>
+      <p:ext uri="{BB962C8B-B14F-4D97-AF65-F5344CB8AC3E}">
+        <p14:creationId xmlns:p14="http://schemas.microsoft.com/office/powerpoint/2010/main" val="2172798871"/>
+      </p:ext>
+    </p:extLst>
+  </p:cSld>
+  <p:clrMapOvr>
+    <a:masterClrMapping/>
+  </p:clrMapOvr>
+</p:sld>
+</file>
+
+<file path=ppt/slides/slide27.xml><?xml version="1.0" encoding="utf-8"?>
+<p:sld xmlns:a="http://schemas.openxmlformats.org/drawingml/2006/main" xmlns:r="http://schemas.openxmlformats.org/officeDocument/2006/relationships" xmlns:p="http://schemas.openxmlformats.org/presentationml/2006/main">
+  <p:cSld>
+    <p:spTree>
+      <p:nvGrpSpPr>
+        <p:cNvPr id="1" name=""/>
+        <p:cNvGrpSpPr/>
+        <p:nvPr/>
+      </p:nvGrpSpPr>
+      <p:grpSpPr>
+        <a:xfrm>
+          <a:off x="0" y="0"/>
+          <a:ext cx="0" cy="0"/>
+          <a:chOff x="0" y="0"/>
+          <a:chExt cx="0" cy="0"/>
+        </a:xfrm>
+      </p:grpSpPr>
+      <p:sp>
+        <p:nvSpPr>
+          <p:cNvPr id="2" name="Title 1"/>
+          <p:cNvSpPr>
+            <a:spLocks noGrp="1"/>
+          </p:cNvSpPr>
+          <p:nvPr>
+            <p:ph type="title"/>
+          </p:nvPr>
+        </p:nvSpPr>
+        <p:spPr/>
+        <p:txBody>
+          <a:bodyPr/>
+          <a:lstStyle/>
+          <a:p>
+            <a:r>
+              <a:rPr lang="en-US" dirty="0" smtClean="0"/>
+              <a:t>Curation roles... </a:t>
+            </a:r>
+            <a:endParaRPr lang="en-US" dirty="0"/>
+          </a:p>
+        </p:txBody>
+      </p:sp>
+      <p:sp>
+        <p:nvSpPr>
+          <p:cNvPr id="3" name="Content Placeholder 2"/>
+          <p:cNvSpPr>
+            <a:spLocks noGrp="1"/>
+          </p:cNvSpPr>
+          <p:nvPr>
+            <p:ph idx="1"/>
+          </p:nvPr>
+        </p:nvSpPr>
+        <p:spPr/>
+        <p:txBody>
+          <a:bodyPr>
+            <a:normAutofit/>
+          </a:bodyPr>
+          <a:lstStyle/>
+          <a:p>
+            <a:pPr marL="0" indent="0">
+              <a:buNone/>
+            </a:pPr>
+            <a:r>
+              <a:rPr lang="en-US" sz="2400" b="1" dirty="0" smtClean="0"/>
+              <a:t>Early: </a:t>
+            </a:r>
+            <a:r>
+              <a:rPr lang="en-US" sz="2400" dirty="0" smtClean="0"/>
+              <a:t>Build </a:t>
+            </a:r>
+            <a:r>
+              <a:rPr lang="en-US" sz="2400" dirty="0"/>
+              <a:t>and maintain data collections, associated indexing systems, metadata standards, ontologies, and retrieval systems.</a:t>
+            </a:r>
+            <a:endParaRPr lang="en-US" sz="2400" dirty="0" smtClean="0"/>
+          </a:p>
+          <a:p>
+            <a:pPr marL="0" indent="0">
+              <a:buNone/>
+            </a:pPr>
+            <a:endParaRPr lang="en-US" sz="2400" dirty="0"/>
+          </a:p>
+          <a:p>
+            <a:pPr marL="0" indent="0">
+              <a:buNone/>
+            </a:pPr>
+            <a:r>
+              <a:rPr lang="en-US" sz="2400" dirty="0" smtClean="0"/>
+              <a:t>And….</a:t>
+            </a:r>
+          </a:p>
+          <a:p>
+            <a:pPr marL="0" indent="0">
+              <a:buNone/>
+            </a:pPr>
+            <a:endParaRPr lang="en-US" sz="2400" dirty="0"/>
+          </a:p>
+          <a:p>
+            <a:pPr marL="0" indent="0">
+              <a:buNone/>
+            </a:pPr>
+            <a:r>
+              <a:rPr lang="en-US" sz="2400" b="1" dirty="0" smtClean="0"/>
+              <a:t>Emerging: </a:t>
+            </a:r>
+            <a:r>
+              <a:rPr lang="en-US" sz="2400" dirty="0" smtClean="0"/>
+              <a:t>Ensuring data </a:t>
+            </a:r>
+            <a:r>
+              <a:rPr lang="en-US" sz="2400" dirty="0"/>
+              <a:t>quality, authentication, security, and </a:t>
+            </a:r>
+            <a:r>
+              <a:rPr lang="en-US" sz="2400" dirty="0" smtClean="0"/>
+              <a:t>developing associated </a:t>
+            </a:r>
+            <a:r>
+              <a:rPr lang="en-US" sz="2400" dirty="0"/>
+              <a:t>documentation and </a:t>
+            </a:r>
+            <a:r>
+              <a:rPr lang="en-US" sz="2400" dirty="0" smtClean="0"/>
+              <a:t>tools (software) necessary for long-term reuse. </a:t>
+            </a:r>
+            <a:endParaRPr lang="en-US" sz="2400" dirty="0"/>
+          </a:p>
+        </p:txBody>
+      </p:sp>
+    </p:spTree>
+    <p:extLst>
+      <p:ext uri="{BB962C8B-B14F-4D97-AF65-F5344CB8AC3E}">
+        <p14:creationId xmlns:p14="http://schemas.microsoft.com/office/powerpoint/2010/main" val="4149825383"/>
+      </p:ext>
+    </p:extLst>
+  </p:cSld>
+  <p:clrMapOvr>
+    <a:masterClrMapping/>
+  </p:clrMapOvr>
+</p:sld>
+</file>
+
+<file path=ppt/slides/slide28.xml><?xml version="1.0" encoding="utf-8"?>
+<p:sld xmlns:a="http://schemas.openxmlformats.org/drawingml/2006/main" xmlns:r="http://schemas.openxmlformats.org/officeDocument/2006/relationships" xmlns:p="http://schemas.openxmlformats.org/presentationml/2006/main">
+  <p:cSld>
+    <p:spTree>
+      <p:nvGrpSpPr>
+        <p:cNvPr id="1" name=""/>
+        <p:cNvGrpSpPr/>
+        <p:nvPr/>
+      </p:nvGrpSpPr>
+      <p:grpSpPr>
+        <a:xfrm>
+          <a:off x="0" y="0"/>
+          <a:ext cx="0" cy="0"/>
+          <a:chOff x="0" y="0"/>
+          <a:chExt cx="0" cy="0"/>
+        </a:xfrm>
+      </p:grpSpPr>
+      <p:sp>
+        <p:nvSpPr>
+          <p:cNvPr id="2" name="Title 1"/>
+          <p:cNvSpPr>
+            <a:spLocks noGrp="1"/>
+          </p:cNvSpPr>
+          <p:nvPr>
+            <p:ph type="title"/>
+          </p:nvPr>
+        </p:nvSpPr>
+        <p:spPr/>
+        <p:txBody>
+          <a:bodyPr>
+            <a:normAutofit/>
+          </a:bodyPr>
+          <a:lstStyle/>
+          <a:p>
+            <a:r>
+              <a:rPr lang="en-US" dirty="0" smtClean="0"/>
+              <a:t>Data Curation</a:t>
+            </a:r>
+            <a:endParaRPr lang="en-US" dirty="0"/>
+          </a:p>
+        </p:txBody>
+      </p:sp>
+      <p:sp>
+        <p:nvSpPr>
+          <p:cNvPr id="3" name="Content Placeholder 2"/>
+          <p:cNvSpPr>
+            <a:spLocks noGrp="1"/>
+          </p:cNvSpPr>
+          <p:nvPr>
+            <p:ph idx="1"/>
+          </p:nvPr>
+        </p:nvSpPr>
+        <p:spPr/>
+        <p:txBody>
+          <a:bodyPr/>
+          <a:lstStyle/>
+          <a:p>
+            <a:pPr marL="0" indent="0">
+              <a:buNone/>
+            </a:pPr>
+            <a:r>
+              <a:rPr lang="en-US" dirty="0" smtClean="0"/>
+              <a:t>Data </a:t>
+            </a:r>
+            <a:r>
+              <a:rPr lang="en-US" dirty="0"/>
+              <a:t>curation is the active and ongoing management of data throughout its entire lifecycle of interest and usefulness to scholarship, including it's reuse in  </a:t>
+            </a:r>
+            <a:r>
+              <a:rPr lang="en-US" dirty="0" smtClean="0"/>
+              <a:t> </a:t>
+            </a:r>
+            <a:r>
+              <a:rPr lang="en-US" b="1" dirty="0" smtClean="0"/>
+              <a:t>unanticipated contexts</a:t>
+            </a:r>
+            <a:r>
+              <a:rPr lang="en-US" i="1" dirty="0" smtClean="0"/>
+              <a:t>.</a:t>
+            </a:r>
+          </a:p>
+          <a:p>
+            <a:pPr marL="0" indent="0">
+              <a:buNone/>
+            </a:pPr>
+            <a:endParaRPr lang="en-US" i="1" dirty="0"/>
+          </a:p>
+          <a:p>
+            <a:pPr marL="0" indent="0">
+              <a:buNone/>
+            </a:pPr>
+            <a:endParaRPr lang="en-US" i="1" dirty="0"/>
+          </a:p>
+        </p:txBody>
+      </p:sp>
+      <p:sp>
+        <p:nvSpPr>
+          <p:cNvPr id="4" name="TextBox 3"/>
+          <p:cNvSpPr txBox="1"/>
+          <p:nvPr/>
+        </p:nvSpPr>
+        <p:spPr>
+          <a:xfrm>
+            <a:off x="5793620" y="4257524"/>
+            <a:ext cx="2141857" cy="553998"/>
+          </a:xfrm>
+          <a:prstGeom prst="rect">
+            <a:avLst/>
+          </a:prstGeom>
+          <a:noFill/>
+        </p:spPr>
+        <p:txBody>
+          <a:bodyPr wrap="none" rtlCol="0">
+            <a:spAutoFit/>
+          </a:bodyPr>
+          <a:lstStyle/>
+          <a:p>
+            <a:r>
+              <a:rPr lang="en-US" sz="1200" dirty="0"/>
+              <a:t>(edited from Cragin et al. 2007)</a:t>
+            </a:r>
+          </a:p>
+          <a:p>
+            <a:endParaRPr lang="en-US" dirty="0"/>
+          </a:p>
+        </p:txBody>
+      </p:sp>
+    </p:spTree>
+    <p:extLst>
+      <p:ext uri="{BB962C8B-B14F-4D97-AF65-F5344CB8AC3E}">
+        <p14:creationId xmlns:p14="http://schemas.microsoft.com/office/powerpoint/2010/main" val="3835548221"/>
+      </p:ext>
+    </p:extLst>
+  </p:cSld>
+  <p:clrMapOvr>
+    <a:masterClrMapping/>
+  </p:clrMapOvr>
+</p:sld>
+</file>
+
+<file path=ppt/slides/slide3.xml><?xml version="1.0" encoding="utf-8"?>
+<p:sld xmlns:a="http://schemas.openxmlformats.org/drawingml/2006/main" xmlns:r="http://schemas.openxmlformats.org/officeDocument/2006/relationships" xmlns:p="http://schemas.openxmlformats.org/presentationml/2006/main">
+  <p:cSld>
+    <p:spTree>
+      <p:nvGrpSpPr>
+        <p:cNvPr id="1" name=""/>
+        <p:cNvGrpSpPr/>
+        <p:nvPr/>
+      </p:nvGrpSpPr>
+      <p:grpSpPr>
+        <a:xfrm>
+          <a:off x="0" y="0"/>
+          <a:ext cx="0" cy="0"/>
+          <a:chOff x="0" y="0"/>
+          <a:chExt cx="0" cy="0"/>
+        </a:xfrm>
+      </p:grpSpPr>
+      <p:sp>
+        <p:nvSpPr>
+          <p:cNvPr id="2" name="Title 1"/>
+          <p:cNvSpPr>
+            <a:spLocks noGrp="1"/>
+          </p:cNvSpPr>
+          <p:nvPr>
+            <p:ph type="title"/>
+          </p:nvPr>
+        </p:nvSpPr>
+        <p:spPr/>
+        <p:txBody>
+          <a:bodyPr/>
+          <a:lstStyle/>
+          <a:p>
+            <a:r>
+              <a:rPr lang="en-US" dirty="0" smtClean="0"/>
+              <a:t>What this session will include:</a:t>
+            </a:r>
+            <a:endParaRPr lang="en-US" dirty="0"/>
+          </a:p>
+        </p:txBody>
+      </p:sp>
+      <p:sp>
+        <p:nvSpPr>
+          <p:cNvPr id="3" name="Content Placeholder 2"/>
+          <p:cNvSpPr>
+            <a:spLocks noGrp="1"/>
+          </p:cNvSpPr>
+          <p:nvPr>
+            <p:ph idx="1"/>
+          </p:nvPr>
+        </p:nvSpPr>
+        <p:spPr/>
+        <p:txBody>
+          <a:bodyPr/>
+          <a:lstStyle/>
+          <a:p>
+            <a:r>
+              <a:rPr lang="en-US" dirty="0" smtClean="0"/>
+              <a:t>Scoping research data curation </a:t>
+            </a:r>
+          </a:p>
+          <a:p>
+            <a:r>
+              <a:rPr lang="en-US" dirty="0" smtClean="0">
+                <a:solidFill>
+                  <a:schemeClr val="bg1">
+                    <a:lumMod val="85000"/>
+                  </a:schemeClr>
+                </a:solidFill>
+              </a:rPr>
+              <a:t>Archives and records management concepts</a:t>
+            </a:r>
+          </a:p>
+          <a:p>
+            <a:r>
+              <a:rPr lang="en-US" dirty="0">
+                <a:solidFill>
+                  <a:schemeClr val="bg1">
+                    <a:lumMod val="85000"/>
+                  </a:schemeClr>
+                </a:solidFill>
+              </a:rPr>
+              <a:t>Overview of Life Cycle models</a:t>
+            </a:r>
+          </a:p>
+          <a:p>
+            <a:r>
+              <a:rPr lang="en-US" dirty="0">
+                <a:solidFill>
+                  <a:schemeClr val="bg1">
+                    <a:lumMod val="85000"/>
+                  </a:schemeClr>
+                </a:solidFill>
+              </a:rPr>
+              <a:t>Identifier schemes</a:t>
+            </a:r>
+          </a:p>
+          <a:p>
+            <a:r>
+              <a:rPr lang="en-US" dirty="0">
+                <a:solidFill>
+                  <a:schemeClr val="bg1">
+                    <a:lumMod val="85000"/>
+                  </a:schemeClr>
+                </a:solidFill>
+              </a:rPr>
+              <a:t>Data </a:t>
+            </a:r>
+            <a:r>
+              <a:rPr lang="en-US" dirty="0" smtClean="0">
+                <a:solidFill>
+                  <a:schemeClr val="bg1">
+                    <a:lumMod val="85000"/>
+                  </a:schemeClr>
+                </a:solidFill>
+              </a:rPr>
+              <a:t>publication</a:t>
+            </a:r>
+            <a:endParaRPr lang="en-US" dirty="0">
+              <a:solidFill>
+                <a:schemeClr val="bg1">
+                  <a:lumMod val="85000"/>
+                </a:schemeClr>
+              </a:solidFill>
+            </a:endParaRPr>
+          </a:p>
+          <a:p>
+            <a:pPr marL="0" indent="0">
+              <a:buNone/>
+            </a:pPr>
+            <a:endParaRPr lang="en-US" dirty="0"/>
+          </a:p>
+        </p:txBody>
+      </p:sp>
+    </p:spTree>
+    <p:extLst>
+      <p:ext uri="{BB962C8B-B14F-4D97-AF65-F5344CB8AC3E}">
+        <p14:creationId xmlns:p14="http://schemas.microsoft.com/office/powerpoint/2010/main" val="4057811816"/>
+      </p:ext>
+    </p:extLst>
+  </p:cSld>
+  <p:clrMapOvr>
+    <a:masterClrMapping/>
+  </p:clrMapOvr>
+</p:sld>
+</file>
+
+<file path=ppt/slides/slide4.xml><?xml version="1.0" encoding="utf-8"?>
+<p:sld xmlns:a="http://schemas.openxmlformats.org/drawingml/2006/main" xmlns:r="http://schemas.openxmlformats.org/officeDocument/2006/relationships" xmlns:p="http://schemas.openxmlformats.org/presentationml/2006/main">
+  <p:cSld>
+    <p:spTree>
+      <p:nvGrpSpPr>
+        <p:cNvPr id="1" name=""/>
+        <p:cNvGrpSpPr/>
+        <p:nvPr/>
+      </p:nvGrpSpPr>
+      <p:grpSpPr>
+        <a:xfrm>
+          <a:off x="0" y="0"/>
+          <a:ext cx="0" cy="0"/>
+          <a:chOff x="0" y="0"/>
+          <a:chExt cx="0" cy="0"/>
+        </a:xfrm>
+      </p:grpSpPr>
+      <p:sp>
+        <p:nvSpPr>
+          <p:cNvPr id="2" name="Title 1"/>
+          <p:cNvSpPr>
+            <a:spLocks noGrp="1"/>
+          </p:cNvSpPr>
+          <p:nvPr>
+            <p:ph type="title"/>
+          </p:nvPr>
+        </p:nvSpPr>
+        <p:spPr>
+          <a:xfrm>
+            <a:off x="351367" y="2359555"/>
+            <a:ext cx="8229600" cy="1143000"/>
+          </a:xfrm>
+        </p:spPr>
+        <p:txBody>
+          <a:bodyPr/>
+          <a:lstStyle/>
+          <a:p>
+            <a:r>
+              <a:rPr lang="en-US" dirty="0" smtClean="0"/>
+              <a:t>Background</a:t>
+            </a:r>
+            <a:endParaRPr lang="en-US" dirty="0"/>
+          </a:p>
+        </p:txBody>
+      </p:sp>
+    </p:spTree>
+    <p:extLst>
+      <p:ext uri="{BB962C8B-B14F-4D97-AF65-F5344CB8AC3E}">
+        <p14:creationId xmlns:p14="http://schemas.microsoft.com/office/powerpoint/2010/main" val="128251860"/>
+      </p:ext>
+    </p:extLst>
+  </p:cSld>
+  <p:clrMapOvr>
+    <a:masterClrMapping/>
+  </p:clrMapOvr>
+</p:sld>
+</file>
+
+<file path=ppt/slides/slide5.xml><?xml version="1.0" encoding="utf-8"?>
+<p:sld xmlns:a="http://schemas.openxmlformats.org/drawingml/2006/main" xmlns:r="http://schemas.openxmlformats.org/officeDocument/2006/relationships" xmlns:p="http://schemas.openxmlformats.org/presentationml/2006/main">
+  <p:cSld>
+    <p:spTree>
+      <p:nvGrpSpPr>
+        <p:cNvPr id="1" name=""/>
+        <p:cNvGrpSpPr/>
+        <p:nvPr/>
+      </p:nvGrpSpPr>
+      <p:grpSpPr>
+        <a:xfrm>
+          <a:off x="0" y="0"/>
+          <a:ext cx="0" cy="0"/>
+          <a:chOff x="0" y="0"/>
+          <a:chExt cx="0" cy="0"/>
+        </a:xfrm>
+      </p:grpSpPr>
+      <p:sp>
+        <p:nvSpPr>
+          <p:cNvPr id="2" name="Title 1"/>
+          <p:cNvSpPr>
+            <a:spLocks noGrp="1"/>
+          </p:cNvSpPr>
+          <p:nvPr>
+            <p:ph type="title"/>
+          </p:nvPr>
+        </p:nvSpPr>
+        <p:spPr/>
+        <p:txBody>
+          <a:bodyPr/>
+          <a:lstStyle/>
+          <a:p>
+            <a:r>
+              <a:rPr lang="en-US" b="1" dirty="0" smtClean="0"/>
+              <a:t>Why do data curation?</a:t>
+            </a:r>
+            <a:endParaRPr lang="en-US" b="1" dirty="0"/>
+          </a:p>
+        </p:txBody>
+      </p:sp>
+      <p:sp>
+        <p:nvSpPr>
+          <p:cNvPr id="3" name="Content Placeholder 2"/>
+          <p:cNvSpPr>
+            <a:spLocks noGrp="1"/>
+          </p:cNvSpPr>
+          <p:nvPr>
+            <p:ph idx="1"/>
+          </p:nvPr>
+        </p:nvSpPr>
+        <p:spPr/>
+        <p:txBody>
+          <a:bodyPr>
+            <a:normAutofit lnSpcReduction="10000"/>
+          </a:bodyPr>
+          <a:lstStyle/>
+          <a:p>
+            <a:pPr marL="0" indent="0">
+              <a:buNone/>
+            </a:pPr>
+            <a:r>
+              <a:rPr lang="en-US" dirty="0" smtClean="0"/>
+              <a:t>Three arguments (go hand in hand)</a:t>
+            </a:r>
+          </a:p>
+          <a:p>
+            <a:pPr marL="0" indent="0">
+              <a:buNone/>
+            </a:pPr>
+            <a:endParaRPr lang="en-US" dirty="0" smtClean="0"/>
+          </a:p>
+          <a:p>
+            <a:r>
+              <a:rPr lang="en-US" dirty="0" smtClean="0"/>
+              <a:t>Policy mandates (accountability &amp; access)</a:t>
+            </a:r>
+          </a:p>
+          <a:p>
+            <a:pPr marL="0" indent="0">
+              <a:buNone/>
+            </a:pPr>
+            <a:endParaRPr lang="en-US" dirty="0" smtClean="0"/>
+          </a:p>
+          <a:p>
+            <a:r>
+              <a:rPr lang="en-US" dirty="0" smtClean="0"/>
+              <a:t>Economics (financial) </a:t>
+            </a:r>
+          </a:p>
+          <a:p>
+            <a:pPr lvl="1"/>
+            <a:r>
+              <a:rPr lang="en-US" dirty="0" smtClean="0"/>
+              <a:t>Costs: Labor, Opportunity, Intellectual</a:t>
+            </a:r>
+          </a:p>
+          <a:p>
+            <a:pPr marL="457200" lvl="1" indent="0">
+              <a:buNone/>
+            </a:pPr>
+            <a:endParaRPr lang="en-US" dirty="0"/>
+          </a:p>
+          <a:p>
+            <a:r>
+              <a:rPr lang="en-US" dirty="0" smtClean="0"/>
+              <a:t>Intellectual Assets (social capital) </a:t>
+            </a:r>
+          </a:p>
+          <a:p>
+            <a:pPr marL="0" indent="0">
+              <a:buNone/>
+            </a:pPr>
+            <a:endParaRPr lang="en-US" dirty="0"/>
+          </a:p>
+        </p:txBody>
+      </p:sp>
+    </p:spTree>
+    <p:extLst>
+      <p:ext uri="{BB962C8B-B14F-4D97-AF65-F5344CB8AC3E}">
+        <p14:creationId xmlns:p14="http://schemas.microsoft.com/office/powerpoint/2010/main" val="4147636099"/>
+      </p:ext>
+    </p:extLst>
+  </p:cSld>
+  <p:clrMapOvr>
+    <a:masterClrMapping/>
+  </p:clrMapOvr>
+</p:sld>
+</file>
+
 <file path=ppt/slides/slide6.xml><?xml version="1.0" encoding="utf-8"?>
 <p:sld xmlns:a="http://schemas.openxmlformats.org/drawingml/2006/main" xmlns:r="http://schemas.openxmlformats.org/officeDocument/2006/relationships" xmlns:p="http://schemas.openxmlformats.org/presentationml/2006/main">
   <p:cSld>
@@ -6696,22 +8160,28 @@
       </p:grpSpPr>
       <p:sp>
         <p:nvSpPr>
-          <p:cNvPr id="2" name="Title 1"/>
-          <p:cNvSpPr>
-            <a:spLocks noGrp="1"/>
-          </p:cNvSpPr>
-          <p:nvPr>
-            <p:ph type="title"/>
-          </p:nvPr>
-        </p:nvSpPr>
-        <p:spPr/>
-        <p:txBody>
-          <a:bodyPr/>
-          <a:lstStyle/>
-          <a:p>
-            <a:r>
-              <a:rPr lang="en-US" dirty="0" smtClean="0"/>
-              <a:t>Data</a:t>
+          <p:cNvPr id="4" name="Rectangle 3"/>
+          <p:cNvSpPr/>
+          <p:nvPr/>
+        </p:nvSpPr>
+        <p:spPr>
+          <a:xfrm>
+            <a:off x="1393293" y="546668"/>
+            <a:ext cx="876825" cy="369332"/>
+          </a:xfrm>
+          <a:prstGeom prst="rect">
+            <a:avLst/>
+          </a:prstGeom>
+        </p:spPr>
+        <p:txBody>
+          <a:bodyPr wrap="none">
+            <a:spAutoFit/>
+          </a:bodyPr>
+          <a:lstStyle/>
+          <a:p>
+            <a:r>
+              <a:rPr lang="en-US" dirty="0" smtClean="0"/>
+              <a:t>Federal </a:t>
             </a:r>
             <a:endParaRPr lang="en-US" dirty="0"/>
           </a:p>
@@ -6719,53 +8189,177 @@
       </p:sp>
       <p:sp>
         <p:nvSpPr>
-          <p:cNvPr id="3" name="Content Placeholder 2"/>
-          <p:cNvSpPr>
-            <a:spLocks noGrp="1"/>
-          </p:cNvSpPr>
-          <p:nvPr>
-            <p:ph idx="1"/>
-          </p:nvPr>
-        </p:nvSpPr>
-        <p:spPr/>
-        <p:txBody>
-          <a:bodyPr/>
-          <a:lstStyle/>
-          <a:p>
-            <a:pPr marL="0" indent="0" algn="ctr">
-              <a:buNone/>
-            </a:pPr>
-            <a:endParaRPr lang="en-US" dirty="0" smtClean="0"/>
-          </a:p>
-          <a:p>
-            <a:pPr marL="0" indent="0" algn="ctr">
-              <a:buNone/>
-            </a:pPr>
-            <a:endParaRPr lang="en-US" dirty="0" smtClean="0"/>
-          </a:p>
-          <a:p>
-            <a:pPr marL="0" indent="0" algn="ctr">
-              <a:buNone/>
-            </a:pPr>
-            <a:r>
-              <a:rPr lang="en-US" dirty="0" smtClean="0"/>
-              <a:t>Asking </a:t>
-            </a:r>
-            <a:r>
-              <a:rPr lang="en-US" i="1" dirty="0" smtClean="0"/>
-              <a:t>what </a:t>
-            </a:r>
-            <a:r>
-              <a:rPr lang="en-US" dirty="0" smtClean="0"/>
-              <a:t>are data isn’t the right question…</a:t>
-            </a:r>
-          </a:p>
-        </p:txBody>
-      </p:sp>
+          <p:cNvPr id="5" name="Rectangle 4"/>
+          <p:cNvSpPr/>
+          <p:nvPr/>
+        </p:nvSpPr>
+        <p:spPr>
+          <a:xfrm>
+            <a:off x="5120218" y="503251"/>
+            <a:ext cx="3281292" cy="369332"/>
+          </a:xfrm>
+          <a:prstGeom prst="rect">
+            <a:avLst/>
+          </a:prstGeom>
+        </p:spPr>
+        <p:txBody>
+          <a:bodyPr wrap="none">
+            <a:spAutoFit/>
+          </a:bodyPr>
+          <a:lstStyle/>
+          <a:p>
+            <a:r>
+              <a:rPr lang="en-US" dirty="0" smtClean="0"/>
+              <a:t>Journals &amp; Professional Societies</a:t>
+            </a:r>
+            <a:endParaRPr lang="en-US" dirty="0"/>
+          </a:p>
+        </p:txBody>
+      </p:sp>
+      <p:pic>
+        <p:nvPicPr>
+          <p:cNvPr id="6" name="Picture 5" descr="Screen Shot 2015-02-14 at 2.36.05 PM.png"/>
+          <p:cNvPicPr>
+            <a:picLocks noChangeAspect="1"/>
+          </p:cNvPicPr>
+          <p:nvPr/>
+        </p:nvPicPr>
+        <p:blipFill>
+          <a:blip r:embed="rId3">
+            <a:extLst>
+              <a:ext uri="{28A0092B-C50C-407E-A947-70E740481C1C}">
+                <a14:useLocalDpi xmlns:a14="http://schemas.microsoft.com/office/drawing/2010/main" val="0"/>
+              </a:ext>
+            </a:extLst>
+          </a:blip>
+          <a:stretch>
+            <a:fillRect/>
+          </a:stretch>
+        </p:blipFill>
+        <p:spPr>
+          <a:xfrm>
+            <a:off x="554696" y="916000"/>
+            <a:ext cx="3138888" cy="3110537"/>
+          </a:xfrm>
+          <a:prstGeom prst="rect">
+            <a:avLst/>
+          </a:prstGeom>
+          <a:ln>
+            <a:noFill/>
+          </a:ln>
+          <a:effectLst>
+            <a:outerShdw blurRad="292100" dist="139700" dir="2700000" algn="tl" rotWithShape="0">
+              <a:srgbClr val="333333">
+                <a:alpha val="65000"/>
+              </a:srgbClr>
+            </a:outerShdw>
+          </a:effectLst>
+        </p:spPr>
+      </p:pic>
+      <p:pic>
+        <p:nvPicPr>
+          <p:cNvPr id="7" name="Picture 6" descr="Screen Shot 2015-02-14 at 2.36.26 PM.png"/>
+          <p:cNvPicPr>
+            <a:picLocks noChangeAspect="1"/>
+          </p:cNvPicPr>
+          <p:nvPr/>
+        </p:nvPicPr>
+        <p:blipFill>
+          <a:blip r:embed="rId4">
+            <a:extLst>
+              <a:ext uri="{28A0092B-C50C-407E-A947-70E740481C1C}">
+                <a14:useLocalDpi xmlns:a14="http://schemas.microsoft.com/office/drawing/2010/main" val="0"/>
+              </a:ext>
+            </a:extLst>
+          </a:blip>
+          <a:stretch>
+            <a:fillRect/>
+          </a:stretch>
+        </p:blipFill>
+        <p:spPr>
+          <a:xfrm>
+            <a:off x="141811" y="4332501"/>
+            <a:ext cx="4402668" cy="703212"/>
+          </a:xfrm>
+          <a:prstGeom prst="rect">
+            <a:avLst/>
+          </a:prstGeom>
+          <a:ln>
+            <a:noFill/>
+          </a:ln>
+          <a:effectLst>
+            <a:outerShdw blurRad="292100" dist="139700" dir="2700000" algn="tl" rotWithShape="0">
+              <a:srgbClr val="333333">
+                <a:alpha val="65000"/>
+              </a:srgbClr>
+            </a:outerShdw>
+          </a:effectLst>
+        </p:spPr>
+      </p:pic>
+      <p:pic>
+        <p:nvPicPr>
+          <p:cNvPr id="8" name="Picture 7" descr="Screen Shot 2015-02-14 at 2.43.41 PM.png"/>
+          <p:cNvPicPr>
+            <a:picLocks noChangeAspect="1"/>
+          </p:cNvPicPr>
+          <p:nvPr/>
+        </p:nvPicPr>
+        <p:blipFill>
+          <a:blip r:embed="rId5">
+            <a:extLst>
+              <a:ext uri="{28A0092B-C50C-407E-A947-70E740481C1C}">
+                <a14:useLocalDpi xmlns:a14="http://schemas.microsoft.com/office/drawing/2010/main" val="0"/>
+              </a:ext>
+            </a:extLst>
+          </a:blip>
+          <a:stretch>
+            <a:fillRect/>
+          </a:stretch>
+        </p:blipFill>
+        <p:spPr>
+          <a:xfrm>
+            <a:off x="5744633" y="994832"/>
+            <a:ext cx="2184400" cy="2794000"/>
+          </a:xfrm>
+          <a:prstGeom prst="rect">
+            <a:avLst/>
+          </a:prstGeom>
+        </p:spPr>
+      </p:pic>
+      <p:pic>
+        <p:nvPicPr>
+          <p:cNvPr id="9" name="Picture 8" descr="Screen Shot 2015-02-14 at 2.43.15 PM.png"/>
+          <p:cNvPicPr>
+            <a:picLocks noChangeAspect="1"/>
+          </p:cNvPicPr>
+          <p:nvPr/>
+        </p:nvPicPr>
+        <p:blipFill>
+          <a:blip r:embed="rId6">
+            <a:extLst>
+              <a:ext uri="{28A0092B-C50C-407E-A947-70E740481C1C}">
+                <a14:useLocalDpi xmlns:a14="http://schemas.microsoft.com/office/drawing/2010/main" val="0"/>
+              </a:ext>
+            </a:extLst>
+          </a:blip>
+          <a:stretch>
+            <a:fillRect/>
+          </a:stretch>
+        </p:blipFill>
+        <p:spPr>
+          <a:xfrm>
+            <a:off x="4618560" y="3841749"/>
+            <a:ext cx="4244163" cy="1703918"/>
+          </a:xfrm>
+          <a:prstGeom prst="rect">
+            <a:avLst/>
+          </a:prstGeom>
+        </p:spPr>
+      </p:pic>
     </p:spTree>
     <p:extLst>
       <p:ext uri="{BB962C8B-B14F-4D97-AF65-F5344CB8AC3E}">
-        <p14:creationId xmlns:p14="http://schemas.microsoft.com/office/powerpoint/2010/main" val="3134134872"/>
+        <p14:creationId xmlns:p14="http://schemas.microsoft.com/office/powerpoint/2010/main" val="1722316950"/>
       </p:ext>
     </p:extLst>
   </p:cSld>
@@ -6794,71 +8388,269 @@
       </p:grpSpPr>
       <p:sp>
         <p:nvSpPr>
-          <p:cNvPr id="2" name="Title 1"/>
-          <p:cNvSpPr>
-            <a:spLocks noGrp="1"/>
-          </p:cNvSpPr>
-          <p:nvPr>
-            <p:ph type="title"/>
-          </p:nvPr>
-        </p:nvSpPr>
-        <p:spPr/>
-        <p:txBody>
-          <a:bodyPr/>
-          <a:lstStyle/>
-          <a:p>
-            <a:r>
-              <a:rPr lang="en-US" dirty="0" smtClean="0"/>
-              <a:t>Data as a role, not a type</a:t>
-            </a:r>
+          <p:cNvPr id="4" name="Rectangle 3"/>
+          <p:cNvSpPr/>
+          <p:nvPr/>
+        </p:nvSpPr>
+        <p:spPr>
+          <a:xfrm>
+            <a:off x="2570343" y="6483407"/>
+            <a:ext cx="4572000" cy="215444"/>
+          </a:xfrm>
+          <a:prstGeom prst="rect">
+            <a:avLst/>
+          </a:prstGeom>
+        </p:spPr>
+        <p:txBody>
+          <a:bodyPr>
+            <a:spAutoFit/>
+          </a:bodyPr>
+          <a:lstStyle/>
+          <a:p>
+            <a:r>
+              <a:rPr lang="en-US" sz="800" dirty="0"/>
+              <a:t>http://</a:t>
+            </a:r>
+            <a:r>
+              <a:rPr lang="en-US" sz="800" dirty="0" err="1"/>
+              <a:t>brunalab.org</a:t>
+            </a:r>
+            <a:r>
+              <a:rPr lang="en-US" sz="800" dirty="0"/>
+              <a:t>/blog/2014/09/04/the-opportunity-cost-of-my-openscience-was-35-hours-690/</a:t>
+            </a:r>
+          </a:p>
+        </p:txBody>
+      </p:sp>
+      <p:pic>
+        <p:nvPicPr>
+          <p:cNvPr id="7" name="Picture 6" descr="Screen Shot 2015-01-06 at 2.16.29 PM.png"/>
+          <p:cNvPicPr>
+            <a:picLocks noChangeAspect="1"/>
+          </p:cNvPicPr>
+          <p:nvPr/>
+        </p:nvPicPr>
+        <p:blipFill>
+          <a:blip r:embed="rId3">
+            <a:extLst>
+              <a:ext uri="{28A0092B-C50C-407E-A947-70E740481C1C}">
+                <a14:useLocalDpi xmlns:a14="http://schemas.microsoft.com/office/drawing/2010/main" val="0"/>
+              </a:ext>
+            </a:extLst>
+          </a:blip>
+          <a:stretch>
+            <a:fillRect/>
+          </a:stretch>
+        </p:blipFill>
+        <p:spPr>
+          <a:xfrm>
+            <a:off x="4082611" y="1772253"/>
+            <a:ext cx="4774795" cy="3391620"/>
+          </a:xfrm>
+          <a:prstGeom prst="rect">
+            <a:avLst/>
+          </a:prstGeom>
+        </p:spPr>
+      </p:pic>
+      <p:pic>
+        <p:nvPicPr>
+          <p:cNvPr id="8" name="Picture 7" descr="Screen Shot 2015-01-06 at 2.16.44 PM.png"/>
+          <p:cNvPicPr>
+            <a:picLocks noChangeAspect="1"/>
+          </p:cNvPicPr>
+          <p:nvPr/>
+        </p:nvPicPr>
+        <p:blipFill>
+          <a:blip r:embed="rId4">
+            <a:extLst>
+              <a:ext uri="{28A0092B-C50C-407E-A947-70E740481C1C}">
+                <a14:useLocalDpi xmlns:a14="http://schemas.microsoft.com/office/drawing/2010/main" val="0"/>
+              </a:ext>
+            </a:extLst>
+          </a:blip>
+          <a:stretch>
+            <a:fillRect/>
+          </a:stretch>
+        </p:blipFill>
+        <p:spPr>
+          <a:xfrm>
+            <a:off x="350690" y="557093"/>
+            <a:ext cx="8506716" cy="495099"/>
+          </a:xfrm>
+          <a:prstGeom prst="rect">
+            <a:avLst/>
+          </a:prstGeom>
+        </p:spPr>
+      </p:pic>
+      <p:sp>
+        <p:nvSpPr>
+          <p:cNvPr id="10" name="TextBox 9"/>
+          <p:cNvSpPr txBox="1"/>
+          <p:nvPr/>
+        </p:nvSpPr>
+        <p:spPr>
+          <a:xfrm>
+            <a:off x="464427" y="1980752"/>
+            <a:ext cx="3775393" cy="3693319"/>
+          </a:xfrm>
+          <a:prstGeom prst="rect">
+            <a:avLst/>
+          </a:prstGeom>
+          <a:noFill/>
+        </p:spPr>
+        <p:txBody>
+          <a:bodyPr wrap="none" rtlCol="0">
+            <a:spAutoFit/>
+          </a:bodyPr>
+          <a:lstStyle/>
+          <a:p>
+            <a:r>
+              <a:rPr lang="en-US" dirty="0" smtClean="0"/>
+              <a:t>Includes time to: </a:t>
+            </a:r>
+          </a:p>
+          <a:p>
             <a:endParaRPr lang="en-US" dirty="0"/>
           </a:p>
-        </p:txBody>
-      </p:sp>
-      <p:sp>
-        <p:nvSpPr>
-          <p:cNvPr id="3" name="Content Placeholder 2"/>
-          <p:cNvSpPr>
-            <a:spLocks noGrp="1"/>
-          </p:cNvSpPr>
-          <p:nvPr>
-            <p:ph idx="1"/>
-          </p:nvPr>
-        </p:nvSpPr>
-        <p:spPr/>
-        <p:txBody>
-          <a:bodyPr/>
-          <a:lstStyle/>
-          <a:p>
-            <a:pPr marL="0" indent="0" algn="ctr">
-              <a:buNone/>
+          <a:p>
+            <a:pPr marL="285750" indent="-285750">
+              <a:buFontTx/>
+              <a:buChar char="-"/>
+            </a:pPr>
+            <a:r>
+              <a:rPr lang="en-US" dirty="0" smtClean="0"/>
+              <a:t>Create metadata</a:t>
+            </a:r>
+          </a:p>
+          <a:p>
+            <a:pPr marL="285750" indent="-285750">
+              <a:buFontTx/>
+              <a:buChar char="-"/>
+            </a:pPr>
+            <a:r>
+              <a:rPr lang="en-US" dirty="0" smtClean="0"/>
+              <a:t>Reformat, clean data</a:t>
+            </a:r>
+          </a:p>
+          <a:p>
+            <a:pPr marL="285750" indent="-285750">
+              <a:buFontTx/>
+              <a:buChar char="-"/>
+            </a:pPr>
+            <a:r>
+              <a:rPr lang="en-US" dirty="0"/>
+              <a:t>Archive data</a:t>
+            </a:r>
+          </a:p>
+          <a:p>
+            <a:pPr marL="285750" indent="-285750">
+              <a:buFontTx/>
+              <a:buChar char="-"/>
+            </a:pPr>
+            <a:r>
+              <a:rPr lang="en-US" dirty="0" smtClean="0"/>
+              <a:t>Clean, comment, and refactor code</a:t>
+            </a:r>
+          </a:p>
+          <a:p>
+            <a:pPr marL="285750" indent="-285750">
+              <a:buFontTx/>
+              <a:buChar char="-"/>
+            </a:pPr>
+            <a:r>
+              <a:rPr lang="en-US" dirty="0" smtClean="0"/>
+              <a:t>Create code repository + archive</a:t>
+            </a:r>
+          </a:p>
+          <a:p>
+            <a:pPr marL="285750" indent="-285750">
+              <a:buFontTx/>
+              <a:buChar char="-"/>
+            </a:pPr>
+            <a:endParaRPr lang="en-US" dirty="0"/>
+          </a:p>
+          <a:p>
+            <a:r>
+              <a:rPr lang="en-US" dirty="0" smtClean="0"/>
+              <a:t>That is a large amount of time from</a:t>
+            </a:r>
+          </a:p>
+          <a:p>
+            <a:r>
+              <a:rPr lang="en-US" dirty="0" smtClean="0"/>
+              <a:t>a public employee whose salary is </a:t>
+            </a:r>
+          </a:p>
+          <a:p>
+            <a:r>
+              <a:rPr lang="en-US" dirty="0" smtClean="0"/>
+              <a:t>high and expertise unrivaled… </a:t>
+            </a:r>
+          </a:p>
+          <a:p>
+            <a:pPr marL="285750" indent="-285750">
+              <a:buFontTx/>
+              <a:buChar char="-"/>
             </a:pPr>
             <a:endParaRPr lang="en-US" dirty="0" smtClean="0"/>
           </a:p>
           <a:p>
-            <a:pPr marL="0" indent="0" algn="ctr">
-              <a:buNone/>
-            </a:pPr>
-            <a:r>
-              <a:rPr lang="en-US" dirty="0" smtClean="0"/>
-              <a:t>Instead, we think about data as an information object (of various types) that plays a              certain </a:t>
-            </a:r>
-            <a:r>
-              <a:rPr lang="en-US" b="1" dirty="0" smtClean="0"/>
-              <a:t>role </a:t>
-            </a:r>
-            <a:r>
-              <a:rPr lang="en-US" dirty="0" smtClean="0"/>
-              <a:t>within a community of practice.</a:t>
-            </a:r>
-            <a:endParaRPr lang="en-US" dirty="0"/>
+            <a:pPr marL="285750" indent="-285750">
+              <a:buFontTx/>
+              <a:buChar char="-"/>
+            </a:pPr>
+            <a:endParaRPr lang="en-US" dirty="0" smtClean="0"/>
+          </a:p>
+        </p:txBody>
+      </p:sp>
+      <p:sp>
+        <p:nvSpPr>
+          <p:cNvPr id="2" name="Rectangle 1"/>
+          <p:cNvSpPr/>
+          <p:nvPr/>
+        </p:nvSpPr>
+        <p:spPr>
+          <a:xfrm>
+            <a:off x="4144573" y="4455583"/>
+            <a:ext cx="4459680" cy="814917"/>
+          </a:xfrm>
+          <a:prstGeom prst="rect">
+            <a:avLst/>
+          </a:prstGeom>
+          <a:noFill/>
+          <a:ln>
+            <a:solidFill>
+              <a:srgbClr val="FF0000"/>
+            </a:solidFill>
+          </a:ln>
+        </p:spPr>
+        <p:style>
+          <a:lnRef idx="1">
+            <a:schemeClr val="accent1"/>
+          </a:lnRef>
+          <a:fillRef idx="3">
+            <a:schemeClr val="accent1"/>
+          </a:fillRef>
+          <a:effectRef idx="2">
+            <a:schemeClr val="accent1"/>
+          </a:effectRef>
+          <a:fontRef idx="minor">
+            <a:schemeClr val="lt1"/>
+          </a:fontRef>
+        </p:style>
+        <p:txBody>
+          <a:bodyPr rtlCol="0" anchor="ctr"/>
+          <a:lstStyle/>
+          <a:p>
+            <a:pPr algn="ctr"/>
+            <a:endParaRPr lang="en-US"/>
           </a:p>
         </p:txBody>
       </p:sp>
     </p:spTree>
     <p:extLst>
       <p:ext uri="{BB962C8B-B14F-4D97-AF65-F5344CB8AC3E}">
-        <p14:creationId xmlns:p14="http://schemas.microsoft.com/office/powerpoint/2010/main" val="1019812874"/>
+        <p14:creationId xmlns:p14="http://schemas.microsoft.com/office/powerpoint/2010/main" val="1700883472"/>
       </p:ext>
     </p:extLst>
   </p:cSld>
@@ -6887,94 +8679,94 @@
       </p:grpSpPr>
       <p:sp>
         <p:nvSpPr>
-          <p:cNvPr id="2" name="Title 1"/>
-          <p:cNvSpPr>
-            <a:spLocks noGrp="1"/>
-          </p:cNvSpPr>
-          <p:nvPr>
-            <p:ph type="title"/>
-          </p:nvPr>
-        </p:nvSpPr>
-        <p:spPr/>
-        <p:txBody>
-          <a:bodyPr/>
-          <a:lstStyle/>
-          <a:p>
-            <a:r>
-              <a:rPr lang="en-US" dirty="0" smtClean="0"/>
-              <a:t>Data</a:t>
-            </a:r>
+          <p:cNvPr id="3" name="Content Placeholder 2"/>
+          <p:cNvSpPr>
+            <a:spLocks noGrp="1"/>
+          </p:cNvSpPr>
+          <p:nvPr>
+            <p:ph idx="1"/>
+          </p:nvPr>
+        </p:nvSpPr>
+        <p:spPr>
+          <a:xfrm>
+            <a:off x="457200" y="626533"/>
+            <a:ext cx="8229600" cy="4525963"/>
+          </a:xfrm>
+        </p:spPr>
+        <p:txBody>
+          <a:bodyPr>
+            <a:normAutofit/>
+          </a:bodyPr>
+          <a:lstStyle/>
+          <a:p>
+            <a:pPr marL="0" indent="0">
+              <a:buNone/>
+            </a:pPr>
+            <a:r>
+              <a:rPr lang="en-US" dirty="0" smtClean="0"/>
+              <a:t>Cost including salary: $2948</a:t>
+            </a:r>
+          </a:p>
+          <a:p>
+            <a:pPr marL="0" indent="0">
+              <a:buNone/>
+            </a:pPr>
+            <a:r>
+              <a:rPr lang="en-US" dirty="0" smtClean="0"/>
+              <a:t>Cost </a:t>
+            </a:r>
+            <a:r>
+              <a:rPr lang="en-US" dirty="0" smtClean="0"/>
+              <a:t>of </a:t>
+            </a:r>
+            <a:r>
+              <a:rPr lang="en-US" dirty="0" smtClean="0"/>
+              <a:t>publication </a:t>
+            </a:r>
+            <a:r>
+              <a:rPr lang="en-US" dirty="0" smtClean="0"/>
+              <a:t>in Open Access journal: </a:t>
+            </a:r>
+            <a:endParaRPr lang="en-US" dirty="0" smtClean="0"/>
+          </a:p>
+          <a:p>
+            <a:pPr marL="0" indent="0">
+              <a:buNone/>
+            </a:pPr>
+            <a:r>
+              <a:rPr lang="en-US" dirty="0" smtClean="0"/>
+              <a:t>~ </a:t>
+            </a:r>
+            <a:r>
+              <a:rPr lang="en-US" dirty="0" smtClean="0"/>
+              <a:t>$ </a:t>
+            </a:r>
+            <a:r>
+              <a:rPr lang="en-US" dirty="0" smtClean="0"/>
+              <a:t>3000 </a:t>
+            </a:r>
+            <a:endParaRPr lang="en-US" dirty="0" smtClean="0"/>
+          </a:p>
+          <a:p>
+            <a:pPr marL="0" indent="0">
+              <a:buNone/>
+            </a:pPr>
             <a:endParaRPr lang="en-US" dirty="0"/>
           </a:p>
-        </p:txBody>
-      </p:sp>
-      <p:sp>
-        <p:nvSpPr>
-          <p:cNvPr id="3" name="Content Placeholder 2"/>
-          <p:cNvSpPr>
-            <a:spLocks noGrp="1"/>
-          </p:cNvSpPr>
-          <p:nvPr>
-            <p:ph idx="1"/>
-          </p:nvPr>
-        </p:nvSpPr>
-        <p:spPr/>
-        <p:txBody>
-          <a:bodyPr/>
-          <a:lstStyle/>
-          <a:p>
-            <a:pPr marL="0" indent="0" algn="ctr">
-              <a:buNone/>
-            </a:pPr>
+          <a:p>
+            <a:pPr marL="0" indent="0">
+              <a:buNone/>
+            </a:pPr>
+            <a:r>
+              <a:rPr lang="en-US" dirty="0" smtClean="0"/>
+              <a:t>Fully reproducible, open access research product – code, data, and publication is (at least) : $6000</a:t>
+            </a:r>
             <a:endParaRPr lang="en-US" dirty="0" smtClean="0"/>
           </a:p>
           <a:p>
-            <a:pPr marL="0" indent="0" algn="ctr">
-              <a:buNone/>
-            </a:pPr>
-            <a:r>
-              <a:rPr lang="en-US" dirty="0" smtClean="0">
-                <a:solidFill>
-                  <a:srgbClr val="A6A6A6"/>
-                </a:solidFill>
-              </a:rPr>
-              <a:t>Instead, we think about data as an information object (of various types) that plays a              certain </a:t>
-            </a:r>
-            <a:r>
-              <a:rPr lang="en-US" b="1" dirty="0" smtClean="0">
-                <a:solidFill>
-                  <a:srgbClr val="A6A6A6"/>
-                </a:solidFill>
-              </a:rPr>
-              <a:t>role </a:t>
-            </a:r>
-            <a:r>
-              <a:rPr lang="en-US" dirty="0" smtClean="0">
-                <a:solidFill>
-                  <a:srgbClr val="A6A6A6"/>
-                </a:solidFill>
-              </a:rPr>
-              <a:t>within a community of practice.</a:t>
-            </a:r>
-          </a:p>
-          <a:p>
-            <a:pPr marL="0" indent="0" algn="ctr">
-              <a:buNone/>
-            </a:pPr>
-            <a:endParaRPr lang="en-US" dirty="0">
-              <a:solidFill>
-                <a:srgbClr val="A6A6A6"/>
-              </a:solidFill>
-            </a:endParaRPr>
-          </a:p>
-          <a:p>
-            <a:pPr marL="0" indent="0" algn="ctr">
-              <a:buNone/>
-            </a:pPr>
-            <a:r>
-              <a:rPr lang="en-US" dirty="0" smtClean="0"/>
-              <a:t>The role that data play in a scholarly community is that of evidence…</a:t>
-            </a:r>
+            <a:pPr marL="0" indent="0">
+              <a:buNone/>
+            </a:pPr>
             <a:endParaRPr lang="en-US" dirty="0"/>
           </a:p>
         </p:txBody>
@@ -6982,7 +8774,7 @@
     </p:spTree>
     <p:extLst>
       <p:ext uri="{BB962C8B-B14F-4D97-AF65-F5344CB8AC3E}">
-        <p14:creationId xmlns:p14="http://schemas.microsoft.com/office/powerpoint/2010/main" val="911337564"/>
+        <p14:creationId xmlns:p14="http://schemas.microsoft.com/office/powerpoint/2010/main" val="3068495925"/>
       </p:ext>
     </p:extLst>
   </p:cSld>
@@ -7009,74 +8801,40 @@
           <a:chExt cx="0" cy="0"/>
         </a:xfrm>
       </p:grpSpPr>
-      <p:sp>
-        <p:nvSpPr>
-          <p:cNvPr id="2" name="Title 1"/>
-          <p:cNvSpPr>
-            <a:spLocks noGrp="1"/>
-          </p:cNvSpPr>
-          <p:nvPr>
-            <p:ph type="title"/>
-          </p:nvPr>
-        </p:nvSpPr>
-        <p:spPr/>
-        <p:txBody>
-          <a:bodyPr/>
-          <a:lstStyle/>
-          <a:p>
-            <a:r>
-              <a:rPr lang="en-US" dirty="0" smtClean="0"/>
-              <a:t>Research Data</a:t>
-            </a:r>
-            <a:endParaRPr lang="en-US" dirty="0"/>
-          </a:p>
-        </p:txBody>
-      </p:sp>
-      <p:sp>
-        <p:nvSpPr>
-          <p:cNvPr id="3" name="Content Placeholder 2"/>
-          <p:cNvSpPr>
-            <a:spLocks noGrp="1"/>
-          </p:cNvSpPr>
-          <p:nvPr>
-            <p:ph idx="1"/>
-          </p:nvPr>
-        </p:nvSpPr>
-        <p:spPr/>
-        <p:txBody>
-          <a:bodyPr/>
-          <a:lstStyle/>
-          <a:p>
-            <a:pPr marL="0" indent="0">
-              <a:buNone/>
-            </a:pPr>
-            <a:endParaRPr lang="en-US" dirty="0" smtClean="0"/>
-          </a:p>
-          <a:p>
-            <a:pPr marL="0" indent="0" algn="ctr">
-              <a:buNone/>
-            </a:pPr>
-            <a:r>
-              <a:rPr lang="en-US" dirty="0" smtClean="0"/>
-              <a:t>Research </a:t>
-            </a:r>
-            <a:r>
-              <a:rPr lang="en-US" dirty="0"/>
-              <a:t>data are the informational resources that scholars draw on in doing research, supporting their findings, and producing new knowledge. </a:t>
-            </a:r>
-          </a:p>
-          <a:p>
-            <a:pPr marL="0" indent="0">
-              <a:buNone/>
-            </a:pPr>
-            <a:endParaRPr lang="en-US" dirty="0"/>
-          </a:p>
-        </p:txBody>
-      </p:sp>
+      <p:pic>
+        <p:nvPicPr>
+          <p:cNvPr id="2" name="Picture 1" descr="Screen Shot 2015-01-19 at 9.28.07 AM.png"/>
+          <p:cNvPicPr>
+            <a:picLocks noChangeAspect="1"/>
+          </p:cNvPicPr>
+          <p:nvPr/>
+        </p:nvPicPr>
+        <p:blipFill>
+          <a:blip r:embed="rId2">
+            <a:extLst>
+              <a:ext uri="{28A0092B-C50C-407E-A947-70E740481C1C}">
+                <a14:useLocalDpi xmlns:a14="http://schemas.microsoft.com/office/drawing/2010/main" val="0"/>
+              </a:ext>
+            </a:extLst>
+          </a:blip>
+          <a:stretch>
+            <a:fillRect/>
+          </a:stretch>
+        </p:blipFill>
+        <p:spPr>
+          <a:xfrm>
+            <a:off x="0" y="598845"/>
+            <a:ext cx="9144000" cy="5810959"/>
+          </a:xfrm>
+          <a:prstGeom prst="rect">
+            <a:avLst/>
+          </a:prstGeom>
+        </p:spPr>
+      </p:pic>
     </p:spTree>
     <p:extLst>
       <p:ext uri="{BB962C8B-B14F-4D97-AF65-F5344CB8AC3E}">
-        <p14:creationId xmlns:p14="http://schemas.microsoft.com/office/powerpoint/2010/main" val="2679505183"/>
+        <p14:creationId xmlns:p14="http://schemas.microsoft.com/office/powerpoint/2010/main" val="4000831420"/>
       </p:ext>
     </p:extLst>
   </p:cSld>

--- a/Day_1/Day_1_Lectures/Slides/Day_1_Lecture_Intro.pptx
+++ b/Day_1/Day_1_Lectures/Slides/Day_1_Lecture_Intro.pptx
@@ -5,7 +5,7 @@
     <p:sldMasterId id="2147483648" r:id="rId1"/>
   </p:sldMasterIdLst>
   <p:notesMasterIdLst>
-    <p:notesMasterId r:id="rId30"/>
+    <p:notesMasterId r:id="rId31"/>
   </p:notesMasterIdLst>
   <p:sldIdLst>
     <p:sldId id="256" r:id="rId2"/>
@@ -18,24 +18,25 @@
     <p:sldId id="279" r:id="rId9"/>
     <p:sldId id="281" r:id="rId10"/>
     <p:sldId id="280" r:id="rId11"/>
-    <p:sldId id="277" r:id="rId12"/>
-    <p:sldId id="257" r:id="rId13"/>
-    <p:sldId id="258" r:id="rId14"/>
-    <p:sldId id="266" r:id="rId15"/>
-    <p:sldId id="267" r:id="rId16"/>
-    <p:sldId id="268" r:id="rId17"/>
-    <p:sldId id="270" r:id="rId18"/>
-    <p:sldId id="259" r:id="rId19"/>
-    <p:sldId id="271" r:id="rId20"/>
-    <p:sldId id="260" r:id="rId21"/>
-    <p:sldId id="272" r:id="rId22"/>
-    <p:sldId id="269" r:id="rId23"/>
-    <p:sldId id="274" r:id="rId24"/>
-    <p:sldId id="261" r:id="rId25"/>
-    <p:sldId id="275" r:id="rId26"/>
-    <p:sldId id="273" r:id="rId27"/>
-    <p:sldId id="276" r:id="rId28"/>
-    <p:sldId id="262" r:id="rId29"/>
+    <p:sldId id="285" r:id="rId12"/>
+    <p:sldId id="277" r:id="rId13"/>
+    <p:sldId id="257" r:id="rId14"/>
+    <p:sldId id="258" r:id="rId15"/>
+    <p:sldId id="266" r:id="rId16"/>
+    <p:sldId id="267" r:id="rId17"/>
+    <p:sldId id="268" r:id="rId18"/>
+    <p:sldId id="270" r:id="rId19"/>
+    <p:sldId id="259" r:id="rId20"/>
+    <p:sldId id="271" r:id="rId21"/>
+    <p:sldId id="260" r:id="rId22"/>
+    <p:sldId id="272" r:id="rId23"/>
+    <p:sldId id="269" r:id="rId24"/>
+    <p:sldId id="274" r:id="rId25"/>
+    <p:sldId id="261" r:id="rId26"/>
+    <p:sldId id="275" r:id="rId27"/>
+    <p:sldId id="273" r:id="rId28"/>
+    <p:sldId id="276" r:id="rId29"/>
+    <p:sldId id="262" r:id="rId30"/>
   </p:sldIdLst>
   <p:sldSz cx="9144000" cy="6858000" type="screen4x3"/>
   <p:notesSz cx="6858000" cy="9144000"/>
@@ -219,7 +220,7 @@
           <a:p>
             <a:fld id="{C7A54013-F892-DE44-896E-D89BDDF144E6}" type="datetimeFigureOut">
               <a:rPr lang="en-US" smtClean="0"/>
-              <a:t>2/14/15</a:t>
+              <a:t>2/23/15</a:t>
             </a:fld>
             <a:endParaRPr lang="en-US"/>
           </a:p>
@@ -625,8 +626,45 @@
           <a:p>
             <a:r>
               <a:rPr lang="en-US" dirty="0" smtClean="0"/>
-              <a:t>Our focus is on digital data… </a:t>
-            </a:r>
+              <a:t>Note that in this definition we do not make a distinction about these informational resources being digital; research data could include any number of physical objects, such as a biological specimen, an architectural blue print, a paper map, etc.</a:t>
+            </a:r>
+          </a:p>
+          <a:p>
+            <a:endParaRPr lang="en-US" dirty="0" smtClean="0"/>
+          </a:p>
+          <a:p>
+            <a:r>
+              <a:rPr lang="en-US" dirty="0" smtClean="0"/>
+              <a:t>The focus of this workshop will be on the curation of digital data. However, there are times when it is necessary to consider how digital data are linked to other forms of physical data - as we discuss in later sessions related to provenance and workflow technologies. </a:t>
+            </a:r>
+          </a:p>
+          <a:p>
+            <a:endParaRPr lang="en-US" dirty="0" smtClean="0"/>
+          </a:p>
+          <a:p>
+            <a:pPr marL="0" marR="0" indent="0" algn="l" defTabSz="457200" rtl="0" eaLnBrk="1" fontAlgn="auto" latinLnBrk="0" hangingPunct="1">
+              <a:lnSpc>
+                <a:spcPct val="100000"/>
+              </a:lnSpc>
+              <a:spcBef>
+                <a:spcPts val="0"/>
+              </a:spcBef>
+              <a:spcAft>
+                <a:spcPts val="0"/>
+              </a:spcAft>
+              <a:buClrTx/>
+              <a:buSzTx/>
+              <a:buFontTx/>
+              <a:buNone/>
+              <a:tabLst/>
+              <a:defRPr/>
+            </a:pPr>
+            <a:r>
+              <a:rPr lang="en-US" dirty="0" smtClean="0"/>
+              <a:t>The verifiability, and validity of a new knowledge claim within most scientific domains is often dependent upon access to underlying data - which makes the curation of this material a vital part of contemporary scientific practice. </a:t>
+            </a:r>
+          </a:p>
+          <a:p>
             <a:endParaRPr lang="en-US" dirty="0"/>
           </a:p>
         </p:txBody>
@@ -657,7 +695,7 @@
     </p:spTree>
     <p:extLst>
       <p:ext uri="{BB962C8B-B14F-4D97-AF65-F5344CB8AC3E}">
-        <p14:creationId xmlns:p14="http://schemas.microsoft.com/office/powerpoint/2010/main" val="1922362731"/>
+        <p14:creationId xmlns:p14="http://schemas.microsoft.com/office/powerpoint/2010/main" val="3583755103"/>
       </p:ext>
     </p:extLst>
   </p:cSld>
@@ -713,25 +751,8 @@
           <a:p>
             <a:r>
               <a:rPr lang="en-US" dirty="0" smtClean="0"/>
-              <a:t>Steward of physical objects </a:t>
-            </a:r>
-            <a:r>
-              <a:rPr lang="en-US" baseline="0" dirty="0" smtClean="0"/>
-              <a:t> …. </a:t>
-            </a:r>
-            <a:r>
-              <a:rPr lang="en-US" dirty="0" smtClean="0"/>
-              <a:t>preservation, and meaningful arrangement of material collection</a:t>
-            </a:r>
-            <a:r>
-              <a:rPr lang="en-US" baseline="0" dirty="0" smtClean="0"/>
-              <a:t> … </a:t>
-            </a:r>
-          </a:p>
-          <a:p>
-            <a:endParaRPr lang="en-US" baseline="0" dirty="0" smtClean="0"/>
-          </a:p>
-          <a:p>
+              <a:t>Our focus is on digital data… </a:t>
+            </a:r>
             <a:endParaRPr lang="en-US" dirty="0"/>
           </a:p>
         </p:txBody>
@@ -753,7 +774,7 @@
           <a:p>
             <a:fld id="{2D6AA457-920D-9C48-BD45-58BDD0C705B6}" type="slidenum">
               <a:rPr lang="en-US" smtClean="0"/>
-              <a:t>24</a:t>
+              <a:t>20</a:t>
             </a:fld>
             <a:endParaRPr lang="en-US"/>
           </a:p>
@@ -762,7 +783,7 @@
     </p:spTree>
     <p:extLst>
       <p:ext uri="{BB962C8B-B14F-4D97-AF65-F5344CB8AC3E}">
-        <p14:creationId xmlns:p14="http://schemas.microsoft.com/office/powerpoint/2010/main" val="1073897848"/>
+        <p14:creationId xmlns:p14="http://schemas.microsoft.com/office/powerpoint/2010/main" val="1922362731"/>
       </p:ext>
     </p:extLst>
   </p:cSld>
@@ -818,20 +839,23 @@
           <a:p>
             <a:r>
               <a:rPr lang="en-US" dirty="0" smtClean="0"/>
-              <a:t>Over time the concept has been transferred from the context of physical specimens found in natural history museums or the thematic collections of art, to a digital environment where the curatorial roles of stewardship, preservation and meaningful arrangement have taken on new meanings (Weber et al, 2013).</a:t>
-            </a:r>
-          </a:p>
-          <a:p>
-            <a:endParaRPr lang="en-US" dirty="0" smtClean="0"/>
-          </a:p>
-          <a:p>
-            <a:r>
-              <a:rPr lang="en-US" dirty="0" smtClean="0"/>
-              <a:t>In a scholarly environment curatorial roles include developing indexing systems, metadata standards, ontologies, and retrieval systems that will make it possible for research data to work in concert with existing digital libraries, archives, and repositories (Palmer, Renear and Cragin, 2007). Increasingly, this work is aimed at improving data quality, guaranteeing authentication of digital resources throughout a lifecycle of us e and reuse, and capturing provenance of scholarly activities using workflow technologies.</a:t>
-            </a:r>
-          </a:p>
-          <a:p>
-            <a:endParaRPr lang="en-US" dirty="0" smtClean="0"/>
+              <a:t>Steward of physical objects </a:t>
+            </a:r>
+            <a:r>
+              <a:rPr lang="en-US" baseline="0" dirty="0" smtClean="0"/>
+              <a:t> …. </a:t>
+            </a:r>
+            <a:r>
+              <a:rPr lang="en-US" dirty="0" smtClean="0"/>
+              <a:t>preservation, and meaningful arrangement of material collection</a:t>
+            </a:r>
+            <a:r>
+              <a:rPr lang="en-US" baseline="0" dirty="0" smtClean="0"/>
+              <a:t> … </a:t>
+            </a:r>
+          </a:p>
+          <a:p>
+            <a:endParaRPr lang="en-US" baseline="0" dirty="0" smtClean="0"/>
           </a:p>
           <a:p>
             <a:endParaRPr lang="en-US" dirty="0"/>
@@ -855,7 +879,7 @@
           <a:p>
             <a:fld id="{2D6AA457-920D-9C48-BD45-58BDD0C705B6}" type="slidenum">
               <a:rPr lang="en-US" smtClean="0"/>
-              <a:t>26</a:t>
+              <a:t>25</a:t>
             </a:fld>
             <a:endParaRPr lang="en-US"/>
           </a:p>
@@ -864,7 +888,7 @@
     </p:spTree>
     <p:extLst>
       <p:ext uri="{BB962C8B-B14F-4D97-AF65-F5344CB8AC3E}">
-        <p14:creationId xmlns:p14="http://schemas.microsoft.com/office/powerpoint/2010/main" val="1669931513"/>
+        <p14:creationId xmlns:p14="http://schemas.microsoft.com/office/powerpoint/2010/main" val="1073897848"/>
       </p:ext>
     </p:extLst>
   </p:cSld>
@@ -920,7 +944,7 @@
           <a:p>
             <a:r>
               <a:rPr lang="en-US" dirty="0" smtClean="0"/>
-              <a:t>Explain roles</a:t>
+              <a:t>Over time the concept has been transferred from the context of physical specimens found in natural history museums or the thematic collections of art, to a digital environment where the curatorial roles of stewardship, preservation and meaningful arrangement have taken on new meanings (Weber et al, 2013).</a:t>
             </a:r>
           </a:p>
           <a:p>
@@ -929,18 +953,14 @@
           <a:p>
             <a:r>
               <a:rPr lang="en-US" dirty="0" smtClean="0"/>
-              <a:t>Explain then the concept</a:t>
-            </a:r>
-            <a:r>
-              <a:rPr lang="en-US" baseline="0" dirty="0" smtClean="0"/>
-              <a:t> of data curation… </a:t>
-            </a:r>
-          </a:p>
-          <a:p>
-            <a:endParaRPr lang="en-US" baseline="0" smtClean="0"/>
-          </a:p>
-          <a:p>
-            <a:endParaRPr lang="en-US"/>
+              <a:t>In a scholarly environment curatorial roles include developing indexing systems, metadata standards, ontologies, and retrieval systems that will make it possible for research data to work in concert with existing digital libraries, archives, and repositories (Palmer, Renear and Cragin, 2007). Increasingly, this work is aimed at improving data quality, guaranteeing authentication of digital resources throughout a lifecycle of us e and reuse, and capturing provenance of scholarly activities using workflow technologies.</a:t>
+            </a:r>
+          </a:p>
+          <a:p>
+            <a:endParaRPr lang="en-US" dirty="0" smtClean="0"/>
+          </a:p>
+          <a:p>
+            <a:endParaRPr lang="en-US" dirty="0"/>
           </a:p>
         </p:txBody>
       </p:sp>
@@ -970,7 +990,7 @@
     </p:spTree>
     <p:extLst>
       <p:ext uri="{BB962C8B-B14F-4D97-AF65-F5344CB8AC3E}">
-        <p14:creationId xmlns:p14="http://schemas.microsoft.com/office/powerpoint/2010/main" val="2265920487"/>
+        <p14:creationId xmlns:p14="http://schemas.microsoft.com/office/powerpoint/2010/main" val="1669931513"/>
       </p:ext>
     </p:extLst>
   </p:cSld>
@@ -1025,6 +1045,112 @@
           <a:lstStyle/>
           <a:p>
             <a:r>
+              <a:rPr lang="en-US" dirty="0" smtClean="0"/>
+              <a:t>Explain roles</a:t>
+            </a:r>
+          </a:p>
+          <a:p>
+            <a:endParaRPr lang="en-US" dirty="0" smtClean="0"/>
+          </a:p>
+          <a:p>
+            <a:r>
+              <a:rPr lang="en-US" dirty="0" smtClean="0"/>
+              <a:t>Explain then the concept</a:t>
+            </a:r>
+            <a:r>
+              <a:rPr lang="en-US" baseline="0" dirty="0" smtClean="0"/>
+              <a:t> of data curation… </a:t>
+            </a:r>
+          </a:p>
+          <a:p>
+            <a:endParaRPr lang="en-US" baseline="0" smtClean="0"/>
+          </a:p>
+          <a:p>
+            <a:endParaRPr lang="en-US"/>
+          </a:p>
+        </p:txBody>
+      </p:sp>
+      <p:sp>
+        <p:nvSpPr>
+          <p:cNvPr id="4" name="Slide Number Placeholder 3"/>
+          <p:cNvSpPr>
+            <a:spLocks noGrp="1"/>
+          </p:cNvSpPr>
+          <p:nvPr>
+            <p:ph type="sldNum" sz="quarter" idx="10"/>
+          </p:nvPr>
+        </p:nvSpPr>
+        <p:spPr/>
+        <p:txBody>
+          <a:bodyPr/>
+          <a:lstStyle/>
+          <a:p>
+            <a:fld id="{2D6AA457-920D-9C48-BD45-58BDD0C705B6}" type="slidenum">
+              <a:rPr lang="en-US" smtClean="0"/>
+              <a:t>28</a:t>
+            </a:fld>
+            <a:endParaRPr lang="en-US"/>
+          </a:p>
+        </p:txBody>
+      </p:sp>
+    </p:spTree>
+    <p:extLst>
+      <p:ext uri="{BB962C8B-B14F-4D97-AF65-F5344CB8AC3E}">
+        <p14:creationId xmlns:p14="http://schemas.microsoft.com/office/powerpoint/2010/main" val="2265920487"/>
+      </p:ext>
+    </p:extLst>
+  </p:cSld>
+  <p:clrMapOvr>
+    <a:masterClrMapping/>
+  </p:clrMapOvr>
+</p:notes>
+</file>
+
+<file path=ppt/notesSlides/notesSlide15.xml><?xml version="1.0" encoding="utf-8"?>
+<p:notes xmlns:a="http://schemas.openxmlformats.org/drawingml/2006/main" xmlns:r="http://schemas.openxmlformats.org/officeDocument/2006/relationships" xmlns:p="http://schemas.openxmlformats.org/presentationml/2006/main">
+  <p:cSld>
+    <p:spTree>
+      <p:nvGrpSpPr>
+        <p:cNvPr id="1" name=""/>
+        <p:cNvGrpSpPr/>
+        <p:nvPr/>
+      </p:nvGrpSpPr>
+      <p:grpSpPr>
+        <a:xfrm>
+          <a:off x="0" y="0"/>
+          <a:ext cx="0" cy="0"/>
+          <a:chOff x="0" y="0"/>
+          <a:chExt cx="0" cy="0"/>
+        </a:xfrm>
+      </p:grpSpPr>
+      <p:sp>
+        <p:nvSpPr>
+          <p:cNvPr id="2" name="Slide Image Placeholder 1"/>
+          <p:cNvSpPr>
+            <a:spLocks noGrp="1" noRot="1" noChangeAspect="1"/>
+          </p:cNvSpPr>
+          <p:nvPr>
+            <p:ph type="sldImg"/>
+          </p:nvPr>
+        </p:nvSpPr>
+        <p:spPr/>
+      </p:sp>
+      <p:sp>
+        <p:nvSpPr>
+          <p:cNvPr id="3" name="Notes Placeholder 2"/>
+          <p:cNvSpPr>
+            <a:spLocks noGrp="1"/>
+          </p:cNvSpPr>
+          <p:nvPr>
+            <p:ph type="body" idx="1"/>
+          </p:nvPr>
+        </p:nvSpPr>
+        <p:spPr/>
+        <p:txBody>
+          <a:bodyPr/>
+          <a:lstStyle/>
+          <a:p>
+            <a:r>
               <a:rPr lang="en-US" smtClean="0"/>
               <a:t>All together now</a:t>
             </a:r>
@@ -1049,7 +1175,7 @@
           <a:p>
             <a:fld id="{2D6AA457-920D-9C48-BD45-58BDD0C705B6}" type="slidenum">
               <a:rPr lang="en-US" smtClean="0"/>
-              <a:t>28</a:t>
+              <a:t>29</a:t>
             </a:fld>
             <a:endParaRPr lang="en-US"/>
           </a:p>
@@ -1408,11 +1534,7 @@
           <a:p>
             <a:r>
               <a:rPr lang="en-US" dirty="0" smtClean="0"/>
-              <a:t>We </a:t>
-            </a:r>
-            <a:r>
-              <a:rPr lang="en-US" dirty="0" smtClean="0"/>
-              <a:t>should want to improve this process,</a:t>
+              <a:t>We should want to improve this process,</a:t>
             </a:r>
             <a:r>
               <a:rPr lang="en-US" baseline="0" dirty="0" smtClean="0"/>
@@ -1531,11 +1653,7 @@
           <a:p>
             <a:r>
               <a:rPr lang="en-US" dirty="0" smtClean="0"/>
-              <a:t>http</a:t>
-            </a:r>
-            <a:r>
-              <a:rPr lang="en-US" dirty="0" smtClean="0"/>
-              <a:t>://</a:t>
+              <a:t>http://</a:t>
             </a:r>
             <a:r>
               <a:rPr lang="en-US" dirty="0" err="1" smtClean="0"/>
@@ -1757,11 +1875,11 @@
           <a:p>
             <a:r>
               <a:rPr lang="en-US" dirty="0" smtClean="0"/>
-              <a:t>It helps to understand – first – what we</a:t>
+              <a:t>Problem is that requests</a:t>
             </a:r>
             <a:r>
               <a:rPr lang="en-US" baseline="0" dirty="0" smtClean="0"/>
-              <a:t> mean when we talk about data, and what we mean when we talk about curation</a:t>
+              <a:t> are rarely granted … </a:t>
             </a:r>
             <a:endParaRPr lang="en-US" dirty="0"/>
           </a:p>
@@ -1784,7 +1902,7 @@
           <a:p>
             <a:fld id="{2D6AA457-920D-9C48-BD45-58BDD0C705B6}" type="slidenum">
               <a:rPr lang="en-US" smtClean="0"/>
-              <a:t>12</a:t>
+              <a:t>11</a:t>
             </a:fld>
             <a:endParaRPr lang="en-US"/>
           </a:p>
@@ -1793,7 +1911,7 @@
     </p:spTree>
     <p:extLst>
       <p:ext uri="{BB962C8B-B14F-4D97-AF65-F5344CB8AC3E}">
-        <p14:creationId xmlns:p14="http://schemas.microsoft.com/office/powerpoint/2010/main" val="3725349141"/>
+        <p14:creationId xmlns:p14="http://schemas.microsoft.com/office/powerpoint/2010/main" val="4269899240"/>
       </p:ext>
     </p:extLst>
   </p:cSld>
@@ -1849,45 +1967,12 @@
           <a:p>
             <a:r>
               <a:rPr lang="en-US" dirty="0" smtClean="0"/>
-              <a:t>Note that in this definition we do not make a distinction about these informational resources being digital; research data could include any number of physical objects, such as a biological specimen, an architectural blue print, a paper map, etc.</a:t>
-            </a:r>
-          </a:p>
-          <a:p>
-            <a:endParaRPr lang="en-US" dirty="0" smtClean="0"/>
-          </a:p>
-          <a:p>
-            <a:r>
-              <a:rPr lang="en-US" dirty="0" smtClean="0"/>
-              <a:t>The focus of this workshop will be on the curation of digital data. However, there are times when it is necessary to consider how digital data are linked to other forms of physical data - as we discuss in later sessions related to provenance and workflow technologies. </a:t>
-            </a:r>
-          </a:p>
-          <a:p>
-            <a:endParaRPr lang="en-US" dirty="0" smtClean="0"/>
-          </a:p>
-          <a:p>
-            <a:pPr marL="0" marR="0" indent="0" algn="l" defTabSz="457200" rtl="0" eaLnBrk="1" fontAlgn="auto" latinLnBrk="0" hangingPunct="1">
-              <a:lnSpc>
-                <a:spcPct val="100000"/>
-              </a:lnSpc>
-              <a:spcBef>
-                <a:spcPts val="0"/>
-              </a:spcBef>
-              <a:spcAft>
-                <a:spcPts val="0"/>
-              </a:spcAft>
-              <a:buClrTx/>
-              <a:buSzTx/>
-              <a:buFontTx/>
-              <a:buNone/>
-              <a:tabLst/>
-              <a:defRPr/>
-            </a:pPr>
-            <a:r>
-              <a:rPr lang="en-US" dirty="0" smtClean="0"/>
-              <a:t>The verifiability, and validity of a new knowledge claim within most scientific domains is often dependent upon access to underlying data - which makes the curation of this material a vital part of contemporary scientific practice. </a:t>
-            </a:r>
-          </a:p>
-          <a:p>
+              <a:t>It helps to understand – first – what we</a:t>
+            </a:r>
+            <a:r>
+              <a:rPr lang="en-US" baseline="0" dirty="0" smtClean="0"/>
+              <a:t> mean when we talk about data, and what we mean when we talk about curation</a:t>
+            </a:r>
             <a:endParaRPr lang="en-US" dirty="0"/>
           </a:p>
         </p:txBody>
@@ -1909,7 +1994,7 @@
           <a:p>
             <a:fld id="{2D6AA457-920D-9C48-BD45-58BDD0C705B6}" type="slidenum">
               <a:rPr lang="en-US" smtClean="0"/>
-              <a:t>18</a:t>
+              <a:t>13</a:t>
             </a:fld>
             <a:endParaRPr lang="en-US"/>
           </a:p>
@@ -1918,7 +2003,7 @@
     </p:spTree>
     <p:extLst>
       <p:ext uri="{BB962C8B-B14F-4D97-AF65-F5344CB8AC3E}">
-        <p14:creationId xmlns:p14="http://schemas.microsoft.com/office/powerpoint/2010/main" val="3583755103"/>
+        <p14:creationId xmlns:p14="http://schemas.microsoft.com/office/powerpoint/2010/main" val="3725349141"/>
       </p:ext>
     </p:extLst>
   </p:cSld>
@@ -2109,7 +2194,7 @@
           <a:p>
             <a:fld id="{9D6228D5-5F93-BB4A-964B-203967C46295}" type="datetimeFigureOut">
               <a:rPr lang="en-US" smtClean="0"/>
-              <a:t>2/14/15</a:t>
+              <a:t>2/23/15</a:t>
             </a:fld>
             <a:endParaRPr lang="en-US"/>
           </a:p>
@@ -2279,7 +2364,7 @@
           <a:p>
             <a:fld id="{9D6228D5-5F93-BB4A-964B-203967C46295}" type="datetimeFigureOut">
               <a:rPr lang="en-US" smtClean="0"/>
-              <a:t>2/14/15</a:t>
+              <a:t>2/23/15</a:t>
             </a:fld>
             <a:endParaRPr lang="en-US"/>
           </a:p>
@@ -2459,7 +2544,7 @@
           <a:p>
             <a:fld id="{9D6228D5-5F93-BB4A-964B-203967C46295}" type="datetimeFigureOut">
               <a:rPr lang="en-US" smtClean="0"/>
-              <a:t>2/14/15</a:t>
+              <a:t>2/23/15</a:t>
             </a:fld>
             <a:endParaRPr lang="en-US"/>
           </a:p>
@@ -2629,7 +2714,7 @@
           <a:p>
             <a:fld id="{9D6228D5-5F93-BB4A-964B-203967C46295}" type="datetimeFigureOut">
               <a:rPr lang="en-US" smtClean="0"/>
-              <a:t>2/14/15</a:t>
+              <a:t>2/23/15</a:t>
             </a:fld>
             <a:endParaRPr lang="en-US"/>
           </a:p>
@@ -2875,7 +2960,7 @@
           <a:p>
             <a:fld id="{9D6228D5-5F93-BB4A-964B-203967C46295}" type="datetimeFigureOut">
               <a:rPr lang="en-US" smtClean="0"/>
-              <a:t>2/14/15</a:t>
+              <a:t>2/23/15</a:t>
             </a:fld>
             <a:endParaRPr lang="en-US"/>
           </a:p>
@@ -3163,7 +3248,7 @@
           <a:p>
             <a:fld id="{9D6228D5-5F93-BB4A-964B-203967C46295}" type="datetimeFigureOut">
               <a:rPr lang="en-US" smtClean="0"/>
-              <a:t>2/14/15</a:t>
+              <a:t>2/23/15</a:t>
             </a:fld>
             <a:endParaRPr lang="en-US"/>
           </a:p>
@@ -3585,7 +3670,7 @@
           <a:p>
             <a:fld id="{9D6228D5-5F93-BB4A-964B-203967C46295}" type="datetimeFigureOut">
               <a:rPr lang="en-US" smtClean="0"/>
-              <a:t>2/14/15</a:t>
+              <a:t>2/23/15</a:t>
             </a:fld>
             <a:endParaRPr lang="en-US"/>
           </a:p>
@@ -3703,7 +3788,7 @@
           <a:p>
             <a:fld id="{9D6228D5-5F93-BB4A-964B-203967C46295}" type="datetimeFigureOut">
               <a:rPr lang="en-US" smtClean="0"/>
-              <a:t>2/14/15</a:t>
+              <a:t>2/23/15</a:t>
             </a:fld>
             <a:endParaRPr lang="en-US"/>
           </a:p>
@@ -3798,7 +3883,7 @@
           <a:p>
             <a:fld id="{9D6228D5-5F93-BB4A-964B-203967C46295}" type="datetimeFigureOut">
               <a:rPr lang="en-US" smtClean="0"/>
-              <a:t>2/14/15</a:t>
+              <a:t>2/23/15</a:t>
             </a:fld>
             <a:endParaRPr lang="en-US"/>
           </a:p>
@@ -4075,7 +4160,7 @@
           <a:p>
             <a:fld id="{9D6228D5-5F93-BB4A-964B-203967C46295}" type="datetimeFigureOut">
               <a:rPr lang="en-US" smtClean="0"/>
-              <a:t>2/14/15</a:t>
+              <a:t>2/23/15</a:t>
             </a:fld>
             <a:endParaRPr lang="en-US"/>
           </a:p>
@@ -4332,7 +4417,7 @@
           <a:p>
             <a:fld id="{9D6228D5-5F93-BB4A-964B-203967C46295}" type="datetimeFigureOut">
               <a:rPr lang="en-US" smtClean="0"/>
-              <a:t>2/14/15</a:t>
+              <a:t>2/23/15</a:t>
             </a:fld>
             <a:endParaRPr lang="en-US"/>
           </a:p>
@@ -4545,7 +4630,7 @@
           <a:p>
             <a:fld id="{9D6228D5-5F93-BB4A-964B-203967C46295}" type="datetimeFigureOut">
               <a:rPr lang="en-US" smtClean="0"/>
-              <a:t>2/14/15</a:t>
+              <a:t>2/23/15</a:t>
             </a:fld>
             <a:endParaRPr lang="en-US"/>
           </a:p>
@@ -5213,26 +5298,17 @@
             <p:ph type="title"/>
           </p:nvPr>
         </p:nvSpPr>
-        <p:spPr>
-          <a:xfrm>
-            <a:off x="457200" y="2200805"/>
-            <a:ext cx="8229600" cy="1143000"/>
-          </a:xfrm>
-        </p:spPr>
+        <p:spPr/>
         <p:txBody>
           <a:bodyPr>
-            <a:normAutofit fontScale="90000"/>
+            <a:normAutofit/>
           </a:bodyPr>
           <a:lstStyle/>
           <a:p>
-            <a:pPr algn="l"/>
-            <a:r>
-              <a:rPr lang="en-US" dirty="0" smtClean="0"/>
-              <a:t>Data curation is a response to each of these concerns: </a:t>
-            </a:r>
-            <a:br>
-              <a:rPr lang="en-US" dirty="0" smtClean="0"/>
-            </a:br>
+            <a:r>
+              <a:rPr lang="en-US" dirty="0" smtClean="0"/>
+              <a:t>Access to ‘Data on Request’</a:t>
+            </a:r>
             <a:r>
               <a:rPr lang="en-US" dirty="0"/>
               <a:t/>
@@ -5241,23 +5317,116 @@
               <a:rPr lang="en-US" dirty="0"/>
             </a:br>
             <a:r>
-              <a:rPr lang="en-US" dirty="0" smtClean="0"/>
-              <a:t>1. Compliance with policy</a:t>
-            </a:r>
-            <a:br>
-              <a:rPr lang="en-US" dirty="0" smtClean="0"/>
-            </a:br>
-            <a:r>
-              <a:rPr lang="en-US" dirty="0" smtClean="0"/>
-              <a:t>2. Economic efficiency</a:t>
-            </a:r>
-            <a:br>
-              <a:rPr lang="en-US" dirty="0" smtClean="0"/>
-            </a:br>
-            <a:r>
-              <a:rPr lang="en-US" dirty="0" smtClean="0"/>
-              <a:t>3. Maximizes value of institutional assets</a:t>
-            </a:r>
+              <a:rPr lang="en-US" sz="1600" dirty="0" err="1"/>
+              <a:t>Wicherts</a:t>
+            </a:r>
+            <a:r>
+              <a:rPr lang="en-US" sz="1600" dirty="0"/>
+              <a:t>, </a:t>
+            </a:r>
+            <a:r>
+              <a:rPr lang="en-US" sz="1600" dirty="0" err="1"/>
+              <a:t>Borsboom</a:t>
+            </a:r>
+            <a:r>
+              <a:rPr lang="en-US" sz="1600" dirty="0"/>
+              <a:t>, Kats, &amp; </a:t>
+            </a:r>
+            <a:r>
+              <a:rPr lang="en-US" sz="1600" dirty="0" err="1"/>
+              <a:t>Molenaar</a:t>
+            </a:r>
+            <a:r>
+              <a:rPr lang="en-US" sz="1600" dirty="0"/>
+              <a:t> (2006</a:t>
+            </a:r>
+            <a:r>
+              <a:rPr lang="en-US" sz="1600" dirty="0" smtClean="0"/>
+              <a:t>)</a:t>
+            </a:r>
+            <a:endParaRPr lang="en-US" sz="1600" dirty="0"/>
+          </a:p>
+        </p:txBody>
+      </p:sp>
+      <p:sp>
+        <p:nvSpPr>
+          <p:cNvPr id="3" name="Content Placeholder 2"/>
+          <p:cNvSpPr>
+            <a:spLocks noGrp="1"/>
+          </p:cNvSpPr>
+          <p:nvPr>
+            <p:ph idx="1"/>
+          </p:nvPr>
+        </p:nvSpPr>
+        <p:spPr/>
+        <p:txBody>
+          <a:bodyPr/>
+          <a:lstStyle/>
+          <a:p>
+            <a:r>
+              <a:rPr lang="en-US" dirty="0" smtClean="0"/>
+              <a:t>149 authors</a:t>
+            </a:r>
+            <a:endParaRPr lang="en-US" dirty="0"/>
+          </a:p>
+          <a:p>
+            <a:pPr>
+              <a:tabLst>
+                <a:tab pos="7948613" algn="l"/>
+              </a:tabLst>
+            </a:pPr>
+            <a:r>
+              <a:rPr lang="en-US" dirty="0" smtClean="0"/>
+              <a:t>249 </a:t>
+            </a:r>
+            <a:r>
+              <a:rPr lang="en-US" dirty="0"/>
+              <a:t>data sets that had appeared then recently in American </a:t>
+            </a:r>
+            <a:r>
+              <a:rPr lang="en-US" dirty="0" smtClean="0"/>
+              <a:t>Psychological Association journals.</a:t>
+            </a:r>
+          </a:p>
+          <a:p>
+            <a:r>
+              <a:rPr lang="en-US" dirty="0" smtClean="0"/>
+              <a:t>Only </a:t>
+            </a:r>
+            <a:r>
+              <a:rPr lang="en-US" dirty="0"/>
+              <a:t>11% complied with the initial request, </a:t>
+            </a:r>
+            <a:endParaRPr lang="en-US" dirty="0" smtClean="0"/>
+          </a:p>
+          <a:p>
+            <a:r>
+              <a:rPr lang="en-US" dirty="0" smtClean="0"/>
+              <a:t>16</a:t>
+            </a:r>
+            <a:r>
+              <a:rPr lang="en-US" dirty="0"/>
+              <a:t>% with repeated requests. </a:t>
+            </a:r>
+            <a:endParaRPr lang="en-US" dirty="0"/>
+          </a:p>
+          <a:p>
+            <a:pPr marL="0" indent="0">
+              <a:buNone/>
+            </a:pPr>
+            <a:endParaRPr lang="en-US" dirty="0"/>
+          </a:p>
+          <a:p>
+            <a:pPr marL="0" indent="0">
+              <a:buNone/>
+            </a:pPr>
+            <a:r>
+              <a:rPr lang="en-US" b="1" dirty="0" smtClean="0"/>
+              <a:t>73% refused to release their work</a:t>
+            </a:r>
+            <a:endParaRPr lang="en-US" b="1" dirty="0"/>
+          </a:p>
+          <a:p>
             <a:endParaRPr lang="en-US" dirty="0"/>
           </a:p>
         </p:txBody>
@@ -5265,7 +5434,7 @@
     </p:spTree>
     <p:extLst>
       <p:ext uri="{BB962C8B-B14F-4D97-AF65-F5344CB8AC3E}">
-        <p14:creationId xmlns:p14="http://schemas.microsoft.com/office/powerpoint/2010/main" val="1152081841"/>
+        <p14:creationId xmlns:p14="http://schemas.microsoft.com/office/powerpoint/2010/main" val="1293351446"/>
       </p:ext>
     </p:extLst>
   </p:cSld>
@@ -5302,6 +5471,95 @@
             <p:ph type="title"/>
           </p:nvPr>
         </p:nvSpPr>
+        <p:spPr>
+          <a:xfrm>
+            <a:off x="457200" y="2200805"/>
+            <a:ext cx="8229600" cy="1143000"/>
+          </a:xfrm>
+        </p:spPr>
+        <p:txBody>
+          <a:bodyPr>
+            <a:normAutofit fontScale="90000"/>
+          </a:bodyPr>
+          <a:lstStyle/>
+          <a:p>
+            <a:pPr algn="l"/>
+            <a:r>
+              <a:rPr lang="en-US" dirty="0" smtClean="0"/>
+              <a:t>Data curation is a response to each of these concerns: </a:t>
+            </a:r>
+            <a:br>
+              <a:rPr lang="en-US" dirty="0" smtClean="0"/>
+            </a:br>
+            <a:r>
+              <a:rPr lang="en-US" dirty="0"/>
+              <a:t/>
+            </a:r>
+            <a:br>
+              <a:rPr lang="en-US" dirty="0"/>
+            </a:br>
+            <a:r>
+              <a:rPr lang="en-US" dirty="0" smtClean="0"/>
+              <a:t>1. Compliance with policy</a:t>
+            </a:r>
+            <a:br>
+              <a:rPr lang="en-US" dirty="0" smtClean="0"/>
+            </a:br>
+            <a:r>
+              <a:rPr lang="en-US" dirty="0" smtClean="0"/>
+              <a:t>2. Economic efficiency</a:t>
+            </a:r>
+            <a:br>
+              <a:rPr lang="en-US" dirty="0" smtClean="0"/>
+            </a:br>
+            <a:r>
+              <a:rPr lang="en-US" dirty="0" smtClean="0"/>
+              <a:t>3. Maximizes value of institutional assets</a:t>
+            </a:r>
+            <a:endParaRPr lang="en-US" dirty="0"/>
+          </a:p>
+        </p:txBody>
+      </p:sp>
+    </p:spTree>
+    <p:extLst>
+      <p:ext uri="{BB962C8B-B14F-4D97-AF65-F5344CB8AC3E}">
+        <p14:creationId xmlns:p14="http://schemas.microsoft.com/office/powerpoint/2010/main" val="1152081841"/>
+      </p:ext>
+    </p:extLst>
+  </p:cSld>
+  <p:clrMapOvr>
+    <a:masterClrMapping/>
+  </p:clrMapOvr>
+</p:sld>
+</file>
+
+<file path=ppt/slides/slide13.xml><?xml version="1.0" encoding="utf-8"?>
+<p:sld xmlns:a="http://schemas.openxmlformats.org/drawingml/2006/main" xmlns:r="http://schemas.openxmlformats.org/officeDocument/2006/relationships" xmlns:p="http://schemas.openxmlformats.org/presentationml/2006/main">
+  <p:cSld>
+    <p:spTree>
+      <p:nvGrpSpPr>
+        <p:cNvPr id="1" name=""/>
+        <p:cNvGrpSpPr/>
+        <p:nvPr/>
+      </p:nvGrpSpPr>
+      <p:grpSpPr>
+        <a:xfrm>
+          <a:off x="0" y="0"/>
+          <a:ext cx="0" cy="0"/>
+          <a:chOff x="0" y="0"/>
+          <a:chExt cx="0" cy="0"/>
+        </a:xfrm>
+      </p:grpSpPr>
+      <p:sp>
+        <p:nvSpPr>
+          <p:cNvPr id="2" name="Title 1"/>
+          <p:cNvSpPr>
+            <a:spLocks noGrp="1"/>
+          </p:cNvSpPr>
+          <p:nvPr>
+            <p:ph type="title"/>
+          </p:nvPr>
+        </p:nvSpPr>
         <p:spPr/>
         <p:txBody>
           <a:bodyPr/>
@@ -5400,7 +5658,7 @@
 </p:sld>
 </file>
 
-<file path=ppt/slides/slide13.xml><?xml version="1.0" encoding="utf-8"?>
+<file path=ppt/slides/slide14.xml><?xml version="1.0" encoding="utf-8"?>
 <p:sld xmlns:a="http://schemas.openxmlformats.org/drawingml/2006/main" xmlns:r="http://schemas.openxmlformats.org/officeDocument/2006/relationships" xmlns:p="http://schemas.openxmlformats.org/presentationml/2006/main">
   <p:cSld>
     <p:spTree>
@@ -5569,104 +5827,6 @@
 </p:sld>
 </file>
 
-<file path=ppt/slides/slide14.xml><?xml version="1.0" encoding="utf-8"?>
-<p:sld xmlns:a="http://schemas.openxmlformats.org/drawingml/2006/main" xmlns:r="http://schemas.openxmlformats.org/officeDocument/2006/relationships" xmlns:p="http://schemas.openxmlformats.org/presentationml/2006/main">
-  <p:cSld>
-    <p:spTree>
-      <p:nvGrpSpPr>
-        <p:cNvPr id="1" name=""/>
-        <p:cNvGrpSpPr/>
-        <p:nvPr/>
-      </p:nvGrpSpPr>
-      <p:grpSpPr>
-        <a:xfrm>
-          <a:off x="0" y="0"/>
-          <a:ext cx="0" cy="0"/>
-          <a:chOff x="0" y="0"/>
-          <a:chExt cx="0" cy="0"/>
-        </a:xfrm>
-      </p:grpSpPr>
-      <p:sp>
-        <p:nvSpPr>
-          <p:cNvPr id="2" name="Title 1"/>
-          <p:cNvSpPr>
-            <a:spLocks noGrp="1"/>
-          </p:cNvSpPr>
-          <p:nvPr>
-            <p:ph type="title"/>
-          </p:nvPr>
-        </p:nvSpPr>
-        <p:spPr/>
-        <p:txBody>
-          <a:bodyPr/>
-          <a:lstStyle/>
-          <a:p>
-            <a:r>
-              <a:rPr lang="en-US" dirty="0" smtClean="0"/>
-              <a:t>Data</a:t>
-            </a:r>
-            <a:endParaRPr lang="en-US" dirty="0"/>
-          </a:p>
-        </p:txBody>
-      </p:sp>
-      <p:sp>
-        <p:nvSpPr>
-          <p:cNvPr id="3" name="Content Placeholder 2"/>
-          <p:cNvSpPr>
-            <a:spLocks noGrp="1"/>
-          </p:cNvSpPr>
-          <p:nvPr>
-            <p:ph idx="1"/>
-          </p:nvPr>
-        </p:nvSpPr>
-        <p:spPr/>
-        <p:txBody>
-          <a:bodyPr/>
-          <a:lstStyle/>
-          <a:p>
-            <a:pPr marL="0" indent="0" algn="ctr">
-              <a:buNone/>
-            </a:pPr>
-            <a:endParaRPr lang="en-US" dirty="0" smtClean="0"/>
-          </a:p>
-          <a:p>
-            <a:pPr marL="0" indent="0" algn="ctr">
-              <a:buNone/>
-            </a:pPr>
-            <a:endParaRPr lang="en-US" dirty="0" smtClean="0"/>
-          </a:p>
-          <a:p>
-            <a:pPr marL="0" indent="0" algn="ctr">
-              <a:buNone/>
-            </a:pPr>
-            <a:r>
-              <a:rPr lang="en-US" dirty="0" smtClean="0"/>
-              <a:t>Asking </a:t>
-            </a:r>
-            <a:r>
-              <a:rPr lang="en-US" i="1" dirty="0" smtClean="0"/>
-              <a:t>what </a:t>
-            </a:r>
-            <a:r>
-              <a:rPr lang="en-US" dirty="0" smtClean="0"/>
-              <a:t>are data isn’t the right question…</a:t>
-            </a:r>
-          </a:p>
-        </p:txBody>
-      </p:sp>
-    </p:spTree>
-    <p:extLst>
-      <p:ext uri="{BB962C8B-B14F-4D97-AF65-F5344CB8AC3E}">
-        <p14:creationId xmlns:p14="http://schemas.microsoft.com/office/powerpoint/2010/main" val="3134134872"/>
-      </p:ext>
-    </p:extLst>
-  </p:cSld>
-  <p:clrMapOvr>
-    <a:masterClrMapping/>
-  </p:clrMapOvr>
-</p:sld>
-</file>
-
 <file path=ppt/slides/slide15.xml><?xml version="1.0" encoding="utf-8"?>
 <p:sld xmlns:a="http://schemas.openxmlformats.org/drawingml/2006/main" xmlns:r="http://schemas.openxmlformats.org/officeDocument/2006/relationships" xmlns:p="http://schemas.openxmlformats.org/presentationml/2006/main">
   <p:cSld>
@@ -5701,7 +5861,7 @@
           <a:p>
             <a:r>
               <a:rPr lang="en-US" dirty="0" smtClean="0"/>
-              <a:t>Data as a role, not a type</a:t>
+              <a:t>Data</a:t>
             </a:r>
             <a:endParaRPr lang="en-US" dirty="0"/>
           </a:p>
@@ -5731,26 +5891,31 @@
             <a:pPr marL="0" indent="0" algn="ctr">
               <a:buNone/>
             </a:pPr>
-            <a:r>
-              <a:rPr lang="en-US" dirty="0" smtClean="0"/>
-              <a:t>Instead, we think about data as an information object (of various types) that plays a              certain </a:t>
-            </a:r>
-            <a:r>
-              <a:rPr lang="en-US" b="1" dirty="0" smtClean="0"/>
-              <a:t>role </a:t>
-            </a:r>
-            <a:r>
-              <a:rPr lang="en-US" dirty="0" smtClean="0"/>
-              <a:t>within a community of practice.</a:t>
-            </a:r>
-            <a:endParaRPr lang="en-US" dirty="0"/>
+            <a:endParaRPr lang="en-US" dirty="0" smtClean="0"/>
+          </a:p>
+          <a:p>
+            <a:pPr marL="0" indent="0" algn="ctr">
+              <a:buNone/>
+            </a:pPr>
+            <a:r>
+              <a:rPr lang="en-US" dirty="0" smtClean="0"/>
+              <a:t>Asking </a:t>
+            </a:r>
+            <a:r>
+              <a:rPr lang="en-US" i="1" dirty="0" smtClean="0"/>
+              <a:t>what </a:t>
+            </a:r>
+            <a:r>
+              <a:rPr lang="en-US" dirty="0" smtClean="0"/>
+              <a:t>are data isn’t the right question…</a:t>
+            </a:r>
           </a:p>
         </p:txBody>
       </p:sp>
     </p:spTree>
     <p:extLst>
       <p:ext uri="{BB962C8B-B14F-4D97-AF65-F5344CB8AC3E}">
-        <p14:creationId xmlns:p14="http://schemas.microsoft.com/office/powerpoint/2010/main" val="1019812874"/>
+        <p14:creationId xmlns:p14="http://schemas.microsoft.com/office/powerpoint/2010/main" val="3134134872"/>
       </p:ext>
     </p:extLst>
   </p:cSld>
@@ -5794,7 +5959,7 @@
           <a:p>
             <a:r>
               <a:rPr lang="en-US" dirty="0" smtClean="0"/>
-              <a:t>Data</a:t>
+              <a:t>Data as a role, not a type</a:t>
             </a:r>
             <a:endParaRPr lang="en-US" dirty="0"/>
           </a:p>
@@ -5825,47 +5990,16 @@
               <a:buNone/>
             </a:pPr>
             <a:r>
-              <a:rPr lang="en-US" dirty="0" smtClean="0">
-                <a:solidFill>
-                  <a:srgbClr val="A6A6A6"/>
-                </a:solidFill>
-              </a:rPr>
+              <a:rPr lang="en-US" dirty="0" smtClean="0"/>
               <a:t>Instead, we think about data as an information object (of various types) that plays a              certain </a:t>
             </a:r>
             <a:r>
-              <a:rPr lang="en-US" b="1" dirty="0" smtClean="0">
-                <a:solidFill>
-                  <a:srgbClr val="A6A6A6"/>
-                </a:solidFill>
-              </a:rPr>
+              <a:rPr lang="en-US" b="1" dirty="0" smtClean="0"/>
               <a:t>role </a:t>
             </a:r>
             <a:r>
-              <a:rPr lang="en-US" dirty="0" smtClean="0">
-                <a:solidFill>
-                  <a:srgbClr val="A6A6A6"/>
-                </a:solidFill>
-              </a:rPr>
+              <a:rPr lang="en-US" dirty="0" smtClean="0"/>
               <a:t>within a community of practice.</a:t>
-            </a:r>
-          </a:p>
-          <a:p>
-            <a:pPr marL="0" indent="0" algn="ctr">
-              <a:buNone/>
-            </a:pPr>
-            <a:endParaRPr lang="en-US" dirty="0">
-              <a:solidFill>
-                <a:srgbClr val="A6A6A6"/>
-              </a:solidFill>
-            </a:endParaRPr>
-          </a:p>
-          <a:p>
-            <a:pPr marL="0" indent="0" algn="ctr">
-              <a:buNone/>
-            </a:pPr>
-            <a:r>
-              <a:rPr lang="en-US" dirty="0" smtClean="0"/>
-              <a:t>The role that data play in a scholarly community is that of evidence…</a:t>
             </a:r>
             <a:endParaRPr lang="en-US" dirty="0"/>
           </a:p>
@@ -5874,7 +6008,7 @@
     </p:spTree>
     <p:extLst>
       <p:ext uri="{BB962C8B-B14F-4D97-AF65-F5344CB8AC3E}">
-        <p14:creationId xmlns:p14="http://schemas.microsoft.com/office/powerpoint/2010/main" val="911337564"/>
+        <p14:creationId xmlns:p14="http://schemas.microsoft.com/office/powerpoint/2010/main" val="1019812874"/>
       </p:ext>
     </p:extLst>
   </p:cSld>
@@ -5918,7 +6052,7 @@
           <a:p>
             <a:r>
               <a:rPr lang="en-US" dirty="0" smtClean="0"/>
-              <a:t>Research Data</a:t>
+              <a:t>Data</a:t>
             </a:r>
             <a:endParaRPr lang="en-US" dirty="0"/>
           </a:p>
@@ -5939,7 +6073,7 @@
           <a:bodyPr/>
           <a:lstStyle/>
           <a:p>
-            <a:pPr marL="0" indent="0">
+            <a:pPr marL="0" indent="0" algn="ctr">
               <a:buNone/>
             </a:pPr>
             <a:endParaRPr lang="en-US" dirty="0" smtClean="0"/>
@@ -5949,18 +6083,48 @@
               <a:buNone/>
             </a:pPr>
             <a:r>
-              <a:rPr lang="en-US" dirty="0" smtClean="0"/>
-              <a:t>Research </a:t>
-            </a:r>
-            <a:r>
-              <a:rPr lang="en-US" dirty="0"/>
-              <a:t>data are the informational resources that scholars draw on in doing research, supporting their findings, and producing new knowledge. </a:t>
-            </a:r>
-          </a:p>
-          <a:p>
-            <a:pPr marL="0" indent="0">
-              <a:buNone/>
-            </a:pPr>
+              <a:rPr lang="en-US" dirty="0" smtClean="0">
+                <a:solidFill>
+                  <a:srgbClr val="A6A6A6"/>
+                </a:solidFill>
+              </a:rPr>
+              <a:t>Instead, we think about data as an information object (of various types) that plays a              certain </a:t>
+            </a:r>
+            <a:r>
+              <a:rPr lang="en-US" b="1" dirty="0" smtClean="0">
+                <a:solidFill>
+                  <a:srgbClr val="A6A6A6"/>
+                </a:solidFill>
+              </a:rPr>
+              <a:t>role </a:t>
+            </a:r>
+            <a:r>
+              <a:rPr lang="en-US" dirty="0" smtClean="0">
+                <a:solidFill>
+                  <a:srgbClr val="A6A6A6"/>
+                </a:solidFill>
+              </a:rPr>
+              <a:t>within a community of practice.</a:t>
+            </a:r>
+          </a:p>
+          <a:p>
+            <a:pPr marL="0" indent="0" algn="ctr">
+              <a:buNone/>
+            </a:pPr>
+            <a:endParaRPr lang="en-US" dirty="0">
+              <a:solidFill>
+                <a:srgbClr val="A6A6A6"/>
+              </a:solidFill>
+            </a:endParaRPr>
+          </a:p>
+          <a:p>
+            <a:pPr marL="0" indent="0" algn="ctr">
+              <a:buNone/>
+            </a:pPr>
+            <a:r>
+              <a:rPr lang="en-US" dirty="0" smtClean="0"/>
+              <a:t>The role that data play in a scholarly community is that of evidence…</a:t>
+            </a:r>
             <a:endParaRPr lang="en-US" dirty="0"/>
           </a:p>
         </p:txBody>
@@ -5968,7 +6132,7 @@
     </p:spTree>
     <p:extLst>
       <p:ext uri="{BB962C8B-B14F-4D97-AF65-F5344CB8AC3E}">
-        <p14:creationId xmlns:p14="http://schemas.microsoft.com/office/powerpoint/2010/main" val="2679505183"/>
+        <p14:creationId xmlns:p14="http://schemas.microsoft.com/office/powerpoint/2010/main" val="911337564"/>
       </p:ext>
     </p:extLst>
   </p:cSld>
@@ -6012,6 +6176,100 @@
           <a:p>
             <a:r>
               <a:rPr lang="en-US" dirty="0" smtClean="0"/>
+              <a:t>Research Data</a:t>
+            </a:r>
+            <a:endParaRPr lang="en-US" dirty="0"/>
+          </a:p>
+        </p:txBody>
+      </p:sp>
+      <p:sp>
+        <p:nvSpPr>
+          <p:cNvPr id="3" name="Content Placeholder 2"/>
+          <p:cNvSpPr>
+            <a:spLocks noGrp="1"/>
+          </p:cNvSpPr>
+          <p:nvPr>
+            <p:ph idx="1"/>
+          </p:nvPr>
+        </p:nvSpPr>
+        <p:spPr/>
+        <p:txBody>
+          <a:bodyPr/>
+          <a:lstStyle/>
+          <a:p>
+            <a:pPr marL="0" indent="0">
+              <a:buNone/>
+            </a:pPr>
+            <a:endParaRPr lang="en-US" dirty="0" smtClean="0"/>
+          </a:p>
+          <a:p>
+            <a:pPr marL="0" indent="0" algn="ctr">
+              <a:buNone/>
+            </a:pPr>
+            <a:r>
+              <a:rPr lang="en-US" dirty="0" smtClean="0"/>
+              <a:t>Research </a:t>
+            </a:r>
+            <a:r>
+              <a:rPr lang="en-US" dirty="0"/>
+              <a:t>data are the informational resources that scholars draw on in doing research, supporting their findings, and producing new knowledge. </a:t>
+            </a:r>
+          </a:p>
+          <a:p>
+            <a:pPr marL="0" indent="0">
+              <a:buNone/>
+            </a:pPr>
+            <a:endParaRPr lang="en-US" dirty="0"/>
+          </a:p>
+        </p:txBody>
+      </p:sp>
+    </p:spTree>
+    <p:extLst>
+      <p:ext uri="{BB962C8B-B14F-4D97-AF65-F5344CB8AC3E}">
+        <p14:creationId xmlns:p14="http://schemas.microsoft.com/office/powerpoint/2010/main" val="2679505183"/>
+      </p:ext>
+    </p:extLst>
+  </p:cSld>
+  <p:clrMapOvr>
+    <a:masterClrMapping/>
+  </p:clrMapOvr>
+</p:sld>
+</file>
+
+<file path=ppt/slides/slide19.xml><?xml version="1.0" encoding="utf-8"?>
+<p:sld xmlns:a="http://schemas.openxmlformats.org/drawingml/2006/main" xmlns:r="http://schemas.openxmlformats.org/officeDocument/2006/relationships" xmlns:p="http://schemas.openxmlformats.org/presentationml/2006/main">
+  <p:cSld>
+    <p:spTree>
+      <p:nvGrpSpPr>
+        <p:cNvPr id="1" name=""/>
+        <p:cNvGrpSpPr/>
+        <p:nvPr/>
+      </p:nvGrpSpPr>
+      <p:grpSpPr>
+        <a:xfrm>
+          <a:off x="0" y="0"/>
+          <a:ext cx="0" cy="0"/>
+          <a:chOff x="0" y="0"/>
+          <a:chExt cx="0" cy="0"/>
+        </a:xfrm>
+      </p:grpSpPr>
+      <p:sp>
+        <p:nvSpPr>
+          <p:cNvPr id="2" name="Title 1"/>
+          <p:cNvSpPr>
+            <a:spLocks noGrp="1"/>
+          </p:cNvSpPr>
+          <p:nvPr>
+            <p:ph type="title"/>
+          </p:nvPr>
+        </p:nvSpPr>
+        <p:spPr/>
+        <p:txBody>
+          <a:bodyPr/>
+          <a:lstStyle/>
+          <a:p>
+            <a:r>
+              <a:rPr lang="en-US" dirty="0" smtClean="0"/>
               <a:t>Scientific Data</a:t>
             </a:r>
             <a:endParaRPr lang="en-US" dirty="0"/>
@@ -6093,7 +6351,111 @@
 </p:sld>
 </file>
 
-<file path=ppt/slides/slide19.xml><?xml version="1.0" encoding="utf-8"?>
+<file path=ppt/slides/slide2.xml><?xml version="1.0" encoding="utf-8"?>
+<p:sld xmlns:a="http://schemas.openxmlformats.org/drawingml/2006/main" xmlns:r="http://schemas.openxmlformats.org/officeDocument/2006/relationships" xmlns:p="http://schemas.openxmlformats.org/presentationml/2006/main">
+  <p:cSld>
+    <p:spTree>
+      <p:nvGrpSpPr>
+        <p:cNvPr id="1" name=""/>
+        <p:cNvGrpSpPr/>
+        <p:nvPr/>
+      </p:nvGrpSpPr>
+      <p:grpSpPr>
+        <a:xfrm>
+          <a:off x="0" y="0"/>
+          <a:ext cx="0" cy="0"/>
+          <a:chOff x="0" y="0"/>
+          <a:chExt cx="0" cy="0"/>
+        </a:xfrm>
+      </p:grpSpPr>
+      <p:sp>
+        <p:nvSpPr>
+          <p:cNvPr id="2" name="Title 1"/>
+          <p:cNvSpPr>
+            <a:spLocks noGrp="1"/>
+          </p:cNvSpPr>
+          <p:nvPr>
+            <p:ph type="title"/>
+          </p:nvPr>
+        </p:nvSpPr>
+        <p:spPr/>
+        <p:txBody>
+          <a:bodyPr/>
+          <a:lstStyle/>
+          <a:p>
+            <a:r>
+              <a:rPr lang="en-US" dirty="0" smtClean="0"/>
+              <a:t>What this session will include:</a:t>
+            </a:r>
+            <a:endParaRPr lang="en-US" dirty="0"/>
+          </a:p>
+        </p:txBody>
+      </p:sp>
+      <p:sp>
+        <p:nvSpPr>
+          <p:cNvPr id="3" name="Content Placeholder 2"/>
+          <p:cNvSpPr>
+            <a:spLocks noGrp="1"/>
+          </p:cNvSpPr>
+          <p:nvPr>
+            <p:ph idx="1"/>
+          </p:nvPr>
+        </p:nvSpPr>
+        <p:spPr>
+          <a:xfrm>
+            <a:off x="457200" y="1830010"/>
+            <a:ext cx="8229600" cy="4525963"/>
+          </a:xfrm>
+        </p:spPr>
+        <p:txBody>
+          <a:bodyPr/>
+          <a:lstStyle/>
+          <a:p>
+            <a:r>
+              <a:rPr lang="en-US" dirty="0" smtClean="0"/>
+              <a:t>Scoping research data curation </a:t>
+            </a:r>
+          </a:p>
+          <a:p>
+            <a:r>
+              <a:rPr lang="en-US" dirty="0" smtClean="0"/>
+              <a:t>Archives and records management concepts</a:t>
+            </a:r>
+          </a:p>
+          <a:p>
+            <a:r>
+              <a:rPr lang="en-US" dirty="0" smtClean="0"/>
+              <a:t>Overview of Life Cycle models</a:t>
+            </a:r>
+          </a:p>
+          <a:p>
+            <a:r>
+              <a:rPr lang="en-US" dirty="0" smtClean="0"/>
+              <a:t>Identifier schemes</a:t>
+            </a:r>
+          </a:p>
+          <a:p>
+            <a:r>
+              <a:rPr lang="en-US" dirty="0" smtClean="0"/>
+              <a:t>Data publication</a:t>
+            </a:r>
+          </a:p>
+        </p:txBody>
+      </p:sp>
+    </p:spTree>
+    <p:extLst>
+      <p:ext uri="{BB962C8B-B14F-4D97-AF65-F5344CB8AC3E}">
+        <p14:creationId xmlns:p14="http://schemas.microsoft.com/office/powerpoint/2010/main" val="4133957706"/>
+      </p:ext>
+    </p:extLst>
+  </p:cSld>
+  <p:clrMapOvr>
+    <a:masterClrMapping/>
+  </p:clrMapOvr>
+</p:sld>
+</file>
+
+<file path=ppt/slides/slide20.xml><?xml version="1.0" encoding="utf-8"?>
 <p:sld xmlns:a="http://schemas.openxmlformats.org/drawingml/2006/main" xmlns:r="http://schemas.openxmlformats.org/officeDocument/2006/relationships" xmlns:p="http://schemas.openxmlformats.org/presentationml/2006/main">
   <p:cSld>
     <p:spTree>
@@ -6336,7 +6698,7 @@
 </p:sld>
 </file>
 
-<file path=ppt/slides/slide2.xml><?xml version="1.0" encoding="utf-8"?>
+<file path=ppt/slides/slide21.xml><?xml version="1.0" encoding="utf-8"?>
 <p:sld xmlns:a="http://schemas.openxmlformats.org/drawingml/2006/main" xmlns:r="http://schemas.openxmlformats.org/officeDocument/2006/relationships" xmlns:p="http://schemas.openxmlformats.org/presentationml/2006/main">
   <p:cSld>
     <p:spTree>
@@ -6370,110 +6732,6 @@
           <a:p>
             <a:r>
               <a:rPr lang="en-US" dirty="0" smtClean="0"/>
-              <a:t>What this session will include:</a:t>
-            </a:r>
-            <a:endParaRPr lang="en-US" dirty="0"/>
-          </a:p>
-        </p:txBody>
-      </p:sp>
-      <p:sp>
-        <p:nvSpPr>
-          <p:cNvPr id="3" name="Content Placeholder 2"/>
-          <p:cNvSpPr>
-            <a:spLocks noGrp="1"/>
-          </p:cNvSpPr>
-          <p:nvPr>
-            <p:ph idx="1"/>
-          </p:nvPr>
-        </p:nvSpPr>
-        <p:spPr>
-          <a:xfrm>
-            <a:off x="457200" y="1830010"/>
-            <a:ext cx="8229600" cy="4525963"/>
-          </a:xfrm>
-        </p:spPr>
-        <p:txBody>
-          <a:bodyPr/>
-          <a:lstStyle/>
-          <a:p>
-            <a:r>
-              <a:rPr lang="en-US" dirty="0" smtClean="0"/>
-              <a:t>Scoping research data curation </a:t>
-            </a:r>
-          </a:p>
-          <a:p>
-            <a:r>
-              <a:rPr lang="en-US" dirty="0" smtClean="0"/>
-              <a:t>Archives and records management concepts</a:t>
-            </a:r>
-          </a:p>
-          <a:p>
-            <a:r>
-              <a:rPr lang="en-US" dirty="0" smtClean="0"/>
-              <a:t>Overview of Life Cycle models</a:t>
-            </a:r>
-          </a:p>
-          <a:p>
-            <a:r>
-              <a:rPr lang="en-US" dirty="0" smtClean="0"/>
-              <a:t>Identifier schemes</a:t>
-            </a:r>
-          </a:p>
-          <a:p>
-            <a:r>
-              <a:rPr lang="en-US" dirty="0" smtClean="0"/>
-              <a:t>Data publication</a:t>
-            </a:r>
-          </a:p>
-        </p:txBody>
-      </p:sp>
-    </p:spTree>
-    <p:extLst>
-      <p:ext uri="{BB962C8B-B14F-4D97-AF65-F5344CB8AC3E}">
-        <p14:creationId xmlns:p14="http://schemas.microsoft.com/office/powerpoint/2010/main" val="4133957706"/>
-      </p:ext>
-    </p:extLst>
-  </p:cSld>
-  <p:clrMapOvr>
-    <a:masterClrMapping/>
-  </p:clrMapOvr>
-</p:sld>
-</file>
-
-<file path=ppt/slides/slide20.xml><?xml version="1.0" encoding="utf-8"?>
-<p:sld xmlns:a="http://schemas.openxmlformats.org/drawingml/2006/main" xmlns:r="http://schemas.openxmlformats.org/officeDocument/2006/relationships" xmlns:p="http://schemas.openxmlformats.org/presentationml/2006/main">
-  <p:cSld>
-    <p:spTree>
-      <p:nvGrpSpPr>
-        <p:cNvPr id="1" name=""/>
-        <p:cNvGrpSpPr/>
-        <p:nvPr/>
-      </p:nvGrpSpPr>
-      <p:grpSpPr>
-        <a:xfrm>
-          <a:off x="0" y="0"/>
-          <a:ext cx="0" cy="0"/>
-          <a:chOff x="0" y="0"/>
-          <a:chExt cx="0" cy="0"/>
-        </a:xfrm>
-      </p:grpSpPr>
-      <p:sp>
-        <p:nvSpPr>
-          <p:cNvPr id="2" name="Title 1"/>
-          <p:cNvSpPr>
-            <a:spLocks noGrp="1"/>
-          </p:cNvSpPr>
-          <p:nvPr>
-            <p:ph type="title"/>
-          </p:nvPr>
-        </p:nvSpPr>
-        <p:spPr/>
-        <p:txBody>
-          <a:bodyPr/>
-          <a:lstStyle/>
-          <a:p>
-            <a:r>
-              <a:rPr lang="en-US" dirty="0" smtClean="0"/>
               <a:t>Humanities Data</a:t>
             </a:r>
             <a:endParaRPr lang="en-US" dirty="0"/>
@@ -6586,7 +6844,7 @@
 </p:sld>
 </file>
 
-<file path=ppt/slides/slide21.xml><?xml version="1.0" encoding="utf-8"?>
+<file path=ppt/slides/slide22.xml><?xml version="1.0" encoding="utf-8"?>
 <p:sld xmlns:a="http://schemas.openxmlformats.org/drawingml/2006/main" xmlns:r="http://schemas.openxmlformats.org/officeDocument/2006/relationships" xmlns:p="http://schemas.openxmlformats.org/presentationml/2006/main">
   <p:cSld>
     <p:spTree>
@@ -6770,111 +7028,6 @@
 </p:sld>
 </file>
 
-<file path=ppt/slides/slide22.xml><?xml version="1.0" encoding="utf-8"?>
-<p:sld xmlns:a="http://schemas.openxmlformats.org/drawingml/2006/main" xmlns:r="http://schemas.openxmlformats.org/officeDocument/2006/relationships" xmlns:p="http://schemas.openxmlformats.org/presentationml/2006/main">
-  <p:cSld>
-    <p:spTree>
-      <p:nvGrpSpPr>
-        <p:cNvPr id="1" name=""/>
-        <p:cNvGrpSpPr/>
-        <p:nvPr/>
-      </p:nvGrpSpPr>
-      <p:grpSpPr>
-        <a:xfrm>
-          <a:off x="0" y="0"/>
-          <a:ext cx="0" cy="0"/>
-          <a:chOff x="0" y="0"/>
-          <a:chExt cx="0" cy="0"/>
-        </a:xfrm>
-      </p:grpSpPr>
-      <p:sp>
-        <p:nvSpPr>
-          <p:cNvPr id="2" name="Title 1"/>
-          <p:cNvSpPr>
-            <a:spLocks noGrp="1"/>
-          </p:cNvSpPr>
-          <p:nvPr>
-            <p:ph type="title"/>
-          </p:nvPr>
-        </p:nvSpPr>
-        <p:spPr/>
-        <p:txBody>
-          <a:bodyPr/>
-          <a:lstStyle/>
-          <a:p>
-            <a:r>
-              <a:rPr lang="en-US" dirty="0" smtClean="0"/>
-              <a:t>Data </a:t>
-            </a:r>
-            <a:endParaRPr lang="en-US" dirty="0"/>
-          </a:p>
-        </p:txBody>
-      </p:sp>
-      <p:sp>
-        <p:nvSpPr>
-          <p:cNvPr id="3" name="Content Placeholder 2"/>
-          <p:cNvSpPr>
-            <a:spLocks noGrp="1"/>
-          </p:cNvSpPr>
-          <p:nvPr>
-            <p:ph idx="1"/>
-          </p:nvPr>
-        </p:nvSpPr>
-        <p:spPr/>
-        <p:txBody>
-          <a:bodyPr>
-            <a:normAutofit/>
-          </a:bodyPr>
-          <a:lstStyle/>
-          <a:p>
-            <a:pPr marL="0" indent="0">
-              <a:buNone/>
-            </a:pPr>
-            <a:r>
-              <a:rPr lang="en-US" dirty="0" smtClean="0"/>
-              <a:t>… are an information object</a:t>
-            </a:r>
-          </a:p>
-          <a:p>
-            <a:pPr marL="0" indent="0">
-              <a:buNone/>
-            </a:pPr>
-            <a:r>
-              <a:rPr lang="en-US" dirty="0" smtClean="0"/>
-              <a:t>… in a particular role</a:t>
-            </a:r>
-          </a:p>
-          <a:p>
-            <a:pPr marL="0" indent="0">
-              <a:buNone/>
-            </a:pPr>
-            <a:endParaRPr lang="en-US" dirty="0" smtClean="0"/>
-          </a:p>
-          <a:p>
-            <a:pPr marL="0" indent="0">
-              <a:buNone/>
-            </a:pPr>
-            <a:r>
-              <a:rPr lang="en-US" dirty="0" smtClean="0"/>
-              <a:t>And in a scholarly community, data play an evidentiary role that supports the production of new knowledge.</a:t>
-            </a:r>
-            <a:endParaRPr lang="en-US" dirty="0"/>
-          </a:p>
-        </p:txBody>
-      </p:sp>
-    </p:spTree>
-    <p:extLst>
-      <p:ext uri="{BB962C8B-B14F-4D97-AF65-F5344CB8AC3E}">
-        <p14:creationId xmlns:p14="http://schemas.microsoft.com/office/powerpoint/2010/main" val="2062537030"/>
-      </p:ext>
-    </p:extLst>
-  </p:cSld>
-  <p:clrMapOvr>
-    <a:masterClrMapping/>
-  </p:clrMapOvr>
-</p:sld>
-</file>
-
 <file path=ppt/slides/slide23.xml><?xml version="1.0" encoding="utf-8"?>
 <p:sld xmlns:a="http://schemas.openxmlformats.org/drawingml/2006/main" xmlns:r="http://schemas.openxmlformats.org/officeDocument/2006/relationships" xmlns:p="http://schemas.openxmlformats.org/presentationml/2006/main">
   <p:cSld>
@@ -6909,6 +7062,111 @@
           <a:p>
             <a:r>
               <a:rPr lang="en-US" dirty="0" smtClean="0"/>
+              <a:t>Data </a:t>
+            </a:r>
+            <a:endParaRPr lang="en-US" dirty="0"/>
+          </a:p>
+        </p:txBody>
+      </p:sp>
+      <p:sp>
+        <p:nvSpPr>
+          <p:cNvPr id="3" name="Content Placeholder 2"/>
+          <p:cNvSpPr>
+            <a:spLocks noGrp="1"/>
+          </p:cNvSpPr>
+          <p:nvPr>
+            <p:ph idx="1"/>
+          </p:nvPr>
+        </p:nvSpPr>
+        <p:spPr/>
+        <p:txBody>
+          <a:bodyPr>
+            <a:normAutofit/>
+          </a:bodyPr>
+          <a:lstStyle/>
+          <a:p>
+            <a:pPr marL="0" indent="0">
+              <a:buNone/>
+            </a:pPr>
+            <a:r>
+              <a:rPr lang="en-US" dirty="0" smtClean="0"/>
+              <a:t>… are an information object</a:t>
+            </a:r>
+          </a:p>
+          <a:p>
+            <a:pPr marL="0" indent="0">
+              <a:buNone/>
+            </a:pPr>
+            <a:r>
+              <a:rPr lang="en-US" dirty="0" smtClean="0"/>
+              <a:t>… in a particular role</a:t>
+            </a:r>
+          </a:p>
+          <a:p>
+            <a:pPr marL="0" indent="0">
+              <a:buNone/>
+            </a:pPr>
+            <a:endParaRPr lang="en-US" dirty="0" smtClean="0"/>
+          </a:p>
+          <a:p>
+            <a:pPr marL="0" indent="0">
+              <a:buNone/>
+            </a:pPr>
+            <a:r>
+              <a:rPr lang="en-US" dirty="0" smtClean="0"/>
+              <a:t>And in a scholarly community, data play an evidentiary role that supports the production of new knowledge.</a:t>
+            </a:r>
+            <a:endParaRPr lang="en-US" dirty="0"/>
+          </a:p>
+        </p:txBody>
+      </p:sp>
+    </p:spTree>
+    <p:extLst>
+      <p:ext uri="{BB962C8B-B14F-4D97-AF65-F5344CB8AC3E}">
+        <p14:creationId xmlns:p14="http://schemas.microsoft.com/office/powerpoint/2010/main" val="2062537030"/>
+      </p:ext>
+    </p:extLst>
+  </p:cSld>
+  <p:clrMapOvr>
+    <a:masterClrMapping/>
+  </p:clrMapOvr>
+</p:sld>
+</file>
+
+<file path=ppt/slides/slide24.xml><?xml version="1.0" encoding="utf-8"?>
+<p:sld xmlns:a="http://schemas.openxmlformats.org/drawingml/2006/main" xmlns:r="http://schemas.openxmlformats.org/officeDocument/2006/relationships" xmlns:p="http://schemas.openxmlformats.org/presentationml/2006/main">
+  <p:cSld>
+    <p:spTree>
+      <p:nvGrpSpPr>
+        <p:cNvPr id="1" name=""/>
+        <p:cNvGrpSpPr/>
+        <p:nvPr/>
+      </p:nvGrpSpPr>
+      <p:grpSpPr>
+        <a:xfrm>
+          <a:off x="0" y="0"/>
+          <a:ext cx="0" cy="0"/>
+          <a:chOff x="0" y="0"/>
+          <a:chExt cx="0" cy="0"/>
+        </a:xfrm>
+      </p:grpSpPr>
+      <p:sp>
+        <p:nvSpPr>
+          <p:cNvPr id="2" name="Title 1"/>
+          <p:cNvSpPr>
+            <a:spLocks noGrp="1"/>
+          </p:cNvSpPr>
+          <p:nvPr>
+            <p:ph type="title"/>
+          </p:nvPr>
+        </p:nvSpPr>
+        <p:spPr/>
+        <p:txBody>
+          <a:bodyPr/>
+          <a:lstStyle/>
+          <a:p>
+            <a:r>
+              <a:rPr lang="en-US" dirty="0" smtClean="0"/>
               <a:t>Data “types”</a:t>
             </a:r>
             <a:endParaRPr lang="en-US" dirty="0"/>
@@ -7239,7 +7497,7 @@
 </p:sld>
 </file>
 
-<file path=ppt/slides/slide24.xml><?xml version="1.0" encoding="utf-8"?>
+<file path=ppt/slides/slide25.xml><?xml version="1.0" encoding="utf-8"?>
 <p:sld xmlns:a="http://schemas.openxmlformats.org/drawingml/2006/main" xmlns:r="http://schemas.openxmlformats.org/officeDocument/2006/relationships" xmlns:p="http://schemas.openxmlformats.org/presentationml/2006/main">
   <p:cSld>
     <p:spTree>
@@ -7347,7 +7605,7 @@
 </p:sld>
 </file>
 
-<file path=ppt/slides/slide25.xml><?xml version="1.0" encoding="utf-8"?>
+<file path=ppt/slides/slide26.xml><?xml version="1.0" encoding="utf-8"?>
 <p:sld xmlns:a="http://schemas.openxmlformats.org/drawingml/2006/main" xmlns:r="http://schemas.openxmlformats.org/officeDocument/2006/relationships" xmlns:p="http://schemas.openxmlformats.org/presentationml/2006/main">
   <p:cSld>
     <p:spTree>
@@ -7423,7 +7681,11 @@
             </a:pPr>
             <a:r>
               <a:rPr lang="en-US" dirty="0" smtClean="0"/>
-              <a:t>The act of healing, or curing. </a:t>
+              <a:t>Healing, </a:t>
+            </a:r>
+            <a:r>
+              <a:rPr lang="en-US" dirty="0" smtClean="0"/>
+              <a:t>or curing. </a:t>
             </a:r>
           </a:p>
           <a:p>
@@ -7451,7 +7713,7 @@
 </p:sld>
 </file>
 
-<file path=ppt/slides/slide26.xml><?xml version="1.0" encoding="utf-8"?>
+<file path=ppt/slides/slide27.xml><?xml version="1.0" encoding="utf-8"?>
 <p:sld xmlns:a="http://schemas.openxmlformats.org/drawingml/2006/main" xmlns:r="http://schemas.openxmlformats.org/officeDocument/2006/relationships" xmlns:p="http://schemas.openxmlformats.org/presentationml/2006/main">
   <p:cSld>
     <p:spTree>
@@ -7528,7 +7790,7 @@
 </p:sld>
 </file>
 
-<file path=ppt/slides/slide27.xml><?xml version="1.0" encoding="utf-8"?>
+<file path=ppt/slides/slide28.xml><?xml version="1.0" encoding="utf-8"?>
 <p:sld xmlns:a="http://schemas.openxmlformats.org/drawingml/2006/main" xmlns:r="http://schemas.openxmlformats.org/officeDocument/2006/relationships" xmlns:p="http://schemas.openxmlformats.org/presentationml/2006/main">
   <p:cSld>
     <p:spTree>
@@ -7668,7 +7930,7 @@
 </p:sld>
 </file>
 
-<file path=ppt/slides/slide28.xml><?xml version="1.0" encoding="utf-8"?>
+<file path=ppt/slides/slide29.xml><?xml version="1.0" encoding="utf-8"?>
 <p:sld xmlns:a="http://schemas.openxmlformats.org/drawingml/2006/main" xmlns:r="http://schemas.openxmlformats.org/officeDocument/2006/relationships" xmlns:p="http://schemas.openxmlformats.org/presentationml/2006/main">
   <p:cSld>
     <p:spTree>
@@ -8713,21 +8975,8 @@
             </a:pPr>
             <a:r>
               <a:rPr lang="en-US" dirty="0" smtClean="0"/>
-              <a:t>Cost </a:t>
-            </a:r>
-            <a:r>
-              <a:rPr lang="en-US" dirty="0" smtClean="0"/>
-              <a:t>of </a:t>
-            </a:r>
-            <a:r>
-              <a:rPr lang="en-US" dirty="0" smtClean="0"/>
-              <a:t>publication </a:t>
-            </a:r>
-            <a:r>
-              <a:rPr lang="en-US" dirty="0" smtClean="0"/>
-              <a:t>in Open Access journal: </a:t>
-            </a:r>
-            <a:endParaRPr lang="en-US" dirty="0" smtClean="0"/>
+              <a:t>Cost of publication in Open Access journal: </a:t>
+            </a:r>
           </a:p>
           <a:p>
             <a:pPr marL="0" indent="0">
@@ -8735,17 +8984,8 @@
             </a:pPr>
             <a:r>
               <a:rPr lang="en-US" dirty="0" smtClean="0"/>
-              <a:t>~ </a:t>
-            </a:r>
-            <a:r>
-              <a:rPr lang="en-US" dirty="0" smtClean="0"/>
-              <a:t>$ </a:t>
-            </a:r>
-            <a:r>
-              <a:rPr lang="en-US" dirty="0" smtClean="0"/>
-              <a:t>3000 </a:t>
-            </a:r>
-            <a:endParaRPr lang="en-US" dirty="0" smtClean="0"/>
+              <a:t>~ $ 3000 </a:t>
+            </a:r>
           </a:p>
           <a:p>
             <a:pPr marL="0" indent="0">
@@ -8761,7 +9001,6 @@
               <a:rPr lang="en-US" dirty="0" smtClean="0"/>
               <a:t>Fully reproducible, open access research product – code, data, and publication is (at least) : $6000</a:t>
             </a:r>
-            <a:endParaRPr lang="en-US" dirty="0" smtClean="0"/>
           </a:p>
           <a:p>
             <a:pPr marL="0" indent="0">
